--- a/Projeto-AjudeMais/002-Acompanhamento/Iteracao-01/ADR - apresentacao de resultados-IT01.pptx
+++ b/Projeto-AjudeMais/002-Acompanhamento/Iteracao-01/ADR - apresentacao de resultados-IT01.pptx
@@ -12,6 +12,7 @@
     <p:sldId id="259" r:id="rId7"/>
     <p:sldId id="260" r:id="rId8"/>
     <p:sldId id="261" r:id="rId9"/>
+    <p:sldId id="262" r:id="rId10"/>
   </p:sldIdLst>
   <p:sldSz cx="9144000" cy="6858000"/>
   <p:notesSz cx="7772400" cy="10058400"/>
@@ -59,7 +60,7 @@
       </p:grpSpPr>
       <p:sp>
         <p:nvSpPr>
-          <p:cNvPr id="26" name="PlaceHolder 1"/>
+          <p:cNvPr id="23" name="PlaceHolder 1"/>
           <p:cNvSpPr>
             <a:spLocks noGrp="1"/>
           </p:cNvSpPr>
@@ -69,8 +70,8 @@
         </p:nvSpPr>
         <p:spPr>
           <a:xfrm>
-            <a:off x="457200" y="274680"/>
-            <a:ext cx="8229240" cy="1142640"/>
+            <a:off x="457200" y="273600"/>
+            <a:ext cx="8229240" cy="1144800"/>
           </a:xfrm>
           <a:prstGeom prst="rect">
             <a:avLst/>
@@ -79,23 +80,24 @@
         <p:txBody>
           <a:bodyPr lIns="0" rIns="0" tIns="0" bIns="0" anchor="ctr"/>
           <a:p>
-            <a:endParaRPr b="0" lang="pt-BR" sz="1800" spc="-1" strike="noStrike">
-              <a:solidFill>
-                <a:srgbClr val="000000"/>
-              </a:solidFill>
-              <a:uFill>
-                <a:solidFill>
-                  <a:srgbClr val="ffffff"/>
-                </a:solidFill>
-              </a:uFill>
-              <a:latin typeface="Calibri"/>
-            </a:endParaRPr>
-          </a:p>
-        </p:txBody>
-      </p:sp>
-      <p:sp>
-        <p:nvSpPr>
-          <p:cNvPr id="27" name="PlaceHolder 2"/>
+            <a:pPr algn="ctr"/>
+            <a:endParaRPr b="0" lang="pt-BR" sz="4400" spc="-1" strike="noStrike">
+              <a:solidFill>
+                <a:srgbClr val="000000"/>
+              </a:solidFill>
+              <a:uFill>
+                <a:solidFill>
+                  <a:srgbClr val="ffffff"/>
+                </a:solidFill>
+              </a:uFill>
+              <a:latin typeface="Arial"/>
+            </a:endParaRPr>
+          </a:p>
+        </p:txBody>
+      </p:sp>
+      <p:sp>
+        <p:nvSpPr>
+          <p:cNvPr id="24" name="PlaceHolder 2"/>
           <p:cNvSpPr>
             <a:spLocks noGrp="1"/>
           </p:cNvSpPr>
@@ -105,8 +107,8 @@
         </p:nvSpPr>
         <p:spPr>
           <a:xfrm>
-            <a:off x="457200" y="1600200"/>
-            <a:ext cx="8229240" cy="2158560"/>
+            <a:off x="457200" y="1604520"/>
+            <a:ext cx="8229240" cy="1896840"/>
           </a:xfrm>
           <a:prstGeom prst="rect">
             <a:avLst/>
@@ -124,14 +126,14 @@
                   <a:srgbClr val="ffffff"/>
                 </a:solidFill>
               </a:uFill>
-              <a:latin typeface="Calibri"/>
-            </a:endParaRPr>
-          </a:p>
-        </p:txBody>
-      </p:sp>
-      <p:sp>
-        <p:nvSpPr>
-          <p:cNvPr id="28" name="PlaceHolder 3"/>
+              <a:latin typeface="Arial"/>
+            </a:endParaRPr>
+          </a:p>
+        </p:txBody>
+      </p:sp>
+      <p:sp>
+        <p:nvSpPr>
+          <p:cNvPr id="25" name="PlaceHolder 3"/>
           <p:cNvSpPr>
             <a:spLocks noGrp="1"/>
           </p:cNvSpPr>
@@ -141,8 +143,8 @@
         </p:nvSpPr>
         <p:spPr>
           <a:xfrm>
-            <a:off x="457200" y="3964320"/>
-            <a:ext cx="8229240" cy="2158560"/>
+            <a:off x="457200" y="3682080"/>
+            <a:ext cx="8229240" cy="1896840"/>
           </a:xfrm>
           <a:prstGeom prst="rect">
             <a:avLst/>
@@ -160,7 +162,7 @@
                   <a:srgbClr val="ffffff"/>
                 </a:solidFill>
               </a:uFill>
-              <a:latin typeface="Calibri"/>
+              <a:latin typeface="Arial"/>
             </a:endParaRPr>
           </a:p>
         </p:txBody>
@@ -189,7 +191,7 @@
       </p:grpSpPr>
       <p:sp>
         <p:nvSpPr>
-          <p:cNvPr id="29" name="PlaceHolder 1"/>
+          <p:cNvPr id="26" name="PlaceHolder 1"/>
           <p:cNvSpPr>
             <a:spLocks noGrp="1"/>
           </p:cNvSpPr>
@@ -199,8 +201,8 @@
         </p:nvSpPr>
         <p:spPr>
           <a:xfrm>
-            <a:off x="457200" y="274680"/>
-            <a:ext cx="8229240" cy="1142640"/>
+            <a:off x="457200" y="273600"/>
+            <a:ext cx="8229240" cy="1144800"/>
           </a:xfrm>
           <a:prstGeom prst="rect">
             <a:avLst/>
@@ -209,23 +211,24 @@
         <p:txBody>
           <a:bodyPr lIns="0" rIns="0" tIns="0" bIns="0" anchor="ctr"/>
           <a:p>
-            <a:endParaRPr b="0" lang="pt-BR" sz="1800" spc="-1" strike="noStrike">
-              <a:solidFill>
-                <a:srgbClr val="000000"/>
-              </a:solidFill>
-              <a:uFill>
-                <a:solidFill>
-                  <a:srgbClr val="ffffff"/>
-                </a:solidFill>
-              </a:uFill>
-              <a:latin typeface="Calibri"/>
-            </a:endParaRPr>
-          </a:p>
-        </p:txBody>
-      </p:sp>
-      <p:sp>
-        <p:nvSpPr>
-          <p:cNvPr id="30" name="PlaceHolder 2"/>
+            <a:pPr algn="ctr"/>
+            <a:endParaRPr b="0" lang="pt-BR" sz="4400" spc="-1" strike="noStrike">
+              <a:solidFill>
+                <a:srgbClr val="000000"/>
+              </a:solidFill>
+              <a:uFill>
+                <a:solidFill>
+                  <a:srgbClr val="ffffff"/>
+                </a:solidFill>
+              </a:uFill>
+              <a:latin typeface="Arial"/>
+            </a:endParaRPr>
+          </a:p>
+        </p:txBody>
+      </p:sp>
+      <p:sp>
+        <p:nvSpPr>
+          <p:cNvPr id="27" name="PlaceHolder 2"/>
           <p:cNvSpPr>
             <a:spLocks noGrp="1"/>
           </p:cNvSpPr>
@@ -235,8 +238,8 @@
         </p:nvSpPr>
         <p:spPr>
           <a:xfrm>
-            <a:off x="457200" y="1600200"/>
-            <a:ext cx="4015800" cy="2158560"/>
+            <a:off x="457200" y="1604520"/>
+            <a:ext cx="4015800" cy="1896840"/>
           </a:xfrm>
           <a:prstGeom prst="rect">
             <a:avLst/>
@@ -254,14 +257,14 @@
                   <a:srgbClr val="ffffff"/>
                 </a:solidFill>
               </a:uFill>
-              <a:latin typeface="Calibri"/>
-            </a:endParaRPr>
-          </a:p>
-        </p:txBody>
-      </p:sp>
-      <p:sp>
-        <p:nvSpPr>
-          <p:cNvPr id="31" name="PlaceHolder 3"/>
+              <a:latin typeface="Arial"/>
+            </a:endParaRPr>
+          </a:p>
+        </p:txBody>
+      </p:sp>
+      <p:sp>
+        <p:nvSpPr>
+          <p:cNvPr id="28" name="PlaceHolder 3"/>
           <p:cNvSpPr>
             <a:spLocks noGrp="1"/>
           </p:cNvSpPr>
@@ -271,8 +274,8 @@
         </p:nvSpPr>
         <p:spPr>
           <a:xfrm>
-            <a:off x="4674240" y="1600200"/>
-            <a:ext cx="4015800" cy="2158560"/>
+            <a:off x="4674240" y="1604520"/>
+            <a:ext cx="4015800" cy="1896840"/>
           </a:xfrm>
           <a:prstGeom prst="rect">
             <a:avLst/>
@@ -290,14 +293,14 @@
                   <a:srgbClr val="ffffff"/>
                 </a:solidFill>
               </a:uFill>
-              <a:latin typeface="Calibri"/>
-            </a:endParaRPr>
-          </a:p>
-        </p:txBody>
-      </p:sp>
-      <p:sp>
-        <p:nvSpPr>
-          <p:cNvPr id="32" name="PlaceHolder 4"/>
+              <a:latin typeface="Arial"/>
+            </a:endParaRPr>
+          </a:p>
+        </p:txBody>
+      </p:sp>
+      <p:sp>
+        <p:nvSpPr>
+          <p:cNvPr id="29" name="PlaceHolder 4"/>
           <p:cNvSpPr>
             <a:spLocks noGrp="1"/>
           </p:cNvSpPr>
@@ -307,8 +310,8 @@
         </p:nvSpPr>
         <p:spPr>
           <a:xfrm>
-            <a:off x="4674240" y="3964320"/>
-            <a:ext cx="4015800" cy="2158560"/>
+            <a:off x="4674240" y="3682080"/>
+            <a:ext cx="4015800" cy="1896840"/>
           </a:xfrm>
           <a:prstGeom prst="rect">
             <a:avLst/>
@@ -326,14 +329,14 @@
                   <a:srgbClr val="ffffff"/>
                 </a:solidFill>
               </a:uFill>
-              <a:latin typeface="Calibri"/>
-            </a:endParaRPr>
-          </a:p>
-        </p:txBody>
-      </p:sp>
-      <p:sp>
-        <p:nvSpPr>
-          <p:cNvPr id="33" name="PlaceHolder 5"/>
+              <a:latin typeface="Arial"/>
+            </a:endParaRPr>
+          </a:p>
+        </p:txBody>
+      </p:sp>
+      <p:sp>
+        <p:nvSpPr>
+          <p:cNvPr id="30" name="PlaceHolder 5"/>
           <p:cNvSpPr>
             <a:spLocks noGrp="1"/>
           </p:cNvSpPr>
@@ -343,8 +346,8 @@
         </p:nvSpPr>
         <p:spPr>
           <a:xfrm>
-            <a:off x="457200" y="3964320"/>
-            <a:ext cx="4015800" cy="2158560"/>
+            <a:off x="457200" y="3682080"/>
+            <a:ext cx="4015800" cy="1896840"/>
           </a:xfrm>
           <a:prstGeom prst="rect">
             <a:avLst/>
@@ -362,7 +365,7 @@
                   <a:srgbClr val="ffffff"/>
                 </a:solidFill>
               </a:uFill>
-              <a:latin typeface="Calibri"/>
+              <a:latin typeface="Arial"/>
             </a:endParaRPr>
           </a:p>
         </p:txBody>
@@ -391,7 +394,7 @@
       </p:grpSpPr>
       <p:sp>
         <p:nvSpPr>
-          <p:cNvPr id="34" name="PlaceHolder 1"/>
+          <p:cNvPr id="31" name="PlaceHolder 1"/>
           <p:cNvSpPr>
             <a:spLocks noGrp="1"/>
           </p:cNvSpPr>
@@ -401,8 +404,8 @@
         </p:nvSpPr>
         <p:spPr>
           <a:xfrm>
-            <a:off x="457200" y="274680"/>
-            <a:ext cx="8229240" cy="1142640"/>
+            <a:off x="457200" y="273600"/>
+            <a:ext cx="8229240" cy="1144800"/>
           </a:xfrm>
           <a:prstGeom prst="rect">
             <a:avLst/>
@@ -411,23 +414,24 @@
         <p:txBody>
           <a:bodyPr lIns="0" rIns="0" tIns="0" bIns="0" anchor="ctr"/>
           <a:p>
-            <a:endParaRPr b="0" lang="pt-BR" sz="1800" spc="-1" strike="noStrike">
-              <a:solidFill>
-                <a:srgbClr val="000000"/>
-              </a:solidFill>
-              <a:uFill>
-                <a:solidFill>
-                  <a:srgbClr val="ffffff"/>
-                </a:solidFill>
-              </a:uFill>
-              <a:latin typeface="Calibri"/>
-            </a:endParaRPr>
-          </a:p>
-        </p:txBody>
-      </p:sp>
-      <p:sp>
-        <p:nvSpPr>
-          <p:cNvPr id="35" name="PlaceHolder 2"/>
+            <a:pPr algn="ctr"/>
+            <a:endParaRPr b="0" lang="pt-BR" sz="4400" spc="-1" strike="noStrike">
+              <a:solidFill>
+                <a:srgbClr val="000000"/>
+              </a:solidFill>
+              <a:uFill>
+                <a:solidFill>
+                  <a:srgbClr val="ffffff"/>
+                </a:solidFill>
+              </a:uFill>
+              <a:latin typeface="Arial"/>
+            </a:endParaRPr>
+          </a:p>
+        </p:txBody>
+      </p:sp>
+      <p:sp>
+        <p:nvSpPr>
+          <p:cNvPr id="32" name="PlaceHolder 2"/>
           <p:cNvSpPr>
             <a:spLocks noGrp="1"/>
           </p:cNvSpPr>
@@ -437,8 +441,8 @@
         </p:nvSpPr>
         <p:spPr>
           <a:xfrm>
-            <a:off x="457200" y="1600200"/>
-            <a:ext cx="8229240" cy="4525560"/>
+            <a:off x="457200" y="1604520"/>
+            <a:ext cx="8229240" cy="3977280"/>
           </a:xfrm>
           <a:prstGeom prst="rect">
             <a:avLst/>
@@ -456,14 +460,14 @@
                   <a:srgbClr val="ffffff"/>
                 </a:solidFill>
               </a:uFill>
-              <a:latin typeface="Calibri"/>
-            </a:endParaRPr>
-          </a:p>
-        </p:txBody>
-      </p:sp>
-      <p:sp>
-        <p:nvSpPr>
-          <p:cNvPr id="36" name="PlaceHolder 3"/>
+              <a:latin typeface="Arial"/>
+            </a:endParaRPr>
+          </a:p>
+        </p:txBody>
+      </p:sp>
+      <p:sp>
+        <p:nvSpPr>
+          <p:cNvPr id="33" name="PlaceHolder 3"/>
           <p:cNvSpPr>
             <a:spLocks noGrp="1"/>
           </p:cNvSpPr>
@@ -473,8 +477,8 @@
         </p:nvSpPr>
         <p:spPr>
           <a:xfrm>
-            <a:off x="457200" y="1600200"/>
-            <a:ext cx="8229240" cy="4525560"/>
+            <a:off x="457200" y="1604520"/>
+            <a:ext cx="8229240" cy="3977280"/>
           </a:xfrm>
           <a:prstGeom prst="rect">
             <a:avLst/>
@@ -492,14 +496,14 @@
                   <a:srgbClr val="ffffff"/>
                 </a:solidFill>
               </a:uFill>
-              <a:latin typeface="Calibri"/>
+              <a:latin typeface="Arial"/>
             </a:endParaRPr>
           </a:p>
         </p:txBody>
       </p:sp>
       <p:pic>
         <p:nvPicPr>
-          <p:cNvPr id="37" name="" descr=""/>
+          <p:cNvPr id="34" name="" descr=""/>
           <p:cNvPicPr/>
           <p:nvPr/>
         </p:nvPicPr>
@@ -509,8 +513,8 @@
         </p:blipFill>
         <p:spPr>
           <a:xfrm>
-            <a:off x="1735560" y="1599840"/>
-            <a:ext cx="5671800" cy="4525560"/>
+            <a:off x="2079000" y="1604520"/>
+            <a:ext cx="4984920" cy="3977280"/>
           </a:xfrm>
           <a:prstGeom prst="rect">
             <a:avLst/>
@@ -522,7 +526,7 @@
       </p:pic>
       <p:pic>
         <p:nvPicPr>
-          <p:cNvPr id="38" name="" descr=""/>
+          <p:cNvPr id="35" name="" descr=""/>
           <p:cNvPicPr/>
           <p:nvPr/>
         </p:nvPicPr>
@@ -532,8 +536,8 @@
         </p:blipFill>
         <p:spPr>
           <a:xfrm>
-            <a:off x="1735560" y="1599840"/>
-            <a:ext cx="5671800" cy="4525560"/>
+            <a:off x="2079000" y="1604520"/>
+            <a:ext cx="4984920" cy="3977280"/>
           </a:xfrm>
           <a:prstGeom prst="rect">
             <a:avLst/>
@@ -589,7 +593,7 @@
       </p:grpSpPr>
       <p:sp>
         <p:nvSpPr>
-          <p:cNvPr id="44" name="PlaceHolder 1"/>
+          <p:cNvPr id="38" name="PlaceHolder 1"/>
           <p:cNvSpPr>
             <a:spLocks noGrp="1"/>
           </p:cNvSpPr>
@@ -599,8 +603,8 @@
         </p:nvSpPr>
         <p:spPr>
           <a:xfrm>
-            <a:off x="457200" y="274680"/>
-            <a:ext cx="8229240" cy="1142640"/>
+            <a:off x="457200" y="273600"/>
+            <a:ext cx="8229240" cy="1144800"/>
           </a:xfrm>
           <a:prstGeom prst="rect">
             <a:avLst/>
@@ -609,23 +613,24 @@
         <p:txBody>
           <a:bodyPr lIns="0" rIns="0" tIns="0" bIns="0" anchor="ctr"/>
           <a:p>
-            <a:endParaRPr b="0" lang="pt-BR" sz="1800" spc="-1" strike="noStrike">
-              <a:solidFill>
-                <a:srgbClr val="000000"/>
-              </a:solidFill>
-              <a:uFill>
-                <a:solidFill>
-                  <a:srgbClr val="ffffff"/>
-                </a:solidFill>
-              </a:uFill>
-              <a:latin typeface="Calibri"/>
-            </a:endParaRPr>
-          </a:p>
-        </p:txBody>
-      </p:sp>
-      <p:sp>
-        <p:nvSpPr>
-          <p:cNvPr id="45" name="PlaceHolder 2"/>
+            <a:pPr algn="ctr"/>
+            <a:endParaRPr b="0" lang="pt-BR" sz="4400" spc="-1" strike="noStrike">
+              <a:solidFill>
+                <a:srgbClr val="000000"/>
+              </a:solidFill>
+              <a:uFill>
+                <a:solidFill>
+                  <a:srgbClr val="ffffff"/>
+                </a:solidFill>
+              </a:uFill>
+              <a:latin typeface="Arial"/>
+            </a:endParaRPr>
+          </a:p>
+        </p:txBody>
+      </p:sp>
+      <p:sp>
+        <p:nvSpPr>
+          <p:cNvPr id="39" name="PlaceHolder 2"/>
           <p:cNvSpPr>
             <a:spLocks noGrp="1"/>
           </p:cNvSpPr>
@@ -635,8 +640,8 @@
         </p:nvSpPr>
         <p:spPr>
           <a:xfrm>
-            <a:off x="457200" y="1600200"/>
-            <a:ext cx="8229240" cy="4525560"/>
+            <a:off x="457200" y="1604520"/>
+            <a:ext cx="8229240" cy="3977280"/>
           </a:xfrm>
           <a:prstGeom prst="rect">
             <a:avLst/>
@@ -684,7 +689,7 @@
       </p:grpSpPr>
       <p:sp>
         <p:nvSpPr>
-          <p:cNvPr id="46" name="PlaceHolder 1"/>
+          <p:cNvPr id="40" name="PlaceHolder 1"/>
           <p:cNvSpPr>
             <a:spLocks noGrp="1"/>
           </p:cNvSpPr>
@@ -694,8 +699,8 @@
         </p:nvSpPr>
         <p:spPr>
           <a:xfrm>
-            <a:off x="457200" y="274680"/>
-            <a:ext cx="8229240" cy="1142640"/>
+            <a:off x="457200" y="273600"/>
+            <a:ext cx="8229240" cy="1144800"/>
           </a:xfrm>
           <a:prstGeom prst="rect">
             <a:avLst/>
@@ -704,23 +709,24 @@
         <p:txBody>
           <a:bodyPr lIns="0" rIns="0" tIns="0" bIns="0" anchor="ctr"/>
           <a:p>
-            <a:endParaRPr b="0" lang="pt-BR" sz="1800" spc="-1" strike="noStrike">
-              <a:solidFill>
-                <a:srgbClr val="000000"/>
-              </a:solidFill>
-              <a:uFill>
-                <a:solidFill>
-                  <a:srgbClr val="ffffff"/>
-                </a:solidFill>
-              </a:uFill>
-              <a:latin typeface="Calibri"/>
-            </a:endParaRPr>
-          </a:p>
-        </p:txBody>
-      </p:sp>
-      <p:sp>
-        <p:nvSpPr>
-          <p:cNvPr id="47" name="PlaceHolder 2"/>
+            <a:pPr algn="ctr"/>
+            <a:endParaRPr b="0" lang="pt-BR" sz="4400" spc="-1" strike="noStrike">
+              <a:solidFill>
+                <a:srgbClr val="000000"/>
+              </a:solidFill>
+              <a:uFill>
+                <a:solidFill>
+                  <a:srgbClr val="ffffff"/>
+                </a:solidFill>
+              </a:uFill>
+              <a:latin typeface="Arial"/>
+            </a:endParaRPr>
+          </a:p>
+        </p:txBody>
+      </p:sp>
+      <p:sp>
+        <p:nvSpPr>
+          <p:cNvPr id="41" name="PlaceHolder 2"/>
           <p:cNvSpPr>
             <a:spLocks noGrp="1"/>
           </p:cNvSpPr>
@@ -730,8 +736,8 @@
         </p:nvSpPr>
         <p:spPr>
           <a:xfrm>
-            <a:off x="457200" y="1600200"/>
-            <a:ext cx="8229240" cy="4525560"/>
+            <a:off x="457200" y="1604520"/>
+            <a:ext cx="8229240" cy="3977280"/>
           </a:xfrm>
           <a:prstGeom prst="rect">
             <a:avLst/>
@@ -749,7 +755,7 @@
                   <a:srgbClr val="ffffff"/>
                 </a:solidFill>
               </a:uFill>
-              <a:latin typeface="Calibri"/>
+              <a:latin typeface="Arial"/>
             </a:endParaRPr>
           </a:p>
         </p:txBody>
@@ -778,7 +784,7 @@
       </p:grpSpPr>
       <p:sp>
         <p:nvSpPr>
-          <p:cNvPr id="48" name="PlaceHolder 1"/>
+          <p:cNvPr id="42" name="PlaceHolder 1"/>
           <p:cNvSpPr>
             <a:spLocks noGrp="1"/>
           </p:cNvSpPr>
@@ -788,8 +794,8 @@
         </p:nvSpPr>
         <p:spPr>
           <a:xfrm>
-            <a:off x="457200" y="274680"/>
-            <a:ext cx="8229240" cy="1142640"/>
+            <a:off x="457200" y="273600"/>
+            <a:ext cx="8229240" cy="1144800"/>
           </a:xfrm>
           <a:prstGeom prst="rect">
             <a:avLst/>
@@ -798,23 +804,24 @@
         <p:txBody>
           <a:bodyPr lIns="0" rIns="0" tIns="0" bIns="0" anchor="ctr"/>
           <a:p>
-            <a:endParaRPr b="0" lang="pt-BR" sz="1800" spc="-1" strike="noStrike">
-              <a:solidFill>
-                <a:srgbClr val="000000"/>
-              </a:solidFill>
-              <a:uFill>
-                <a:solidFill>
-                  <a:srgbClr val="ffffff"/>
-                </a:solidFill>
-              </a:uFill>
-              <a:latin typeface="Calibri"/>
-            </a:endParaRPr>
-          </a:p>
-        </p:txBody>
-      </p:sp>
-      <p:sp>
-        <p:nvSpPr>
-          <p:cNvPr id="49" name="PlaceHolder 2"/>
+            <a:pPr algn="ctr"/>
+            <a:endParaRPr b="0" lang="pt-BR" sz="4400" spc="-1" strike="noStrike">
+              <a:solidFill>
+                <a:srgbClr val="000000"/>
+              </a:solidFill>
+              <a:uFill>
+                <a:solidFill>
+                  <a:srgbClr val="ffffff"/>
+                </a:solidFill>
+              </a:uFill>
+              <a:latin typeface="Arial"/>
+            </a:endParaRPr>
+          </a:p>
+        </p:txBody>
+      </p:sp>
+      <p:sp>
+        <p:nvSpPr>
+          <p:cNvPr id="43" name="PlaceHolder 2"/>
           <p:cNvSpPr>
             <a:spLocks noGrp="1"/>
           </p:cNvSpPr>
@@ -824,8 +831,8 @@
         </p:nvSpPr>
         <p:spPr>
           <a:xfrm>
-            <a:off x="457200" y="1600200"/>
-            <a:ext cx="4015800" cy="4525560"/>
+            <a:off x="457200" y="1604520"/>
+            <a:ext cx="4015800" cy="3977280"/>
           </a:xfrm>
           <a:prstGeom prst="rect">
             <a:avLst/>
@@ -843,14 +850,14 @@
                   <a:srgbClr val="ffffff"/>
                 </a:solidFill>
               </a:uFill>
-              <a:latin typeface="Calibri"/>
-            </a:endParaRPr>
-          </a:p>
-        </p:txBody>
-      </p:sp>
-      <p:sp>
-        <p:nvSpPr>
-          <p:cNvPr id="50" name="PlaceHolder 3"/>
+              <a:latin typeface="Arial"/>
+            </a:endParaRPr>
+          </a:p>
+        </p:txBody>
+      </p:sp>
+      <p:sp>
+        <p:nvSpPr>
+          <p:cNvPr id="44" name="PlaceHolder 3"/>
           <p:cNvSpPr>
             <a:spLocks noGrp="1"/>
           </p:cNvSpPr>
@@ -860,8 +867,8 @@
         </p:nvSpPr>
         <p:spPr>
           <a:xfrm>
-            <a:off x="4674240" y="1600200"/>
-            <a:ext cx="4015800" cy="4525560"/>
+            <a:off x="4674240" y="1604520"/>
+            <a:ext cx="4015800" cy="3977280"/>
           </a:xfrm>
           <a:prstGeom prst="rect">
             <a:avLst/>
@@ -879,7 +886,7 @@
                   <a:srgbClr val="ffffff"/>
                 </a:solidFill>
               </a:uFill>
-              <a:latin typeface="Calibri"/>
+              <a:latin typeface="Arial"/>
             </a:endParaRPr>
           </a:p>
         </p:txBody>
@@ -908,7 +915,7 @@
       </p:grpSpPr>
       <p:sp>
         <p:nvSpPr>
-          <p:cNvPr id="51" name="PlaceHolder 1"/>
+          <p:cNvPr id="45" name="PlaceHolder 1"/>
           <p:cNvSpPr>
             <a:spLocks noGrp="1"/>
           </p:cNvSpPr>
@@ -918,8 +925,8 @@
         </p:nvSpPr>
         <p:spPr>
           <a:xfrm>
-            <a:off x="457200" y="274680"/>
-            <a:ext cx="8229240" cy="1142640"/>
+            <a:off x="457200" y="273600"/>
+            <a:ext cx="8229240" cy="1144800"/>
           </a:xfrm>
           <a:prstGeom prst="rect">
             <a:avLst/>
@@ -928,16 +935,17 @@
         <p:txBody>
           <a:bodyPr lIns="0" rIns="0" tIns="0" bIns="0" anchor="ctr"/>
           <a:p>
-            <a:endParaRPr b="0" lang="pt-BR" sz="1800" spc="-1" strike="noStrike">
-              <a:solidFill>
-                <a:srgbClr val="000000"/>
-              </a:solidFill>
-              <a:uFill>
-                <a:solidFill>
-                  <a:srgbClr val="ffffff"/>
-                </a:solidFill>
-              </a:uFill>
-              <a:latin typeface="Calibri"/>
+            <a:pPr algn="ctr"/>
+            <a:endParaRPr b="0" lang="pt-BR" sz="4400" spc="-1" strike="noStrike">
+              <a:solidFill>
+                <a:srgbClr val="000000"/>
+              </a:solidFill>
+              <a:uFill>
+                <a:solidFill>
+                  <a:srgbClr val="ffffff"/>
+                </a:solidFill>
+              </a:uFill>
+              <a:latin typeface="Arial"/>
             </a:endParaRPr>
           </a:p>
         </p:txBody>
@@ -966,7 +974,7 @@
       </p:grpSpPr>
       <p:sp>
         <p:nvSpPr>
-          <p:cNvPr id="52" name="PlaceHolder 1"/>
+          <p:cNvPr id="46" name="PlaceHolder 1"/>
           <p:cNvSpPr>
             <a:spLocks noGrp="1"/>
           </p:cNvSpPr>
@@ -976,8 +984,8 @@
         </p:nvSpPr>
         <p:spPr>
           <a:xfrm>
-            <a:off x="457200" y="274680"/>
-            <a:ext cx="8229240" cy="5297760"/>
+            <a:off x="457200" y="273600"/>
+            <a:ext cx="8229240" cy="5307840"/>
           </a:xfrm>
           <a:prstGeom prst="rect">
             <a:avLst/>
@@ -1025,7 +1033,7 @@
       </p:grpSpPr>
       <p:sp>
         <p:nvSpPr>
-          <p:cNvPr id="53" name="PlaceHolder 1"/>
+          <p:cNvPr id="47" name="PlaceHolder 1"/>
           <p:cNvSpPr>
             <a:spLocks noGrp="1"/>
           </p:cNvSpPr>
@@ -1035,8 +1043,8 @@
         </p:nvSpPr>
         <p:spPr>
           <a:xfrm>
-            <a:off x="457200" y="274680"/>
-            <a:ext cx="8229240" cy="1142640"/>
+            <a:off x="457200" y="273600"/>
+            <a:ext cx="8229240" cy="1144800"/>
           </a:xfrm>
           <a:prstGeom prst="rect">
             <a:avLst/>
@@ -1045,23 +1053,24 @@
         <p:txBody>
           <a:bodyPr lIns="0" rIns="0" tIns="0" bIns="0" anchor="ctr"/>
           <a:p>
-            <a:endParaRPr b="0" lang="pt-BR" sz="1800" spc="-1" strike="noStrike">
-              <a:solidFill>
-                <a:srgbClr val="000000"/>
-              </a:solidFill>
-              <a:uFill>
-                <a:solidFill>
-                  <a:srgbClr val="ffffff"/>
-                </a:solidFill>
-              </a:uFill>
-              <a:latin typeface="Calibri"/>
-            </a:endParaRPr>
-          </a:p>
-        </p:txBody>
-      </p:sp>
-      <p:sp>
-        <p:nvSpPr>
-          <p:cNvPr id="54" name="PlaceHolder 2"/>
+            <a:pPr algn="ctr"/>
+            <a:endParaRPr b="0" lang="pt-BR" sz="4400" spc="-1" strike="noStrike">
+              <a:solidFill>
+                <a:srgbClr val="000000"/>
+              </a:solidFill>
+              <a:uFill>
+                <a:solidFill>
+                  <a:srgbClr val="ffffff"/>
+                </a:solidFill>
+              </a:uFill>
+              <a:latin typeface="Arial"/>
+            </a:endParaRPr>
+          </a:p>
+        </p:txBody>
+      </p:sp>
+      <p:sp>
+        <p:nvSpPr>
+          <p:cNvPr id="48" name="PlaceHolder 2"/>
           <p:cNvSpPr>
             <a:spLocks noGrp="1"/>
           </p:cNvSpPr>
@@ -1071,8 +1080,8 @@
         </p:nvSpPr>
         <p:spPr>
           <a:xfrm>
-            <a:off x="457200" y="1600200"/>
-            <a:ext cx="4015800" cy="2158560"/>
+            <a:off x="457200" y="1604520"/>
+            <a:ext cx="4015800" cy="1896840"/>
           </a:xfrm>
           <a:prstGeom prst="rect">
             <a:avLst/>
@@ -1090,14 +1099,14 @@
                   <a:srgbClr val="ffffff"/>
                 </a:solidFill>
               </a:uFill>
-              <a:latin typeface="Calibri"/>
-            </a:endParaRPr>
-          </a:p>
-        </p:txBody>
-      </p:sp>
-      <p:sp>
-        <p:nvSpPr>
-          <p:cNvPr id="55" name="PlaceHolder 3"/>
+              <a:latin typeface="Arial"/>
+            </a:endParaRPr>
+          </a:p>
+        </p:txBody>
+      </p:sp>
+      <p:sp>
+        <p:nvSpPr>
+          <p:cNvPr id="49" name="PlaceHolder 3"/>
           <p:cNvSpPr>
             <a:spLocks noGrp="1"/>
           </p:cNvSpPr>
@@ -1107,8 +1116,8 @@
         </p:nvSpPr>
         <p:spPr>
           <a:xfrm>
-            <a:off x="457200" y="3964320"/>
-            <a:ext cx="4015800" cy="2158560"/>
+            <a:off x="457200" y="3682080"/>
+            <a:ext cx="4015800" cy="1896840"/>
           </a:xfrm>
           <a:prstGeom prst="rect">
             <a:avLst/>
@@ -1126,14 +1135,14 @@
                   <a:srgbClr val="ffffff"/>
                 </a:solidFill>
               </a:uFill>
-              <a:latin typeface="Calibri"/>
-            </a:endParaRPr>
-          </a:p>
-        </p:txBody>
-      </p:sp>
-      <p:sp>
-        <p:nvSpPr>
-          <p:cNvPr id="56" name="PlaceHolder 4"/>
+              <a:latin typeface="Arial"/>
+            </a:endParaRPr>
+          </a:p>
+        </p:txBody>
+      </p:sp>
+      <p:sp>
+        <p:nvSpPr>
+          <p:cNvPr id="50" name="PlaceHolder 4"/>
           <p:cNvSpPr>
             <a:spLocks noGrp="1"/>
           </p:cNvSpPr>
@@ -1143,8 +1152,8 @@
         </p:nvSpPr>
         <p:spPr>
           <a:xfrm>
-            <a:off x="4674240" y="1600200"/>
-            <a:ext cx="4015800" cy="4525560"/>
+            <a:off x="4674240" y="1604520"/>
+            <a:ext cx="4015800" cy="3977280"/>
           </a:xfrm>
           <a:prstGeom prst="rect">
             <a:avLst/>
@@ -1162,7 +1171,7 @@
                   <a:srgbClr val="ffffff"/>
                 </a:solidFill>
               </a:uFill>
-              <a:latin typeface="Calibri"/>
+              <a:latin typeface="Arial"/>
             </a:endParaRPr>
           </a:p>
         </p:txBody>
@@ -1191,7 +1200,7 @@
       </p:grpSpPr>
       <p:sp>
         <p:nvSpPr>
-          <p:cNvPr id="5" name="PlaceHolder 1"/>
+          <p:cNvPr id="2" name="PlaceHolder 1"/>
           <p:cNvSpPr>
             <a:spLocks noGrp="1"/>
           </p:cNvSpPr>
@@ -1201,8 +1210,8 @@
         </p:nvSpPr>
         <p:spPr>
           <a:xfrm>
-            <a:off x="457200" y="274680"/>
-            <a:ext cx="8229240" cy="1142640"/>
+            <a:off x="457200" y="273600"/>
+            <a:ext cx="8229240" cy="1144800"/>
           </a:xfrm>
           <a:prstGeom prst="rect">
             <a:avLst/>
@@ -1211,23 +1220,24 @@
         <p:txBody>
           <a:bodyPr lIns="0" rIns="0" tIns="0" bIns="0" anchor="ctr"/>
           <a:p>
-            <a:endParaRPr b="0" lang="pt-BR" sz="1800" spc="-1" strike="noStrike">
-              <a:solidFill>
-                <a:srgbClr val="000000"/>
-              </a:solidFill>
-              <a:uFill>
-                <a:solidFill>
-                  <a:srgbClr val="ffffff"/>
-                </a:solidFill>
-              </a:uFill>
-              <a:latin typeface="Calibri"/>
-            </a:endParaRPr>
-          </a:p>
-        </p:txBody>
-      </p:sp>
-      <p:sp>
-        <p:nvSpPr>
-          <p:cNvPr id="6" name="PlaceHolder 2"/>
+            <a:pPr algn="ctr"/>
+            <a:endParaRPr b="0" lang="pt-BR" sz="4400" spc="-1" strike="noStrike">
+              <a:solidFill>
+                <a:srgbClr val="000000"/>
+              </a:solidFill>
+              <a:uFill>
+                <a:solidFill>
+                  <a:srgbClr val="ffffff"/>
+                </a:solidFill>
+              </a:uFill>
+              <a:latin typeface="Arial"/>
+            </a:endParaRPr>
+          </a:p>
+        </p:txBody>
+      </p:sp>
+      <p:sp>
+        <p:nvSpPr>
+          <p:cNvPr id="3" name="PlaceHolder 2"/>
           <p:cNvSpPr>
             <a:spLocks noGrp="1"/>
           </p:cNvSpPr>
@@ -1237,8 +1247,8 @@
         </p:nvSpPr>
         <p:spPr>
           <a:xfrm>
-            <a:off x="457200" y="1600200"/>
-            <a:ext cx="8229240" cy="4525560"/>
+            <a:off x="457200" y="1604520"/>
+            <a:ext cx="8229240" cy="3977280"/>
           </a:xfrm>
           <a:prstGeom prst="rect">
             <a:avLst/>
@@ -1286,7 +1296,7 @@
       </p:grpSpPr>
       <p:sp>
         <p:nvSpPr>
-          <p:cNvPr id="57" name="PlaceHolder 1"/>
+          <p:cNvPr id="51" name="PlaceHolder 1"/>
           <p:cNvSpPr>
             <a:spLocks noGrp="1"/>
           </p:cNvSpPr>
@@ -1296,8 +1306,8 @@
         </p:nvSpPr>
         <p:spPr>
           <a:xfrm>
-            <a:off x="457200" y="274680"/>
-            <a:ext cx="8229240" cy="1142640"/>
+            <a:off x="457200" y="273600"/>
+            <a:ext cx="8229240" cy="1144800"/>
           </a:xfrm>
           <a:prstGeom prst="rect">
             <a:avLst/>
@@ -1306,23 +1316,24 @@
         <p:txBody>
           <a:bodyPr lIns="0" rIns="0" tIns="0" bIns="0" anchor="ctr"/>
           <a:p>
-            <a:endParaRPr b="0" lang="pt-BR" sz="1800" spc="-1" strike="noStrike">
-              <a:solidFill>
-                <a:srgbClr val="000000"/>
-              </a:solidFill>
-              <a:uFill>
-                <a:solidFill>
-                  <a:srgbClr val="ffffff"/>
-                </a:solidFill>
-              </a:uFill>
-              <a:latin typeface="Calibri"/>
-            </a:endParaRPr>
-          </a:p>
-        </p:txBody>
-      </p:sp>
-      <p:sp>
-        <p:nvSpPr>
-          <p:cNvPr id="58" name="PlaceHolder 2"/>
+            <a:pPr algn="ctr"/>
+            <a:endParaRPr b="0" lang="pt-BR" sz="4400" spc="-1" strike="noStrike">
+              <a:solidFill>
+                <a:srgbClr val="000000"/>
+              </a:solidFill>
+              <a:uFill>
+                <a:solidFill>
+                  <a:srgbClr val="ffffff"/>
+                </a:solidFill>
+              </a:uFill>
+              <a:latin typeface="Arial"/>
+            </a:endParaRPr>
+          </a:p>
+        </p:txBody>
+      </p:sp>
+      <p:sp>
+        <p:nvSpPr>
+          <p:cNvPr id="52" name="PlaceHolder 2"/>
           <p:cNvSpPr>
             <a:spLocks noGrp="1"/>
           </p:cNvSpPr>
@@ -1332,8 +1343,8 @@
         </p:nvSpPr>
         <p:spPr>
           <a:xfrm>
-            <a:off x="457200" y="1600200"/>
-            <a:ext cx="4015800" cy="4525560"/>
+            <a:off x="457200" y="1604520"/>
+            <a:ext cx="4015800" cy="3977280"/>
           </a:xfrm>
           <a:prstGeom prst="rect">
             <a:avLst/>
@@ -1351,14 +1362,14 @@
                   <a:srgbClr val="ffffff"/>
                 </a:solidFill>
               </a:uFill>
-              <a:latin typeface="Calibri"/>
-            </a:endParaRPr>
-          </a:p>
-        </p:txBody>
-      </p:sp>
-      <p:sp>
-        <p:nvSpPr>
-          <p:cNvPr id="59" name="PlaceHolder 3"/>
+              <a:latin typeface="Arial"/>
+            </a:endParaRPr>
+          </a:p>
+        </p:txBody>
+      </p:sp>
+      <p:sp>
+        <p:nvSpPr>
+          <p:cNvPr id="53" name="PlaceHolder 3"/>
           <p:cNvSpPr>
             <a:spLocks noGrp="1"/>
           </p:cNvSpPr>
@@ -1368,8 +1379,8 @@
         </p:nvSpPr>
         <p:spPr>
           <a:xfrm>
-            <a:off x="4674240" y="1600200"/>
-            <a:ext cx="4015800" cy="2158560"/>
+            <a:off x="4674240" y="1604520"/>
+            <a:ext cx="4015800" cy="1896840"/>
           </a:xfrm>
           <a:prstGeom prst="rect">
             <a:avLst/>
@@ -1387,14 +1398,14 @@
                   <a:srgbClr val="ffffff"/>
                 </a:solidFill>
               </a:uFill>
-              <a:latin typeface="Calibri"/>
-            </a:endParaRPr>
-          </a:p>
-        </p:txBody>
-      </p:sp>
-      <p:sp>
-        <p:nvSpPr>
-          <p:cNvPr id="60" name="PlaceHolder 4"/>
+              <a:latin typeface="Arial"/>
+            </a:endParaRPr>
+          </a:p>
+        </p:txBody>
+      </p:sp>
+      <p:sp>
+        <p:nvSpPr>
+          <p:cNvPr id="54" name="PlaceHolder 4"/>
           <p:cNvSpPr>
             <a:spLocks noGrp="1"/>
           </p:cNvSpPr>
@@ -1404,8 +1415,8 @@
         </p:nvSpPr>
         <p:spPr>
           <a:xfrm>
-            <a:off x="4674240" y="3964320"/>
-            <a:ext cx="4015800" cy="2158560"/>
+            <a:off x="4674240" y="3682080"/>
+            <a:ext cx="4015800" cy="1896840"/>
           </a:xfrm>
           <a:prstGeom prst="rect">
             <a:avLst/>
@@ -1423,7 +1434,7 @@
                   <a:srgbClr val="ffffff"/>
                 </a:solidFill>
               </a:uFill>
-              <a:latin typeface="Calibri"/>
+              <a:latin typeface="Arial"/>
             </a:endParaRPr>
           </a:p>
         </p:txBody>
@@ -1452,7 +1463,7 @@
       </p:grpSpPr>
       <p:sp>
         <p:nvSpPr>
-          <p:cNvPr id="61" name="PlaceHolder 1"/>
+          <p:cNvPr id="55" name="PlaceHolder 1"/>
           <p:cNvSpPr>
             <a:spLocks noGrp="1"/>
           </p:cNvSpPr>
@@ -1462,8 +1473,8 @@
         </p:nvSpPr>
         <p:spPr>
           <a:xfrm>
-            <a:off x="457200" y="274680"/>
-            <a:ext cx="8229240" cy="1142640"/>
+            <a:off x="457200" y="273600"/>
+            <a:ext cx="8229240" cy="1144800"/>
           </a:xfrm>
           <a:prstGeom prst="rect">
             <a:avLst/>
@@ -1472,23 +1483,24 @@
         <p:txBody>
           <a:bodyPr lIns="0" rIns="0" tIns="0" bIns="0" anchor="ctr"/>
           <a:p>
-            <a:endParaRPr b="0" lang="pt-BR" sz="1800" spc="-1" strike="noStrike">
-              <a:solidFill>
-                <a:srgbClr val="000000"/>
-              </a:solidFill>
-              <a:uFill>
-                <a:solidFill>
-                  <a:srgbClr val="ffffff"/>
-                </a:solidFill>
-              </a:uFill>
-              <a:latin typeface="Calibri"/>
-            </a:endParaRPr>
-          </a:p>
-        </p:txBody>
-      </p:sp>
-      <p:sp>
-        <p:nvSpPr>
-          <p:cNvPr id="62" name="PlaceHolder 2"/>
+            <a:pPr algn="ctr"/>
+            <a:endParaRPr b="0" lang="pt-BR" sz="4400" spc="-1" strike="noStrike">
+              <a:solidFill>
+                <a:srgbClr val="000000"/>
+              </a:solidFill>
+              <a:uFill>
+                <a:solidFill>
+                  <a:srgbClr val="ffffff"/>
+                </a:solidFill>
+              </a:uFill>
+              <a:latin typeface="Arial"/>
+            </a:endParaRPr>
+          </a:p>
+        </p:txBody>
+      </p:sp>
+      <p:sp>
+        <p:nvSpPr>
+          <p:cNvPr id="56" name="PlaceHolder 2"/>
           <p:cNvSpPr>
             <a:spLocks noGrp="1"/>
           </p:cNvSpPr>
@@ -1498,8 +1510,8 @@
         </p:nvSpPr>
         <p:spPr>
           <a:xfrm>
-            <a:off x="457200" y="1600200"/>
-            <a:ext cx="4015800" cy="2158560"/>
+            <a:off x="457200" y="1604520"/>
+            <a:ext cx="4015800" cy="1896840"/>
           </a:xfrm>
           <a:prstGeom prst="rect">
             <a:avLst/>
@@ -1517,14 +1529,14 @@
                   <a:srgbClr val="ffffff"/>
                 </a:solidFill>
               </a:uFill>
-              <a:latin typeface="Calibri"/>
-            </a:endParaRPr>
-          </a:p>
-        </p:txBody>
-      </p:sp>
-      <p:sp>
-        <p:nvSpPr>
-          <p:cNvPr id="63" name="PlaceHolder 3"/>
+              <a:latin typeface="Arial"/>
+            </a:endParaRPr>
+          </a:p>
+        </p:txBody>
+      </p:sp>
+      <p:sp>
+        <p:nvSpPr>
+          <p:cNvPr id="57" name="PlaceHolder 3"/>
           <p:cNvSpPr>
             <a:spLocks noGrp="1"/>
           </p:cNvSpPr>
@@ -1534,8 +1546,8 @@
         </p:nvSpPr>
         <p:spPr>
           <a:xfrm>
-            <a:off x="4674240" y="1600200"/>
-            <a:ext cx="4015800" cy="2158560"/>
+            <a:off x="4674240" y="1604520"/>
+            <a:ext cx="4015800" cy="1896840"/>
           </a:xfrm>
           <a:prstGeom prst="rect">
             <a:avLst/>
@@ -1553,14 +1565,14 @@
                   <a:srgbClr val="ffffff"/>
                 </a:solidFill>
               </a:uFill>
-              <a:latin typeface="Calibri"/>
-            </a:endParaRPr>
-          </a:p>
-        </p:txBody>
-      </p:sp>
-      <p:sp>
-        <p:nvSpPr>
-          <p:cNvPr id="64" name="PlaceHolder 4"/>
+              <a:latin typeface="Arial"/>
+            </a:endParaRPr>
+          </a:p>
+        </p:txBody>
+      </p:sp>
+      <p:sp>
+        <p:nvSpPr>
+          <p:cNvPr id="58" name="PlaceHolder 4"/>
           <p:cNvSpPr>
             <a:spLocks noGrp="1"/>
           </p:cNvSpPr>
@@ -1570,8 +1582,8 @@
         </p:nvSpPr>
         <p:spPr>
           <a:xfrm>
-            <a:off x="457200" y="3964320"/>
-            <a:ext cx="8229240" cy="2158560"/>
+            <a:off x="457200" y="3682080"/>
+            <a:ext cx="8229240" cy="1896840"/>
           </a:xfrm>
           <a:prstGeom prst="rect">
             <a:avLst/>
@@ -1589,7 +1601,7 @@
                   <a:srgbClr val="ffffff"/>
                 </a:solidFill>
               </a:uFill>
-              <a:latin typeface="Calibri"/>
+              <a:latin typeface="Arial"/>
             </a:endParaRPr>
           </a:p>
         </p:txBody>
@@ -1618,7 +1630,7 @@
       </p:grpSpPr>
       <p:sp>
         <p:nvSpPr>
-          <p:cNvPr id="65" name="PlaceHolder 1"/>
+          <p:cNvPr id="59" name="PlaceHolder 1"/>
           <p:cNvSpPr>
             <a:spLocks noGrp="1"/>
           </p:cNvSpPr>
@@ -1628,8 +1640,8 @@
         </p:nvSpPr>
         <p:spPr>
           <a:xfrm>
-            <a:off x="457200" y="274680"/>
-            <a:ext cx="8229240" cy="1142640"/>
+            <a:off x="457200" y="273600"/>
+            <a:ext cx="8229240" cy="1144800"/>
           </a:xfrm>
           <a:prstGeom prst="rect">
             <a:avLst/>
@@ -1638,23 +1650,24 @@
         <p:txBody>
           <a:bodyPr lIns="0" rIns="0" tIns="0" bIns="0" anchor="ctr"/>
           <a:p>
-            <a:endParaRPr b="0" lang="pt-BR" sz="1800" spc="-1" strike="noStrike">
-              <a:solidFill>
-                <a:srgbClr val="000000"/>
-              </a:solidFill>
-              <a:uFill>
-                <a:solidFill>
-                  <a:srgbClr val="ffffff"/>
-                </a:solidFill>
-              </a:uFill>
-              <a:latin typeface="Calibri"/>
-            </a:endParaRPr>
-          </a:p>
-        </p:txBody>
-      </p:sp>
-      <p:sp>
-        <p:nvSpPr>
-          <p:cNvPr id="66" name="PlaceHolder 2"/>
+            <a:pPr algn="ctr"/>
+            <a:endParaRPr b="0" lang="pt-BR" sz="4400" spc="-1" strike="noStrike">
+              <a:solidFill>
+                <a:srgbClr val="000000"/>
+              </a:solidFill>
+              <a:uFill>
+                <a:solidFill>
+                  <a:srgbClr val="ffffff"/>
+                </a:solidFill>
+              </a:uFill>
+              <a:latin typeface="Arial"/>
+            </a:endParaRPr>
+          </a:p>
+        </p:txBody>
+      </p:sp>
+      <p:sp>
+        <p:nvSpPr>
+          <p:cNvPr id="60" name="PlaceHolder 2"/>
           <p:cNvSpPr>
             <a:spLocks noGrp="1"/>
           </p:cNvSpPr>
@@ -1664,8 +1677,8 @@
         </p:nvSpPr>
         <p:spPr>
           <a:xfrm>
-            <a:off x="457200" y="1600200"/>
-            <a:ext cx="8229240" cy="2158560"/>
+            <a:off x="457200" y="1604520"/>
+            <a:ext cx="8229240" cy="1896840"/>
           </a:xfrm>
           <a:prstGeom prst="rect">
             <a:avLst/>
@@ -1683,14 +1696,14 @@
                   <a:srgbClr val="ffffff"/>
                 </a:solidFill>
               </a:uFill>
-              <a:latin typeface="Calibri"/>
-            </a:endParaRPr>
-          </a:p>
-        </p:txBody>
-      </p:sp>
-      <p:sp>
-        <p:nvSpPr>
-          <p:cNvPr id="67" name="PlaceHolder 3"/>
+              <a:latin typeface="Arial"/>
+            </a:endParaRPr>
+          </a:p>
+        </p:txBody>
+      </p:sp>
+      <p:sp>
+        <p:nvSpPr>
+          <p:cNvPr id="61" name="PlaceHolder 3"/>
           <p:cNvSpPr>
             <a:spLocks noGrp="1"/>
           </p:cNvSpPr>
@@ -1700,8 +1713,8 @@
         </p:nvSpPr>
         <p:spPr>
           <a:xfrm>
-            <a:off x="457200" y="3964320"/>
-            <a:ext cx="8229240" cy="2158560"/>
+            <a:off x="457200" y="3682080"/>
+            <a:ext cx="8229240" cy="1896840"/>
           </a:xfrm>
           <a:prstGeom prst="rect">
             <a:avLst/>
@@ -1719,7 +1732,7 @@
                   <a:srgbClr val="ffffff"/>
                 </a:solidFill>
               </a:uFill>
-              <a:latin typeface="Calibri"/>
+              <a:latin typeface="Arial"/>
             </a:endParaRPr>
           </a:p>
         </p:txBody>
@@ -1748,7 +1761,7 @@
       </p:grpSpPr>
       <p:sp>
         <p:nvSpPr>
-          <p:cNvPr id="68" name="PlaceHolder 1"/>
+          <p:cNvPr id="62" name="PlaceHolder 1"/>
           <p:cNvSpPr>
             <a:spLocks noGrp="1"/>
           </p:cNvSpPr>
@@ -1758,8 +1771,8 @@
         </p:nvSpPr>
         <p:spPr>
           <a:xfrm>
-            <a:off x="457200" y="274680"/>
-            <a:ext cx="8229240" cy="1142640"/>
+            <a:off x="457200" y="273600"/>
+            <a:ext cx="8229240" cy="1144800"/>
           </a:xfrm>
           <a:prstGeom prst="rect">
             <a:avLst/>
@@ -1768,23 +1781,24 @@
         <p:txBody>
           <a:bodyPr lIns="0" rIns="0" tIns="0" bIns="0" anchor="ctr"/>
           <a:p>
-            <a:endParaRPr b="0" lang="pt-BR" sz="1800" spc="-1" strike="noStrike">
-              <a:solidFill>
-                <a:srgbClr val="000000"/>
-              </a:solidFill>
-              <a:uFill>
-                <a:solidFill>
-                  <a:srgbClr val="ffffff"/>
-                </a:solidFill>
-              </a:uFill>
-              <a:latin typeface="Calibri"/>
-            </a:endParaRPr>
-          </a:p>
-        </p:txBody>
-      </p:sp>
-      <p:sp>
-        <p:nvSpPr>
-          <p:cNvPr id="69" name="PlaceHolder 2"/>
+            <a:pPr algn="ctr"/>
+            <a:endParaRPr b="0" lang="pt-BR" sz="4400" spc="-1" strike="noStrike">
+              <a:solidFill>
+                <a:srgbClr val="000000"/>
+              </a:solidFill>
+              <a:uFill>
+                <a:solidFill>
+                  <a:srgbClr val="ffffff"/>
+                </a:solidFill>
+              </a:uFill>
+              <a:latin typeface="Arial"/>
+            </a:endParaRPr>
+          </a:p>
+        </p:txBody>
+      </p:sp>
+      <p:sp>
+        <p:nvSpPr>
+          <p:cNvPr id="63" name="PlaceHolder 2"/>
           <p:cNvSpPr>
             <a:spLocks noGrp="1"/>
           </p:cNvSpPr>
@@ -1794,8 +1808,8 @@
         </p:nvSpPr>
         <p:spPr>
           <a:xfrm>
-            <a:off x="457200" y="1600200"/>
-            <a:ext cx="4015800" cy="2158560"/>
+            <a:off x="457200" y="1604520"/>
+            <a:ext cx="4015800" cy="1896840"/>
           </a:xfrm>
           <a:prstGeom prst="rect">
             <a:avLst/>
@@ -1813,14 +1827,14 @@
                   <a:srgbClr val="ffffff"/>
                 </a:solidFill>
               </a:uFill>
-              <a:latin typeface="Calibri"/>
-            </a:endParaRPr>
-          </a:p>
-        </p:txBody>
-      </p:sp>
-      <p:sp>
-        <p:nvSpPr>
-          <p:cNvPr id="70" name="PlaceHolder 3"/>
+              <a:latin typeface="Arial"/>
+            </a:endParaRPr>
+          </a:p>
+        </p:txBody>
+      </p:sp>
+      <p:sp>
+        <p:nvSpPr>
+          <p:cNvPr id="64" name="PlaceHolder 3"/>
           <p:cNvSpPr>
             <a:spLocks noGrp="1"/>
           </p:cNvSpPr>
@@ -1830,8 +1844,8 @@
         </p:nvSpPr>
         <p:spPr>
           <a:xfrm>
-            <a:off x="4674240" y="1600200"/>
-            <a:ext cx="4015800" cy="2158560"/>
+            <a:off x="4674240" y="1604520"/>
+            <a:ext cx="4015800" cy="1896840"/>
           </a:xfrm>
           <a:prstGeom prst="rect">
             <a:avLst/>
@@ -1849,14 +1863,14 @@
                   <a:srgbClr val="ffffff"/>
                 </a:solidFill>
               </a:uFill>
-              <a:latin typeface="Calibri"/>
-            </a:endParaRPr>
-          </a:p>
-        </p:txBody>
-      </p:sp>
-      <p:sp>
-        <p:nvSpPr>
-          <p:cNvPr id="71" name="PlaceHolder 4"/>
+              <a:latin typeface="Arial"/>
+            </a:endParaRPr>
+          </a:p>
+        </p:txBody>
+      </p:sp>
+      <p:sp>
+        <p:nvSpPr>
+          <p:cNvPr id="65" name="PlaceHolder 4"/>
           <p:cNvSpPr>
             <a:spLocks noGrp="1"/>
           </p:cNvSpPr>
@@ -1866,8 +1880,8 @@
         </p:nvSpPr>
         <p:spPr>
           <a:xfrm>
-            <a:off x="4674240" y="3964320"/>
-            <a:ext cx="4015800" cy="2158560"/>
+            <a:off x="4674240" y="3682080"/>
+            <a:ext cx="4015800" cy="1896840"/>
           </a:xfrm>
           <a:prstGeom prst="rect">
             <a:avLst/>
@@ -1885,14 +1899,14 @@
                   <a:srgbClr val="ffffff"/>
                 </a:solidFill>
               </a:uFill>
-              <a:latin typeface="Calibri"/>
-            </a:endParaRPr>
-          </a:p>
-        </p:txBody>
-      </p:sp>
-      <p:sp>
-        <p:nvSpPr>
-          <p:cNvPr id="72" name="PlaceHolder 5"/>
+              <a:latin typeface="Arial"/>
+            </a:endParaRPr>
+          </a:p>
+        </p:txBody>
+      </p:sp>
+      <p:sp>
+        <p:nvSpPr>
+          <p:cNvPr id="66" name="PlaceHolder 5"/>
           <p:cNvSpPr>
             <a:spLocks noGrp="1"/>
           </p:cNvSpPr>
@@ -1902,8 +1916,8 @@
         </p:nvSpPr>
         <p:spPr>
           <a:xfrm>
-            <a:off x="457200" y="3964320"/>
-            <a:ext cx="4015800" cy="2158560"/>
+            <a:off x="457200" y="3682080"/>
+            <a:ext cx="4015800" cy="1896840"/>
           </a:xfrm>
           <a:prstGeom prst="rect">
             <a:avLst/>
@@ -1921,7 +1935,7 @@
                   <a:srgbClr val="ffffff"/>
                 </a:solidFill>
               </a:uFill>
-              <a:latin typeface="Calibri"/>
+              <a:latin typeface="Arial"/>
             </a:endParaRPr>
           </a:p>
         </p:txBody>
@@ -1950,7 +1964,7 @@
       </p:grpSpPr>
       <p:sp>
         <p:nvSpPr>
-          <p:cNvPr id="73" name="PlaceHolder 1"/>
+          <p:cNvPr id="67" name="PlaceHolder 1"/>
           <p:cNvSpPr>
             <a:spLocks noGrp="1"/>
           </p:cNvSpPr>
@@ -1960,8 +1974,8 @@
         </p:nvSpPr>
         <p:spPr>
           <a:xfrm>
-            <a:off x="457200" y="274680"/>
-            <a:ext cx="8229240" cy="1142640"/>
+            <a:off x="457200" y="273600"/>
+            <a:ext cx="8229240" cy="1144800"/>
           </a:xfrm>
           <a:prstGeom prst="rect">
             <a:avLst/>
@@ -1970,23 +1984,24 @@
         <p:txBody>
           <a:bodyPr lIns="0" rIns="0" tIns="0" bIns="0" anchor="ctr"/>
           <a:p>
-            <a:endParaRPr b="0" lang="pt-BR" sz="1800" spc="-1" strike="noStrike">
-              <a:solidFill>
-                <a:srgbClr val="000000"/>
-              </a:solidFill>
-              <a:uFill>
-                <a:solidFill>
-                  <a:srgbClr val="ffffff"/>
-                </a:solidFill>
-              </a:uFill>
-              <a:latin typeface="Calibri"/>
-            </a:endParaRPr>
-          </a:p>
-        </p:txBody>
-      </p:sp>
-      <p:sp>
-        <p:nvSpPr>
-          <p:cNvPr id="74" name="PlaceHolder 2"/>
+            <a:pPr algn="ctr"/>
+            <a:endParaRPr b="0" lang="pt-BR" sz="4400" spc="-1" strike="noStrike">
+              <a:solidFill>
+                <a:srgbClr val="000000"/>
+              </a:solidFill>
+              <a:uFill>
+                <a:solidFill>
+                  <a:srgbClr val="ffffff"/>
+                </a:solidFill>
+              </a:uFill>
+              <a:latin typeface="Arial"/>
+            </a:endParaRPr>
+          </a:p>
+        </p:txBody>
+      </p:sp>
+      <p:sp>
+        <p:nvSpPr>
+          <p:cNvPr id="68" name="PlaceHolder 2"/>
           <p:cNvSpPr>
             <a:spLocks noGrp="1"/>
           </p:cNvSpPr>
@@ -1996,8 +2011,8 @@
         </p:nvSpPr>
         <p:spPr>
           <a:xfrm>
-            <a:off x="457200" y="1600200"/>
-            <a:ext cx="8229240" cy="4525560"/>
+            <a:off x="457200" y="1604520"/>
+            <a:ext cx="8229240" cy="3977280"/>
           </a:xfrm>
           <a:prstGeom prst="rect">
             <a:avLst/>
@@ -2015,14 +2030,14 @@
                   <a:srgbClr val="ffffff"/>
                 </a:solidFill>
               </a:uFill>
-              <a:latin typeface="Calibri"/>
-            </a:endParaRPr>
-          </a:p>
-        </p:txBody>
-      </p:sp>
-      <p:sp>
-        <p:nvSpPr>
-          <p:cNvPr id="75" name="PlaceHolder 3"/>
+              <a:latin typeface="Arial"/>
+            </a:endParaRPr>
+          </a:p>
+        </p:txBody>
+      </p:sp>
+      <p:sp>
+        <p:nvSpPr>
+          <p:cNvPr id="69" name="PlaceHolder 3"/>
           <p:cNvSpPr>
             <a:spLocks noGrp="1"/>
           </p:cNvSpPr>
@@ -2032,8 +2047,8 @@
         </p:nvSpPr>
         <p:spPr>
           <a:xfrm>
-            <a:off x="457200" y="1600200"/>
-            <a:ext cx="8229240" cy="4525560"/>
+            <a:off x="457200" y="1604520"/>
+            <a:ext cx="8229240" cy="3977280"/>
           </a:xfrm>
           <a:prstGeom prst="rect">
             <a:avLst/>
@@ -2051,14 +2066,14 @@
                   <a:srgbClr val="ffffff"/>
                 </a:solidFill>
               </a:uFill>
-              <a:latin typeface="Calibri"/>
+              <a:latin typeface="Arial"/>
             </a:endParaRPr>
           </a:p>
         </p:txBody>
       </p:sp>
       <p:pic>
         <p:nvPicPr>
-          <p:cNvPr id="76" name="" descr=""/>
+          <p:cNvPr id="70" name="" descr=""/>
           <p:cNvPicPr/>
           <p:nvPr/>
         </p:nvPicPr>
@@ -2068,8 +2083,8 @@
         </p:blipFill>
         <p:spPr>
           <a:xfrm>
-            <a:off x="1735560" y="1599840"/>
-            <a:ext cx="5671800" cy="4525560"/>
+            <a:off x="2079000" y="1604520"/>
+            <a:ext cx="4984920" cy="3977280"/>
           </a:xfrm>
           <a:prstGeom prst="rect">
             <a:avLst/>
@@ -2081,7 +2096,7 @@
       </p:pic>
       <p:pic>
         <p:nvPicPr>
-          <p:cNvPr id="77" name="" descr=""/>
+          <p:cNvPr id="71" name="" descr=""/>
           <p:cNvPicPr/>
           <p:nvPr/>
         </p:nvPicPr>
@@ -2091,8 +2106,8 @@
         </p:blipFill>
         <p:spPr>
           <a:xfrm>
-            <a:off x="1735560" y="1599840"/>
-            <a:ext cx="5671800" cy="4525560"/>
+            <a:off x="2079000" y="1604520"/>
+            <a:ext cx="4984920" cy="3977280"/>
           </a:xfrm>
           <a:prstGeom prst="rect">
             <a:avLst/>
@@ -2126,7 +2141,7 @@
       </p:grpSpPr>
       <p:sp>
         <p:nvSpPr>
-          <p:cNvPr id="7" name="PlaceHolder 1"/>
+          <p:cNvPr id="4" name="PlaceHolder 1"/>
           <p:cNvSpPr>
             <a:spLocks noGrp="1"/>
           </p:cNvSpPr>
@@ -2136,8 +2151,8 @@
         </p:nvSpPr>
         <p:spPr>
           <a:xfrm>
-            <a:off x="457200" y="274680"/>
-            <a:ext cx="8229240" cy="1142640"/>
+            <a:off x="457200" y="273600"/>
+            <a:ext cx="8229240" cy="1144800"/>
           </a:xfrm>
           <a:prstGeom prst="rect">
             <a:avLst/>
@@ -2146,23 +2161,24 @@
         <p:txBody>
           <a:bodyPr lIns="0" rIns="0" tIns="0" bIns="0" anchor="ctr"/>
           <a:p>
-            <a:endParaRPr b="0" lang="pt-BR" sz="1800" spc="-1" strike="noStrike">
-              <a:solidFill>
-                <a:srgbClr val="000000"/>
-              </a:solidFill>
-              <a:uFill>
-                <a:solidFill>
-                  <a:srgbClr val="ffffff"/>
-                </a:solidFill>
-              </a:uFill>
-              <a:latin typeface="Calibri"/>
-            </a:endParaRPr>
-          </a:p>
-        </p:txBody>
-      </p:sp>
-      <p:sp>
-        <p:nvSpPr>
-          <p:cNvPr id="8" name="PlaceHolder 2"/>
+            <a:pPr algn="ctr"/>
+            <a:endParaRPr b="0" lang="pt-BR" sz="4400" spc="-1" strike="noStrike">
+              <a:solidFill>
+                <a:srgbClr val="000000"/>
+              </a:solidFill>
+              <a:uFill>
+                <a:solidFill>
+                  <a:srgbClr val="ffffff"/>
+                </a:solidFill>
+              </a:uFill>
+              <a:latin typeface="Arial"/>
+            </a:endParaRPr>
+          </a:p>
+        </p:txBody>
+      </p:sp>
+      <p:sp>
+        <p:nvSpPr>
+          <p:cNvPr id="5" name="PlaceHolder 2"/>
           <p:cNvSpPr>
             <a:spLocks noGrp="1"/>
           </p:cNvSpPr>
@@ -2172,8 +2188,8 @@
         </p:nvSpPr>
         <p:spPr>
           <a:xfrm>
-            <a:off x="457200" y="1600200"/>
-            <a:ext cx="8229240" cy="4525560"/>
+            <a:off x="457200" y="1604520"/>
+            <a:ext cx="8229240" cy="3977280"/>
           </a:xfrm>
           <a:prstGeom prst="rect">
             <a:avLst/>
@@ -2191,7 +2207,7 @@
                   <a:srgbClr val="ffffff"/>
                 </a:solidFill>
               </a:uFill>
-              <a:latin typeface="Calibri"/>
+              <a:latin typeface="Arial"/>
             </a:endParaRPr>
           </a:p>
         </p:txBody>
@@ -2220,7 +2236,7 @@
       </p:grpSpPr>
       <p:sp>
         <p:nvSpPr>
-          <p:cNvPr id="9" name="PlaceHolder 1"/>
+          <p:cNvPr id="6" name="PlaceHolder 1"/>
           <p:cNvSpPr>
             <a:spLocks noGrp="1"/>
           </p:cNvSpPr>
@@ -2230,8 +2246,8 @@
         </p:nvSpPr>
         <p:spPr>
           <a:xfrm>
-            <a:off x="457200" y="274680"/>
-            <a:ext cx="8229240" cy="1142640"/>
+            <a:off x="457200" y="273600"/>
+            <a:ext cx="8229240" cy="1144800"/>
           </a:xfrm>
           <a:prstGeom prst="rect">
             <a:avLst/>
@@ -2240,23 +2256,24 @@
         <p:txBody>
           <a:bodyPr lIns="0" rIns="0" tIns="0" bIns="0" anchor="ctr"/>
           <a:p>
-            <a:endParaRPr b="0" lang="pt-BR" sz="1800" spc="-1" strike="noStrike">
-              <a:solidFill>
-                <a:srgbClr val="000000"/>
-              </a:solidFill>
-              <a:uFill>
-                <a:solidFill>
-                  <a:srgbClr val="ffffff"/>
-                </a:solidFill>
-              </a:uFill>
-              <a:latin typeface="Calibri"/>
-            </a:endParaRPr>
-          </a:p>
-        </p:txBody>
-      </p:sp>
-      <p:sp>
-        <p:nvSpPr>
-          <p:cNvPr id="10" name="PlaceHolder 2"/>
+            <a:pPr algn="ctr"/>
+            <a:endParaRPr b="0" lang="pt-BR" sz="4400" spc="-1" strike="noStrike">
+              <a:solidFill>
+                <a:srgbClr val="000000"/>
+              </a:solidFill>
+              <a:uFill>
+                <a:solidFill>
+                  <a:srgbClr val="ffffff"/>
+                </a:solidFill>
+              </a:uFill>
+              <a:latin typeface="Arial"/>
+            </a:endParaRPr>
+          </a:p>
+        </p:txBody>
+      </p:sp>
+      <p:sp>
+        <p:nvSpPr>
+          <p:cNvPr id="7" name="PlaceHolder 2"/>
           <p:cNvSpPr>
             <a:spLocks noGrp="1"/>
           </p:cNvSpPr>
@@ -2266,8 +2283,8 @@
         </p:nvSpPr>
         <p:spPr>
           <a:xfrm>
-            <a:off x="457200" y="1600200"/>
-            <a:ext cx="4015800" cy="4525560"/>
+            <a:off x="457200" y="1604520"/>
+            <a:ext cx="4015800" cy="3977280"/>
           </a:xfrm>
           <a:prstGeom prst="rect">
             <a:avLst/>
@@ -2285,14 +2302,14 @@
                   <a:srgbClr val="ffffff"/>
                 </a:solidFill>
               </a:uFill>
-              <a:latin typeface="Calibri"/>
-            </a:endParaRPr>
-          </a:p>
-        </p:txBody>
-      </p:sp>
-      <p:sp>
-        <p:nvSpPr>
-          <p:cNvPr id="11" name="PlaceHolder 3"/>
+              <a:latin typeface="Arial"/>
+            </a:endParaRPr>
+          </a:p>
+        </p:txBody>
+      </p:sp>
+      <p:sp>
+        <p:nvSpPr>
+          <p:cNvPr id="8" name="PlaceHolder 3"/>
           <p:cNvSpPr>
             <a:spLocks noGrp="1"/>
           </p:cNvSpPr>
@@ -2302,8 +2319,8 @@
         </p:nvSpPr>
         <p:spPr>
           <a:xfrm>
-            <a:off x="4674240" y="1600200"/>
-            <a:ext cx="4015800" cy="4525560"/>
+            <a:off x="4674240" y="1604520"/>
+            <a:ext cx="4015800" cy="3977280"/>
           </a:xfrm>
           <a:prstGeom prst="rect">
             <a:avLst/>
@@ -2321,7 +2338,7 @@
                   <a:srgbClr val="ffffff"/>
                 </a:solidFill>
               </a:uFill>
-              <a:latin typeface="Calibri"/>
+              <a:latin typeface="Arial"/>
             </a:endParaRPr>
           </a:p>
         </p:txBody>
@@ -2350,7 +2367,7 @@
       </p:grpSpPr>
       <p:sp>
         <p:nvSpPr>
-          <p:cNvPr id="12" name="PlaceHolder 1"/>
+          <p:cNvPr id="9" name="PlaceHolder 1"/>
           <p:cNvSpPr>
             <a:spLocks noGrp="1"/>
           </p:cNvSpPr>
@@ -2360,8 +2377,8 @@
         </p:nvSpPr>
         <p:spPr>
           <a:xfrm>
-            <a:off x="457200" y="274680"/>
-            <a:ext cx="8229240" cy="1142640"/>
+            <a:off x="457200" y="273600"/>
+            <a:ext cx="8229240" cy="1144800"/>
           </a:xfrm>
           <a:prstGeom prst="rect">
             <a:avLst/>
@@ -2370,16 +2387,17 @@
         <p:txBody>
           <a:bodyPr lIns="0" rIns="0" tIns="0" bIns="0" anchor="ctr"/>
           <a:p>
-            <a:endParaRPr b="0" lang="pt-BR" sz="1800" spc="-1" strike="noStrike">
-              <a:solidFill>
-                <a:srgbClr val="000000"/>
-              </a:solidFill>
-              <a:uFill>
-                <a:solidFill>
-                  <a:srgbClr val="ffffff"/>
-                </a:solidFill>
-              </a:uFill>
-              <a:latin typeface="Calibri"/>
+            <a:pPr algn="ctr"/>
+            <a:endParaRPr b="0" lang="pt-BR" sz="4400" spc="-1" strike="noStrike">
+              <a:solidFill>
+                <a:srgbClr val="000000"/>
+              </a:solidFill>
+              <a:uFill>
+                <a:solidFill>
+                  <a:srgbClr val="ffffff"/>
+                </a:solidFill>
+              </a:uFill>
+              <a:latin typeface="Arial"/>
             </a:endParaRPr>
           </a:p>
         </p:txBody>
@@ -2408,7 +2426,7 @@
       </p:grpSpPr>
       <p:sp>
         <p:nvSpPr>
-          <p:cNvPr id="13" name="PlaceHolder 1"/>
+          <p:cNvPr id="10" name="PlaceHolder 1"/>
           <p:cNvSpPr>
             <a:spLocks noGrp="1"/>
           </p:cNvSpPr>
@@ -2418,8 +2436,8 @@
         </p:nvSpPr>
         <p:spPr>
           <a:xfrm>
-            <a:off x="457200" y="274680"/>
-            <a:ext cx="8229240" cy="5297760"/>
+            <a:off x="457200" y="273600"/>
+            <a:ext cx="8229240" cy="5307840"/>
           </a:xfrm>
           <a:prstGeom prst="rect">
             <a:avLst/>
@@ -2467,7 +2485,7 @@
       </p:grpSpPr>
       <p:sp>
         <p:nvSpPr>
-          <p:cNvPr id="14" name="PlaceHolder 1"/>
+          <p:cNvPr id="11" name="PlaceHolder 1"/>
           <p:cNvSpPr>
             <a:spLocks noGrp="1"/>
           </p:cNvSpPr>
@@ -2477,8 +2495,8 @@
         </p:nvSpPr>
         <p:spPr>
           <a:xfrm>
-            <a:off x="457200" y="274680"/>
-            <a:ext cx="8229240" cy="1142640"/>
+            <a:off x="457200" y="273600"/>
+            <a:ext cx="8229240" cy="1144800"/>
           </a:xfrm>
           <a:prstGeom prst="rect">
             <a:avLst/>
@@ -2487,23 +2505,24 @@
         <p:txBody>
           <a:bodyPr lIns="0" rIns="0" tIns="0" bIns="0" anchor="ctr"/>
           <a:p>
-            <a:endParaRPr b="0" lang="pt-BR" sz="1800" spc="-1" strike="noStrike">
-              <a:solidFill>
-                <a:srgbClr val="000000"/>
-              </a:solidFill>
-              <a:uFill>
-                <a:solidFill>
-                  <a:srgbClr val="ffffff"/>
-                </a:solidFill>
-              </a:uFill>
-              <a:latin typeface="Calibri"/>
-            </a:endParaRPr>
-          </a:p>
-        </p:txBody>
-      </p:sp>
-      <p:sp>
-        <p:nvSpPr>
-          <p:cNvPr id="15" name="PlaceHolder 2"/>
+            <a:pPr algn="ctr"/>
+            <a:endParaRPr b="0" lang="pt-BR" sz="4400" spc="-1" strike="noStrike">
+              <a:solidFill>
+                <a:srgbClr val="000000"/>
+              </a:solidFill>
+              <a:uFill>
+                <a:solidFill>
+                  <a:srgbClr val="ffffff"/>
+                </a:solidFill>
+              </a:uFill>
+              <a:latin typeface="Arial"/>
+            </a:endParaRPr>
+          </a:p>
+        </p:txBody>
+      </p:sp>
+      <p:sp>
+        <p:nvSpPr>
+          <p:cNvPr id="12" name="PlaceHolder 2"/>
           <p:cNvSpPr>
             <a:spLocks noGrp="1"/>
           </p:cNvSpPr>
@@ -2513,8 +2532,8 @@
         </p:nvSpPr>
         <p:spPr>
           <a:xfrm>
-            <a:off x="457200" y="1600200"/>
-            <a:ext cx="4015800" cy="2158560"/>
+            <a:off x="457200" y="1604520"/>
+            <a:ext cx="4015800" cy="1896840"/>
           </a:xfrm>
           <a:prstGeom prst="rect">
             <a:avLst/>
@@ -2532,14 +2551,14 @@
                   <a:srgbClr val="ffffff"/>
                 </a:solidFill>
               </a:uFill>
-              <a:latin typeface="Calibri"/>
-            </a:endParaRPr>
-          </a:p>
-        </p:txBody>
-      </p:sp>
-      <p:sp>
-        <p:nvSpPr>
-          <p:cNvPr id="16" name="PlaceHolder 3"/>
+              <a:latin typeface="Arial"/>
+            </a:endParaRPr>
+          </a:p>
+        </p:txBody>
+      </p:sp>
+      <p:sp>
+        <p:nvSpPr>
+          <p:cNvPr id="13" name="PlaceHolder 3"/>
           <p:cNvSpPr>
             <a:spLocks noGrp="1"/>
           </p:cNvSpPr>
@@ -2549,8 +2568,8 @@
         </p:nvSpPr>
         <p:spPr>
           <a:xfrm>
-            <a:off x="457200" y="3964320"/>
-            <a:ext cx="4015800" cy="2158560"/>
+            <a:off x="457200" y="3682080"/>
+            <a:ext cx="4015800" cy="1896840"/>
           </a:xfrm>
           <a:prstGeom prst="rect">
             <a:avLst/>
@@ -2568,14 +2587,14 @@
                   <a:srgbClr val="ffffff"/>
                 </a:solidFill>
               </a:uFill>
-              <a:latin typeface="Calibri"/>
-            </a:endParaRPr>
-          </a:p>
-        </p:txBody>
-      </p:sp>
-      <p:sp>
-        <p:nvSpPr>
-          <p:cNvPr id="17" name="PlaceHolder 4"/>
+              <a:latin typeface="Arial"/>
+            </a:endParaRPr>
+          </a:p>
+        </p:txBody>
+      </p:sp>
+      <p:sp>
+        <p:nvSpPr>
+          <p:cNvPr id="14" name="PlaceHolder 4"/>
           <p:cNvSpPr>
             <a:spLocks noGrp="1"/>
           </p:cNvSpPr>
@@ -2585,8 +2604,8 @@
         </p:nvSpPr>
         <p:spPr>
           <a:xfrm>
-            <a:off x="4674240" y="1600200"/>
-            <a:ext cx="4015800" cy="4525560"/>
+            <a:off x="4674240" y="1604520"/>
+            <a:ext cx="4015800" cy="3977280"/>
           </a:xfrm>
           <a:prstGeom prst="rect">
             <a:avLst/>
@@ -2604,7 +2623,7 @@
                   <a:srgbClr val="ffffff"/>
                 </a:solidFill>
               </a:uFill>
-              <a:latin typeface="Calibri"/>
+              <a:latin typeface="Arial"/>
             </a:endParaRPr>
           </a:p>
         </p:txBody>
@@ -2633,7 +2652,7 @@
       </p:grpSpPr>
       <p:sp>
         <p:nvSpPr>
-          <p:cNvPr id="18" name="PlaceHolder 1"/>
+          <p:cNvPr id="15" name="PlaceHolder 1"/>
           <p:cNvSpPr>
             <a:spLocks noGrp="1"/>
           </p:cNvSpPr>
@@ -2643,8 +2662,8 @@
         </p:nvSpPr>
         <p:spPr>
           <a:xfrm>
-            <a:off x="457200" y="274680"/>
-            <a:ext cx="8229240" cy="1142640"/>
+            <a:off x="457200" y="273600"/>
+            <a:ext cx="8229240" cy="1144800"/>
           </a:xfrm>
           <a:prstGeom prst="rect">
             <a:avLst/>
@@ -2653,23 +2672,24 @@
         <p:txBody>
           <a:bodyPr lIns="0" rIns="0" tIns="0" bIns="0" anchor="ctr"/>
           <a:p>
-            <a:endParaRPr b="0" lang="pt-BR" sz="1800" spc="-1" strike="noStrike">
-              <a:solidFill>
-                <a:srgbClr val="000000"/>
-              </a:solidFill>
-              <a:uFill>
-                <a:solidFill>
-                  <a:srgbClr val="ffffff"/>
-                </a:solidFill>
-              </a:uFill>
-              <a:latin typeface="Calibri"/>
-            </a:endParaRPr>
-          </a:p>
-        </p:txBody>
-      </p:sp>
-      <p:sp>
-        <p:nvSpPr>
-          <p:cNvPr id="19" name="PlaceHolder 2"/>
+            <a:pPr algn="ctr"/>
+            <a:endParaRPr b="0" lang="pt-BR" sz="4400" spc="-1" strike="noStrike">
+              <a:solidFill>
+                <a:srgbClr val="000000"/>
+              </a:solidFill>
+              <a:uFill>
+                <a:solidFill>
+                  <a:srgbClr val="ffffff"/>
+                </a:solidFill>
+              </a:uFill>
+              <a:latin typeface="Arial"/>
+            </a:endParaRPr>
+          </a:p>
+        </p:txBody>
+      </p:sp>
+      <p:sp>
+        <p:nvSpPr>
+          <p:cNvPr id="16" name="PlaceHolder 2"/>
           <p:cNvSpPr>
             <a:spLocks noGrp="1"/>
           </p:cNvSpPr>
@@ -2679,8 +2699,8 @@
         </p:nvSpPr>
         <p:spPr>
           <a:xfrm>
-            <a:off x="457200" y="1600200"/>
-            <a:ext cx="4015800" cy="4525560"/>
+            <a:off x="457200" y="1604520"/>
+            <a:ext cx="4015800" cy="3977280"/>
           </a:xfrm>
           <a:prstGeom prst="rect">
             <a:avLst/>
@@ -2698,14 +2718,14 @@
                   <a:srgbClr val="ffffff"/>
                 </a:solidFill>
               </a:uFill>
-              <a:latin typeface="Calibri"/>
-            </a:endParaRPr>
-          </a:p>
-        </p:txBody>
-      </p:sp>
-      <p:sp>
-        <p:nvSpPr>
-          <p:cNvPr id="20" name="PlaceHolder 3"/>
+              <a:latin typeface="Arial"/>
+            </a:endParaRPr>
+          </a:p>
+        </p:txBody>
+      </p:sp>
+      <p:sp>
+        <p:nvSpPr>
+          <p:cNvPr id="17" name="PlaceHolder 3"/>
           <p:cNvSpPr>
             <a:spLocks noGrp="1"/>
           </p:cNvSpPr>
@@ -2715,8 +2735,8 @@
         </p:nvSpPr>
         <p:spPr>
           <a:xfrm>
-            <a:off x="4674240" y="1600200"/>
-            <a:ext cx="4015800" cy="2158560"/>
+            <a:off x="4674240" y="1604520"/>
+            <a:ext cx="4015800" cy="1896840"/>
           </a:xfrm>
           <a:prstGeom prst="rect">
             <a:avLst/>
@@ -2734,14 +2754,14 @@
                   <a:srgbClr val="ffffff"/>
                 </a:solidFill>
               </a:uFill>
-              <a:latin typeface="Calibri"/>
-            </a:endParaRPr>
-          </a:p>
-        </p:txBody>
-      </p:sp>
-      <p:sp>
-        <p:nvSpPr>
-          <p:cNvPr id="21" name="PlaceHolder 4"/>
+              <a:latin typeface="Arial"/>
+            </a:endParaRPr>
+          </a:p>
+        </p:txBody>
+      </p:sp>
+      <p:sp>
+        <p:nvSpPr>
+          <p:cNvPr id="18" name="PlaceHolder 4"/>
           <p:cNvSpPr>
             <a:spLocks noGrp="1"/>
           </p:cNvSpPr>
@@ -2751,8 +2771,8 @@
         </p:nvSpPr>
         <p:spPr>
           <a:xfrm>
-            <a:off x="4674240" y="3964320"/>
-            <a:ext cx="4015800" cy="2158560"/>
+            <a:off x="4674240" y="3682080"/>
+            <a:ext cx="4015800" cy="1896840"/>
           </a:xfrm>
           <a:prstGeom prst="rect">
             <a:avLst/>
@@ -2770,7 +2790,7 @@
                   <a:srgbClr val="ffffff"/>
                 </a:solidFill>
               </a:uFill>
-              <a:latin typeface="Calibri"/>
+              <a:latin typeface="Arial"/>
             </a:endParaRPr>
           </a:p>
         </p:txBody>
@@ -2799,7 +2819,7 @@
       </p:grpSpPr>
       <p:sp>
         <p:nvSpPr>
-          <p:cNvPr id="22" name="PlaceHolder 1"/>
+          <p:cNvPr id="19" name="PlaceHolder 1"/>
           <p:cNvSpPr>
             <a:spLocks noGrp="1"/>
           </p:cNvSpPr>
@@ -2809,8 +2829,8 @@
         </p:nvSpPr>
         <p:spPr>
           <a:xfrm>
-            <a:off x="457200" y="274680"/>
-            <a:ext cx="8229240" cy="1142640"/>
+            <a:off x="457200" y="273600"/>
+            <a:ext cx="8229240" cy="1144800"/>
           </a:xfrm>
           <a:prstGeom prst="rect">
             <a:avLst/>
@@ -2819,23 +2839,24 @@
         <p:txBody>
           <a:bodyPr lIns="0" rIns="0" tIns="0" bIns="0" anchor="ctr"/>
           <a:p>
-            <a:endParaRPr b="0" lang="pt-BR" sz="1800" spc="-1" strike="noStrike">
-              <a:solidFill>
-                <a:srgbClr val="000000"/>
-              </a:solidFill>
-              <a:uFill>
-                <a:solidFill>
-                  <a:srgbClr val="ffffff"/>
-                </a:solidFill>
-              </a:uFill>
-              <a:latin typeface="Calibri"/>
-            </a:endParaRPr>
-          </a:p>
-        </p:txBody>
-      </p:sp>
-      <p:sp>
-        <p:nvSpPr>
-          <p:cNvPr id="23" name="PlaceHolder 2"/>
+            <a:pPr algn="ctr"/>
+            <a:endParaRPr b="0" lang="pt-BR" sz="4400" spc="-1" strike="noStrike">
+              <a:solidFill>
+                <a:srgbClr val="000000"/>
+              </a:solidFill>
+              <a:uFill>
+                <a:solidFill>
+                  <a:srgbClr val="ffffff"/>
+                </a:solidFill>
+              </a:uFill>
+              <a:latin typeface="Arial"/>
+            </a:endParaRPr>
+          </a:p>
+        </p:txBody>
+      </p:sp>
+      <p:sp>
+        <p:nvSpPr>
+          <p:cNvPr id="20" name="PlaceHolder 2"/>
           <p:cNvSpPr>
             <a:spLocks noGrp="1"/>
           </p:cNvSpPr>
@@ -2845,8 +2866,8 @@
         </p:nvSpPr>
         <p:spPr>
           <a:xfrm>
-            <a:off x="457200" y="1600200"/>
-            <a:ext cx="4015800" cy="2158560"/>
+            <a:off x="457200" y="1604520"/>
+            <a:ext cx="4015800" cy="1896840"/>
           </a:xfrm>
           <a:prstGeom prst="rect">
             <a:avLst/>
@@ -2864,14 +2885,14 @@
                   <a:srgbClr val="ffffff"/>
                 </a:solidFill>
               </a:uFill>
-              <a:latin typeface="Calibri"/>
-            </a:endParaRPr>
-          </a:p>
-        </p:txBody>
-      </p:sp>
-      <p:sp>
-        <p:nvSpPr>
-          <p:cNvPr id="24" name="PlaceHolder 3"/>
+              <a:latin typeface="Arial"/>
+            </a:endParaRPr>
+          </a:p>
+        </p:txBody>
+      </p:sp>
+      <p:sp>
+        <p:nvSpPr>
+          <p:cNvPr id="21" name="PlaceHolder 3"/>
           <p:cNvSpPr>
             <a:spLocks noGrp="1"/>
           </p:cNvSpPr>
@@ -2881,8 +2902,8 @@
         </p:nvSpPr>
         <p:spPr>
           <a:xfrm>
-            <a:off x="4674240" y="1600200"/>
-            <a:ext cx="4015800" cy="2158560"/>
+            <a:off x="4674240" y="1604520"/>
+            <a:ext cx="4015800" cy="1896840"/>
           </a:xfrm>
           <a:prstGeom prst="rect">
             <a:avLst/>
@@ -2900,14 +2921,14 @@
                   <a:srgbClr val="ffffff"/>
                 </a:solidFill>
               </a:uFill>
-              <a:latin typeface="Calibri"/>
-            </a:endParaRPr>
-          </a:p>
-        </p:txBody>
-      </p:sp>
-      <p:sp>
-        <p:nvSpPr>
-          <p:cNvPr id="25" name="PlaceHolder 4"/>
+              <a:latin typeface="Arial"/>
+            </a:endParaRPr>
+          </a:p>
+        </p:txBody>
+      </p:sp>
+      <p:sp>
+        <p:nvSpPr>
+          <p:cNvPr id="22" name="PlaceHolder 4"/>
           <p:cNvSpPr>
             <a:spLocks noGrp="1"/>
           </p:cNvSpPr>
@@ -2917,8 +2938,8 @@
         </p:nvSpPr>
         <p:spPr>
           <a:xfrm>
-            <a:off x="457200" y="3964320"/>
-            <a:ext cx="8229240" cy="2158560"/>
+            <a:off x="457200" y="3682080"/>
+            <a:ext cx="8229240" cy="1896840"/>
           </a:xfrm>
           <a:prstGeom prst="rect">
             <a:avLst/>
@@ -2936,7 +2957,7 @@
                   <a:srgbClr val="ffffff"/>
                 </a:solidFill>
               </a:uFill>
-              <a:latin typeface="Calibri"/>
+              <a:latin typeface="Arial"/>
             </a:endParaRPr>
           </a:p>
         </p:txBody>
@@ -2982,45 +3003,27 @@
         </p:nvSpPr>
         <p:spPr>
           <a:xfrm>
-            <a:off x="685800" y="2130480"/>
-            <a:ext cx="7772040" cy="1469520"/>
-          </a:xfrm>
-          <a:prstGeom prst="rect">
-            <a:avLst/>
-          </a:prstGeom>
-        </p:spPr>
-        <p:txBody>
-          <a:bodyPr anchor="ctr"/>
-          <a:p>
-            <a:pPr algn="ctr">
-              <a:lnSpc>
-                <a:spcPct val="100000"/>
-              </a:lnSpc>
-            </a:pPr>
-            <a:r>
-              <a:rPr b="0" lang="pt-BR" sz="4400" spc="-1" strike="noStrike">
-                <a:solidFill>
-                  <a:srgbClr val="000000"/>
-                </a:solidFill>
-                <a:uFill>
-                  <a:solidFill>
-                    <a:srgbClr val="ffffff"/>
-                  </a:solidFill>
-                </a:uFill>
-                <a:latin typeface="Calibri"/>
-              </a:rPr>
-              <a:t>Click to edit Master title style</a:t>
-            </a:r>
-            <a:endParaRPr b="0" lang="pt-BR" sz="1800" spc="-1" strike="noStrike">
-              <a:solidFill>
-                <a:srgbClr val="000000"/>
-              </a:solidFill>
-              <a:uFill>
-                <a:solidFill>
-                  <a:srgbClr val="ffffff"/>
-                </a:solidFill>
-              </a:uFill>
-              <a:latin typeface="Calibri"/>
+            <a:off x="457200" y="274680"/>
+            <a:ext cx="8228880" cy="1142280"/>
+          </a:xfrm>
+          <a:prstGeom prst="rect">
+            <a:avLst/>
+          </a:prstGeom>
+        </p:spPr>
+        <p:txBody>
+          <a:bodyPr lIns="0" rIns="0" tIns="0" bIns="0" anchor="ctr"/>
+          <a:p>
+            <a:pPr algn="ctr"/>
+            <a:endParaRPr b="0" lang="pt-BR" sz="4400" spc="-1" strike="noStrike">
+              <a:solidFill>
+                <a:srgbClr val="000000"/>
+              </a:solidFill>
+              <a:uFill>
+                <a:solidFill>
+                  <a:srgbClr val="ffffff"/>
+                </a:solidFill>
+              </a:uFill>
+              <a:latin typeface="Arial"/>
             </a:endParaRPr>
           </a:p>
         </p:txBody>
@@ -3028,152 +3031,6 @@
       <p:sp>
         <p:nvSpPr>
           <p:cNvPr id="1" name="PlaceHolder 2"/>
-          <p:cNvSpPr>
-            <a:spLocks noGrp="1"/>
-          </p:cNvSpPr>
-          <p:nvPr>
-            <p:ph type="dt"/>
-          </p:nvPr>
-        </p:nvSpPr>
-        <p:spPr>
-          <a:xfrm>
-            <a:off x="457200" y="6356520"/>
-            <a:ext cx="2133360" cy="364680"/>
-          </a:xfrm>
-          <a:prstGeom prst="rect">
-            <a:avLst/>
-          </a:prstGeom>
-        </p:spPr>
-        <p:txBody>
-          <a:bodyPr anchor="ctr"/>
-          <a:p>
-            <a:pPr>
-              <a:lnSpc>
-                <a:spcPct val="100000"/>
-              </a:lnSpc>
-            </a:pPr>
-            <a:r>
-              <a:rPr b="0" lang="pt-BR" sz="1200" spc="-1" strike="noStrike">
-                <a:solidFill>
-                  <a:srgbClr val="8b8b8b"/>
-                </a:solidFill>
-                <a:uFill>
-                  <a:solidFill>
-                    <a:srgbClr val="ffffff"/>
-                  </a:solidFill>
-                </a:uFill>
-                <a:latin typeface="Calibri"/>
-              </a:rPr>
-              <a:t>09/05/17</a:t>
-            </a:r>
-            <a:endParaRPr b="0" lang="pt-BR" sz="1400" spc="-1" strike="noStrike">
-              <a:solidFill>
-                <a:srgbClr val="000000"/>
-              </a:solidFill>
-              <a:uFill>
-                <a:solidFill>
-                  <a:srgbClr val="ffffff"/>
-                </a:solidFill>
-              </a:uFill>
-              <a:latin typeface="Times New Roman"/>
-            </a:endParaRPr>
-          </a:p>
-        </p:txBody>
-      </p:sp>
-      <p:sp>
-        <p:nvSpPr>
-          <p:cNvPr id="2" name="PlaceHolder 3"/>
-          <p:cNvSpPr>
-            <a:spLocks noGrp="1"/>
-          </p:cNvSpPr>
-          <p:nvPr>
-            <p:ph type="ftr"/>
-          </p:nvPr>
-        </p:nvSpPr>
-        <p:spPr>
-          <a:xfrm>
-            <a:off x="3124080" y="6356520"/>
-            <a:ext cx="2895120" cy="364680"/>
-          </a:xfrm>
-          <a:prstGeom prst="rect">
-            <a:avLst/>
-          </a:prstGeom>
-        </p:spPr>
-        <p:txBody>
-          <a:bodyPr anchor="ctr"/>
-          <a:p>
-            <a:endParaRPr b="0" lang="pt-BR" sz="2400" spc="-1" strike="noStrike">
-              <a:solidFill>
-                <a:srgbClr val="000000"/>
-              </a:solidFill>
-              <a:uFill>
-                <a:solidFill>
-                  <a:srgbClr val="ffffff"/>
-                </a:solidFill>
-              </a:uFill>
-              <a:latin typeface="Times New Roman"/>
-            </a:endParaRPr>
-          </a:p>
-        </p:txBody>
-      </p:sp>
-      <p:sp>
-        <p:nvSpPr>
-          <p:cNvPr id="3" name="PlaceHolder 4"/>
-          <p:cNvSpPr>
-            <a:spLocks noGrp="1"/>
-          </p:cNvSpPr>
-          <p:nvPr>
-            <p:ph type="sldNum"/>
-          </p:nvPr>
-        </p:nvSpPr>
-        <p:spPr>
-          <a:xfrm>
-            <a:off x="6553080" y="6356520"/>
-            <a:ext cx="2133360" cy="364680"/>
-          </a:xfrm>
-          <a:prstGeom prst="rect">
-            <a:avLst/>
-          </a:prstGeom>
-        </p:spPr>
-        <p:txBody>
-          <a:bodyPr anchor="ctr"/>
-          <a:p>
-            <a:pPr algn="r">
-              <a:lnSpc>
-                <a:spcPct val="100000"/>
-              </a:lnSpc>
-            </a:pPr>
-            <a:fld id="{63E63C77-2279-4309-A1C1-A89F39265010}" type="slidenum">
-              <a:rPr b="0" lang="pt-BR" sz="1200" spc="-1" strike="noStrike">
-                <a:solidFill>
-                  <a:srgbClr val="8b8b8b"/>
-                </a:solidFill>
-                <a:uFill>
-                  <a:solidFill>
-                    <a:srgbClr val="ffffff"/>
-                  </a:solidFill>
-                </a:uFill>
-                <a:latin typeface="Calibri"/>
-              </a:rPr>
-              <a:t>&lt;número&gt;</a:t>
-            </a:fld>
-            <a:endParaRPr b="0" lang="pt-BR" sz="1400" spc="-1" strike="noStrike">
-              <a:solidFill>
-                <a:srgbClr val="000000"/>
-              </a:solidFill>
-              <a:uFill>
-                <a:solidFill>
-                  <a:srgbClr val="ffffff"/>
-                </a:solidFill>
-              </a:uFill>
-              <a:latin typeface="Times New Roman"/>
-            </a:endParaRPr>
-          </a:p>
-        </p:txBody>
-      </p:sp>
-      <p:sp>
-        <p:nvSpPr>
-          <p:cNvPr id="4" name="PlaceHolder 5"/>
           <p:cNvSpPr>
             <a:spLocks noGrp="1"/>
           </p:cNvSpPr>
@@ -3211,23 +3068,9 @@
                     <a:srgbClr val="ffffff"/>
                   </a:solidFill>
                 </a:uFill>
-                <a:latin typeface="Calibri"/>
+                <a:latin typeface="Arial"/>
               </a:rPr>
-              <a:t>Clique para editar o formato do texto </a:t>
-            </a:r>
-            <a:r>
-              <a:rPr b="0" lang="pt-BR" sz="3200" spc="-1" strike="noStrike">
-                <a:solidFill>
-                  <a:srgbClr val="000000"/>
-                </a:solidFill>
-                <a:uFill>
-                  <a:solidFill>
-                    <a:srgbClr val="ffffff"/>
-                  </a:solidFill>
-                </a:uFill>
-                <a:latin typeface="Calibri"/>
-              </a:rPr>
-              <a:t>da estrutura de tópicos</a:t>
+              <a:t>Clique para editar o formato do texto da estrutura de tópicos</a:t>
             </a:r>
             <a:endParaRPr b="0" lang="pt-BR" sz="3200" spc="-1" strike="noStrike">
               <a:solidFill>
@@ -3238,7 +3081,7 @@
                   <a:srgbClr val="ffffff"/>
                 </a:solidFill>
               </a:uFill>
-              <a:latin typeface="Calibri"/>
+              <a:latin typeface="Arial"/>
             </a:endParaRPr>
           </a:p>
           <a:p>
@@ -3251,7 +3094,7 @@
               <a:buChar char=""/>
             </a:pPr>
             <a:r>
-              <a:rPr b="0" lang="pt-BR" sz="2400" spc="-1" strike="noStrike">
+              <a:rPr b="0" lang="pt-BR" sz="2800" spc="-1" strike="noStrike">
                 <a:solidFill>
                   <a:srgbClr val="000000"/>
                 </a:solidFill>
@@ -3260,10 +3103,45 @@
                     <a:srgbClr val="ffffff"/>
                   </a:solidFill>
                 </a:uFill>
-                <a:latin typeface="Calibri"/>
+                <a:latin typeface="Arial"/>
               </a:rPr>
               <a:t>2.º nível da estrutura de tópicos</a:t>
             </a:r>
+            <a:endParaRPr b="0" lang="pt-BR" sz="2800" spc="-1" strike="noStrike">
+              <a:solidFill>
+                <a:srgbClr val="000000"/>
+              </a:solidFill>
+              <a:uFill>
+                <a:solidFill>
+                  <a:srgbClr val="ffffff"/>
+                </a:solidFill>
+              </a:uFill>
+              <a:latin typeface="Arial"/>
+            </a:endParaRPr>
+          </a:p>
+          <a:p>
+            <a:pPr lvl="2" marL="1296000" indent="-288000">
+              <a:buClr>
+                <a:srgbClr val="000000"/>
+              </a:buClr>
+              <a:buSzPct val="45000"/>
+              <a:buFont typeface="Wingdings" charset="2"/>
+              <a:buChar char=""/>
+            </a:pPr>
+            <a:r>
+              <a:rPr b="0" lang="pt-BR" sz="2400" spc="-1" strike="noStrike">
+                <a:solidFill>
+                  <a:srgbClr val="000000"/>
+                </a:solidFill>
+                <a:uFill>
+                  <a:solidFill>
+                    <a:srgbClr val="ffffff"/>
+                  </a:solidFill>
+                </a:uFill>
+                <a:latin typeface="Arial"/>
+              </a:rPr>
+              <a:t>3.º nível da estrutura de tópicos</a:t>
+            </a:r>
             <a:endParaRPr b="0" lang="pt-BR" sz="2400" spc="-1" strike="noStrike">
               <a:solidFill>
                 <a:srgbClr val="000000"/>
@@ -3273,11 +3151,46 @@
                   <a:srgbClr val="ffffff"/>
                 </a:solidFill>
               </a:uFill>
-              <a:latin typeface="Calibri"/>
-            </a:endParaRPr>
-          </a:p>
-          <a:p>
-            <a:pPr lvl="2" marL="1296000" indent="-288000">
+              <a:latin typeface="Arial"/>
+            </a:endParaRPr>
+          </a:p>
+          <a:p>
+            <a:pPr lvl="3" marL="1728000" indent="-216000">
+              <a:buClr>
+                <a:srgbClr val="000000"/>
+              </a:buClr>
+              <a:buSzPct val="75000"/>
+              <a:buFont typeface="Symbol" charset="2"/>
+              <a:buChar char=""/>
+            </a:pPr>
+            <a:r>
+              <a:rPr b="0" lang="pt-BR" sz="2000" spc="-1" strike="noStrike">
+                <a:solidFill>
+                  <a:srgbClr val="000000"/>
+                </a:solidFill>
+                <a:uFill>
+                  <a:solidFill>
+                    <a:srgbClr val="ffffff"/>
+                  </a:solidFill>
+                </a:uFill>
+                <a:latin typeface="Arial"/>
+              </a:rPr>
+              <a:t>4.º nível da estrutura de tópicos</a:t>
+            </a:r>
+            <a:endParaRPr b="0" lang="pt-BR" sz="2000" spc="-1" strike="noStrike">
+              <a:solidFill>
+                <a:srgbClr val="000000"/>
+              </a:solidFill>
+              <a:uFill>
+                <a:solidFill>
+                  <a:srgbClr val="ffffff"/>
+                </a:solidFill>
+              </a:uFill>
+              <a:latin typeface="Arial"/>
+            </a:endParaRPr>
+          </a:p>
+          <a:p>
+            <a:pPr lvl="4" marL="2160000" indent="-216000">
               <a:buClr>
                 <a:srgbClr val="000000"/>
               </a:buClr>
@@ -3295,9 +3208,9 @@
                     <a:srgbClr val="ffffff"/>
                   </a:solidFill>
                 </a:uFill>
-                <a:latin typeface="Calibri"/>
+                <a:latin typeface="Arial"/>
               </a:rPr>
-              <a:t>3.º nível da estrutura de tópicos</a:t>
+              <a:t>5.º nível da estrutura de tópicos</a:t>
             </a:r>
             <a:endParaRPr b="0" lang="pt-BR" sz="2000" spc="-1" strike="noStrike">
               <a:solidFill>
@@ -3308,46 +3221,11 @@
                   <a:srgbClr val="ffffff"/>
                 </a:solidFill>
               </a:uFill>
-              <a:latin typeface="Calibri"/>
-            </a:endParaRPr>
-          </a:p>
-          <a:p>
-            <a:pPr lvl="3" marL="1728000" indent="-216000">
-              <a:buClr>
-                <a:srgbClr val="000000"/>
-              </a:buClr>
-              <a:buSzPct val="75000"/>
-              <a:buFont typeface="Symbol" charset="2"/>
-              <a:buChar char=""/>
-            </a:pPr>
-            <a:r>
-              <a:rPr b="0" lang="pt-BR" sz="2000" spc="-1" strike="noStrike">
-                <a:solidFill>
-                  <a:srgbClr val="000000"/>
-                </a:solidFill>
-                <a:uFill>
-                  <a:solidFill>
-                    <a:srgbClr val="ffffff"/>
-                  </a:solidFill>
-                </a:uFill>
-                <a:latin typeface="Calibri"/>
-              </a:rPr>
-              <a:t>4.º nível da estrutura de tópicos</a:t>
-            </a:r>
-            <a:endParaRPr b="0" lang="pt-BR" sz="2000" spc="-1" strike="noStrike">
-              <a:solidFill>
-                <a:srgbClr val="000000"/>
-              </a:solidFill>
-              <a:uFill>
-                <a:solidFill>
-                  <a:srgbClr val="ffffff"/>
-                </a:solidFill>
-              </a:uFill>
-              <a:latin typeface="Calibri"/>
-            </a:endParaRPr>
-          </a:p>
-          <a:p>
-            <a:pPr lvl="4" marL="2160000" indent="-216000">
+              <a:latin typeface="Arial"/>
+            </a:endParaRPr>
+          </a:p>
+          <a:p>
+            <a:pPr lvl="5" marL="2592000" indent="-216000">
               <a:buClr>
                 <a:srgbClr val="000000"/>
               </a:buClr>
@@ -3365,9 +3243,9 @@
                     <a:srgbClr val="ffffff"/>
                   </a:solidFill>
                 </a:uFill>
-                <a:latin typeface="Calibri"/>
+                <a:latin typeface="Arial"/>
               </a:rPr>
-              <a:t>5.º nível da estrutura de tópicos</a:t>
+              <a:t>6.º nível da estrutura de tópicos</a:t>
             </a:r>
             <a:endParaRPr b="0" lang="pt-BR" sz="2000" spc="-1" strike="noStrike">
               <a:solidFill>
@@ -3378,11 +3256,11 @@
                   <a:srgbClr val="ffffff"/>
                 </a:solidFill>
               </a:uFill>
-              <a:latin typeface="Calibri"/>
-            </a:endParaRPr>
-          </a:p>
-          <a:p>
-            <a:pPr lvl="5" marL="2592000" indent="-216000">
+              <a:latin typeface="Arial"/>
+            </a:endParaRPr>
+          </a:p>
+          <a:p>
+            <a:pPr lvl="6" marL="3024000" indent="-216000">
               <a:buClr>
                 <a:srgbClr val="000000"/>
               </a:buClr>
@@ -3400,42 +3278,7 @@
                     <a:srgbClr val="ffffff"/>
                   </a:solidFill>
                 </a:uFill>
-                <a:latin typeface="Calibri"/>
-              </a:rPr>
-              <a:t>6.º nível da estrutura de tópicos</a:t>
-            </a:r>
-            <a:endParaRPr b="0" lang="pt-BR" sz="2000" spc="-1" strike="noStrike">
-              <a:solidFill>
-                <a:srgbClr val="000000"/>
-              </a:solidFill>
-              <a:uFill>
-                <a:solidFill>
-                  <a:srgbClr val="ffffff"/>
-                </a:solidFill>
-              </a:uFill>
-              <a:latin typeface="Calibri"/>
-            </a:endParaRPr>
-          </a:p>
-          <a:p>
-            <a:pPr lvl="6" marL="3024000" indent="-216000">
-              <a:buClr>
-                <a:srgbClr val="000000"/>
-              </a:buClr>
-              <a:buSzPct val="45000"/>
-              <a:buFont typeface="Wingdings" charset="2"/>
-              <a:buChar char=""/>
-            </a:pPr>
-            <a:r>
-              <a:rPr b="0" lang="pt-BR" sz="2000" spc="-1" strike="noStrike">
-                <a:solidFill>
-                  <a:srgbClr val="000000"/>
-                </a:solidFill>
-                <a:uFill>
-                  <a:solidFill>
-                    <a:srgbClr val="ffffff"/>
-                  </a:solidFill>
-                </a:uFill>
-                <a:latin typeface="Calibri"/>
+                <a:latin typeface="Arial"/>
               </a:rPr>
               <a:t>7.º nível da estrutura de tópicos</a:t>
             </a:r>
@@ -3448,7 +3291,7 @@
                   <a:srgbClr val="ffffff"/>
                 </a:solidFill>
               </a:uFill>
-              <a:latin typeface="Calibri"/>
+              <a:latin typeface="Arial"/>
             </a:endParaRPr>
           </a:p>
         </p:txBody>
@@ -3499,7 +3342,7 @@
       </p:grpSpPr>
       <p:sp>
         <p:nvSpPr>
-          <p:cNvPr id="39" name="PlaceHolder 1"/>
+          <p:cNvPr id="36" name="PlaceHolder 1"/>
           <p:cNvSpPr>
             <a:spLocks noGrp="1"/>
           </p:cNvSpPr>
@@ -3509,21 +3352,17 @@
         </p:nvSpPr>
         <p:spPr>
           <a:xfrm>
-            <a:off x="457200" y="274680"/>
-            <a:ext cx="8229240" cy="1142640"/>
-          </a:xfrm>
-          <a:prstGeom prst="rect">
-            <a:avLst/>
-          </a:prstGeom>
-        </p:spPr>
-        <p:txBody>
-          <a:bodyPr anchor="ctr"/>
-          <a:p>
-            <a:pPr algn="ctr">
-              <a:lnSpc>
-                <a:spcPct val="100000"/>
-              </a:lnSpc>
-            </a:pPr>
+            <a:off x="457200" y="273600"/>
+            <a:ext cx="8229240" cy="1144800"/>
+          </a:xfrm>
+          <a:prstGeom prst="rect">
+            <a:avLst/>
+          </a:prstGeom>
+        </p:spPr>
+        <p:txBody>
+          <a:bodyPr lIns="0" rIns="0" tIns="0" bIns="0" anchor="ctr"/>
+          <a:p>
+            <a:pPr algn="ctr"/>
             <a:r>
               <a:rPr b="0" lang="pt-BR" sz="4400" spc="-1" strike="noStrike">
                 <a:solidFill>
@@ -3534,27 +3373,27 @@
                     <a:srgbClr val="ffffff"/>
                   </a:solidFill>
                 </a:uFill>
-                <a:latin typeface="Calibri"/>
+                <a:latin typeface="Arial"/>
               </a:rPr>
-              <a:t>Click to edit Master title style</a:t>
+              <a:t>Clique para editar o formato do texto do título</a:t>
             </a:r>
-            <a:endParaRPr b="0" lang="pt-BR" sz="1800" spc="-1" strike="noStrike">
-              <a:solidFill>
-                <a:srgbClr val="000000"/>
-              </a:solidFill>
-              <a:uFill>
-                <a:solidFill>
-                  <a:srgbClr val="ffffff"/>
-                </a:solidFill>
-              </a:uFill>
-              <a:latin typeface="Calibri"/>
-            </a:endParaRPr>
-          </a:p>
-        </p:txBody>
-      </p:sp>
-      <p:sp>
-        <p:nvSpPr>
-          <p:cNvPr id="40" name="PlaceHolder 2"/>
+            <a:endParaRPr b="0" lang="pt-BR" sz="4400" spc="-1" strike="noStrike">
+              <a:solidFill>
+                <a:srgbClr val="000000"/>
+              </a:solidFill>
+              <a:uFill>
+                <a:solidFill>
+                  <a:srgbClr val="ffffff"/>
+                </a:solidFill>
+              </a:uFill>
+              <a:latin typeface="Arial"/>
+            </a:endParaRPr>
+          </a:p>
+        </p:txBody>
+      </p:sp>
+      <p:sp>
+        <p:nvSpPr>
+          <p:cNvPr id="37" name="PlaceHolder 2"/>
           <p:cNvSpPr>
             <a:spLocks noGrp="1"/>
           </p:cNvSpPr>
@@ -3564,15 +3403,15 @@
         </p:nvSpPr>
         <p:spPr>
           <a:xfrm>
-            <a:off x="457200" y="1600200"/>
-            <a:ext cx="8229240" cy="4525560"/>
-          </a:xfrm>
-          <a:prstGeom prst="rect">
-            <a:avLst/>
-          </a:prstGeom>
-        </p:spPr>
-        <p:txBody>
-          <a:bodyPr/>
+            <a:off x="457200" y="1604520"/>
+            <a:ext cx="8229240" cy="3977280"/>
+          </a:xfrm>
+          <a:prstGeom prst="rect">
+            <a:avLst/>
+          </a:prstGeom>
+        </p:spPr>
+        <p:txBody>
+          <a:bodyPr lIns="0" rIns="0" tIns="0" bIns="0"/>
           <a:p>
             <a:pPr marL="432000" indent="-324000">
               <a:buClr>
@@ -3592,7 +3431,7 @@
                     <a:srgbClr val="ffffff"/>
                   </a:solidFill>
                 </a:uFill>
-                <a:latin typeface="Calibri"/>
+                <a:latin typeface="Arial"/>
               </a:rPr>
               <a:t>Clique para editar o formato do texto da estrutura de tópicos</a:t>
             </a:r>
@@ -3605,7 +3444,7 @@
                   <a:srgbClr val="ffffff"/>
                 </a:solidFill>
               </a:uFill>
-              <a:latin typeface="Calibri"/>
+              <a:latin typeface="Arial"/>
             </a:endParaRPr>
           </a:p>
           <a:p>
@@ -3618,7 +3457,7 @@
               <a:buChar char=""/>
             </a:pPr>
             <a:r>
-              <a:rPr b="0" lang="pt-BR" sz="3200" spc="-1" strike="noStrike">
+              <a:rPr b="0" lang="pt-BR" sz="2800" spc="-1" strike="noStrike">
                 <a:solidFill>
                   <a:srgbClr val="000000"/>
                 </a:solidFill>
@@ -3627,20 +3466,20 @@
                     <a:srgbClr val="ffffff"/>
                   </a:solidFill>
                 </a:uFill>
-                <a:latin typeface="Calibri"/>
+                <a:latin typeface="Arial"/>
               </a:rPr>
               <a:t>2.º nível da estrutura de tópicos</a:t>
             </a:r>
-            <a:endParaRPr b="0" lang="pt-BR" sz="3200" spc="-1" strike="noStrike">
-              <a:solidFill>
-                <a:srgbClr val="000000"/>
-              </a:solidFill>
-              <a:uFill>
-                <a:solidFill>
-                  <a:srgbClr val="ffffff"/>
-                </a:solidFill>
-              </a:uFill>
-              <a:latin typeface="Calibri"/>
+            <a:endParaRPr b="0" lang="pt-BR" sz="2800" spc="-1" strike="noStrike">
+              <a:solidFill>
+                <a:srgbClr val="000000"/>
+              </a:solidFill>
+              <a:uFill>
+                <a:solidFill>
+                  <a:srgbClr val="ffffff"/>
+                </a:solidFill>
+              </a:uFill>
+              <a:latin typeface="Arial"/>
             </a:endParaRPr>
           </a:p>
           <a:p>
@@ -3653,7 +3492,7 @@
               <a:buChar char=""/>
             </a:pPr>
             <a:r>
-              <a:rPr b="0" lang="pt-BR" sz="3200" spc="-1" strike="noStrike">
+              <a:rPr b="0" lang="pt-BR" sz="2400" spc="-1" strike="noStrike">
                 <a:solidFill>
                   <a:srgbClr val="000000"/>
                 </a:solidFill>
@@ -3662,20 +3501,20 @@
                     <a:srgbClr val="ffffff"/>
                   </a:solidFill>
                 </a:uFill>
-                <a:latin typeface="Calibri"/>
+                <a:latin typeface="Arial"/>
               </a:rPr>
               <a:t>3.º nível da estrutura de tópicos</a:t>
             </a:r>
-            <a:endParaRPr b="0" lang="pt-BR" sz="3200" spc="-1" strike="noStrike">
-              <a:solidFill>
-                <a:srgbClr val="000000"/>
-              </a:solidFill>
-              <a:uFill>
-                <a:solidFill>
-                  <a:srgbClr val="ffffff"/>
-                </a:solidFill>
-              </a:uFill>
-              <a:latin typeface="Calibri"/>
+            <a:endParaRPr b="0" lang="pt-BR" sz="2400" spc="-1" strike="noStrike">
+              <a:solidFill>
+                <a:srgbClr val="000000"/>
+              </a:solidFill>
+              <a:uFill>
+                <a:solidFill>
+                  <a:srgbClr val="ffffff"/>
+                </a:solidFill>
+              </a:uFill>
+              <a:latin typeface="Arial"/>
             </a:endParaRPr>
           </a:p>
           <a:p>
@@ -3688,7 +3527,7 @@
               <a:buChar char=""/>
             </a:pPr>
             <a:r>
-              <a:rPr b="0" lang="pt-BR" sz="3200" spc="-1" strike="noStrike">
+              <a:rPr b="0" lang="pt-BR" sz="2000" spc="-1" strike="noStrike">
                 <a:solidFill>
                   <a:srgbClr val="000000"/>
                 </a:solidFill>
@@ -3697,20 +3536,20 @@
                     <a:srgbClr val="ffffff"/>
                   </a:solidFill>
                 </a:uFill>
-                <a:latin typeface="Calibri"/>
+                <a:latin typeface="Arial"/>
               </a:rPr>
               <a:t>4.º nível da estrutura de tópicos</a:t>
             </a:r>
-            <a:endParaRPr b="0" lang="pt-BR" sz="3200" spc="-1" strike="noStrike">
-              <a:solidFill>
-                <a:srgbClr val="000000"/>
-              </a:solidFill>
-              <a:uFill>
-                <a:solidFill>
-                  <a:srgbClr val="ffffff"/>
-                </a:solidFill>
-              </a:uFill>
-              <a:latin typeface="Calibri"/>
+            <a:endParaRPr b="0" lang="pt-BR" sz="2000" spc="-1" strike="noStrike">
+              <a:solidFill>
+                <a:srgbClr val="000000"/>
+              </a:solidFill>
+              <a:uFill>
+                <a:solidFill>
+                  <a:srgbClr val="ffffff"/>
+                </a:solidFill>
+              </a:uFill>
+              <a:latin typeface="Arial"/>
             </a:endParaRPr>
           </a:p>
           <a:p>
@@ -3723,7 +3562,7 @@
               <a:buChar char=""/>
             </a:pPr>
             <a:r>
-              <a:rPr b="0" lang="pt-BR" sz="3200" spc="-1" strike="noStrike">
+              <a:rPr b="0" lang="pt-BR" sz="2000" spc="-1" strike="noStrike">
                 <a:solidFill>
                   <a:srgbClr val="000000"/>
                 </a:solidFill>
@@ -3732,20 +3571,20 @@
                     <a:srgbClr val="ffffff"/>
                   </a:solidFill>
                 </a:uFill>
-                <a:latin typeface="Calibri"/>
+                <a:latin typeface="Arial"/>
               </a:rPr>
               <a:t>5.º nível da estrutura de tópicos</a:t>
             </a:r>
-            <a:endParaRPr b="0" lang="pt-BR" sz="3200" spc="-1" strike="noStrike">
-              <a:solidFill>
-                <a:srgbClr val="000000"/>
-              </a:solidFill>
-              <a:uFill>
-                <a:solidFill>
-                  <a:srgbClr val="ffffff"/>
-                </a:solidFill>
-              </a:uFill>
-              <a:latin typeface="Calibri"/>
+            <a:endParaRPr b="0" lang="pt-BR" sz="2000" spc="-1" strike="noStrike">
+              <a:solidFill>
+                <a:srgbClr val="000000"/>
+              </a:solidFill>
+              <a:uFill>
+                <a:solidFill>
+                  <a:srgbClr val="ffffff"/>
+                </a:solidFill>
+              </a:uFill>
+              <a:latin typeface="Arial"/>
             </a:endParaRPr>
           </a:p>
           <a:p>
@@ -3758,7 +3597,7 @@
               <a:buChar char=""/>
             </a:pPr>
             <a:r>
-              <a:rPr b="0" lang="pt-BR" sz="3200" spc="-1" strike="noStrike">
+              <a:rPr b="0" lang="pt-BR" sz="2000" spc="-1" strike="noStrike">
                 <a:solidFill>
                   <a:srgbClr val="000000"/>
                 </a:solidFill>
@@ -3767,35 +3606,33 @@
                     <a:srgbClr val="ffffff"/>
                   </a:solidFill>
                 </a:uFill>
-                <a:latin typeface="Calibri"/>
+                <a:latin typeface="Arial"/>
               </a:rPr>
               <a:t>6.º nível da estrutura de tópicos</a:t>
             </a:r>
-            <a:endParaRPr b="0" lang="pt-BR" sz="3200" spc="-1" strike="noStrike">
-              <a:solidFill>
-                <a:srgbClr val="000000"/>
-              </a:solidFill>
-              <a:uFill>
-                <a:solidFill>
-                  <a:srgbClr val="ffffff"/>
-                </a:solidFill>
-              </a:uFill>
-              <a:latin typeface="Calibri"/>
-            </a:endParaRPr>
-          </a:p>
-          <a:p>
-            <a:pPr marL="343080" indent="-342720">
-              <a:lnSpc>
-                <a:spcPct val="100000"/>
-              </a:lnSpc>
+            <a:endParaRPr b="0" lang="pt-BR" sz="2000" spc="-1" strike="noStrike">
+              <a:solidFill>
+                <a:srgbClr val="000000"/>
+              </a:solidFill>
+              <a:uFill>
+                <a:solidFill>
+                  <a:srgbClr val="ffffff"/>
+                </a:solidFill>
+              </a:uFill>
+              <a:latin typeface="Arial"/>
+            </a:endParaRPr>
+          </a:p>
+          <a:p>
+            <a:pPr lvl="6" marL="3024000" indent="-216000">
               <a:buClr>
                 <a:srgbClr val="000000"/>
               </a:buClr>
-              <a:buFont typeface="Arial"/>
-              <a:buChar char="•"/>
+              <a:buSzPct val="45000"/>
+              <a:buFont typeface="Wingdings" charset="2"/>
+              <a:buChar char=""/>
             </a:pPr>
             <a:r>
-              <a:rPr b="0" lang="pt-BR" sz="3200" spc="-1" strike="noStrike">
+              <a:rPr b="0" lang="pt-BR" sz="2000" spc="-1" strike="noStrike">
                 <a:solidFill>
                   <a:srgbClr val="000000"/>
                 </a:solidFill>
@@ -3804,314 +3641,20 @@
                     <a:srgbClr val="ffffff"/>
                   </a:solidFill>
                 </a:uFill>
-                <a:latin typeface="Calibri"/>
+                <a:latin typeface="Arial"/>
               </a:rPr>
-              <a:t>7.º nível da estrutura de tópicosClick to edit Master text styles</a:t>
+              <a:t>7.º nível da estrutura de tópicos</a:t>
             </a:r>
-            <a:endParaRPr b="0" lang="pt-BR" sz="3200" spc="-1" strike="noStrike">
-              <a:solidFill>
-                <a:srgbClr val="000000"/>
-              </a:solidFill>
-              <a:uFill>
-                <a:solidFill>
-                  <a:srgbClr val="ffffff"/>
-                </a:solidFill>
-              </a:uFill>
-              <a:latin typeface="Calibri"/>
-            </a:endParaRPr>
-          </a:p>
-          <a:p>
-            <a:pPr lvl="1" marL="743040" indent="-285480">
-              <a:lnSpc>
-                <a:spcPct val="100000"/>
-              </a:lnSpc>
-              <a:buClr>
-                <a:srgbClr val="000000"/>
-              </a:buClr>
-              <a:buFont typeface="Arial"/>
-              <a:buChar char="–"/>
-            </a:pPr>
-            <a:r>
-              <a:rPr b="0" lang="pt-BR" sz="2800" spc="-1" strike="noStrike">
-                <a:solidFill>
-                  <a:srgbClr val="000000"/>
-                </a:solidFill>
-                <a:uFill>
-                  <a:solidFill>
-                    <a:srgbClr val="ffffff"/>
-                  </a:solidFill>
-                </a:uFill>
-                <a:latin typeface="Calibri"/>
-              </a:rPr>
-              <a:t>Second level</a:t>
-            </a:r>
-            <a:endParaRPr b="0" lang="pt-BR" sz="3200" spc="-1" strike="noStrike">
-              <a:solidFill>
-                <a:srgbClr val="000000"/>
-              </a:solidFill>
-              <a:uFill>
-                <a:solidFill>
-                  <a:srgbClr val="ffffff"/>
-                </a:solidFill>
-              </a:uFill>
-              <a:latin typeface="Calibri"/>
-            </a:endParaRPr>
-          </a:p>
-          <a:p>
-            <a:pPr lvl="2" marL="1143000" indent="-228240">
-              <a:lnSpc>
-                <a:spcPct val="100000"/>
-              </a:lnSpc>
-              <a:buClr>
-                <a:srgbClr val="000000"/>
-              </a:buClr>
-              <a:buFont typeface="Arial"/>
-              <a:buChar char="•"/>
-            </a:pPr>
-            <a:r>
-              <a:rPr b="0" lang="pt-BR" sz="2400" spc="-1" strike="noStrike">
-                <a:solidFill>
-                  <a:srgbClr val="000000"/>
-                </a:solidFill>
-                <a:uFill>
-                  <a:solidFill>
-                    <a:srgbClr val="ffffff"/>
-                  </a:solidFill>
-                </a:uFill>
-                <a:latin typeface="Calibri"/>
-              </a:rPr>
-              <a:t>Third level</a:t>
-            </a:r>
-            <a:endParaRPr b="0" lang="pt-BR" sz="3200" spc="-1" strike="noStrike">
-              <a:solidFill>
-                <a:srgbClr val="000000"/>
-              </a:solidFill>
-              <a:uFill>
-                <a:solidFill>
-                  <a:srgbClr val="ffffff"/>
-                </a:solidFill>
-              </a:uFill>
-              <a:latin typeface="Calibri"/>
-            </a:endParaRPr>
-          </a:p>
-          <a:p>
-            <a:pPr lvl="3" marL="1600200" indent="-228240">
-              <a:lnSpc>
-                <a:spcPct val="100000"/>
-              </a:lnSpc>
-              <a:buClr>
-                <a:srgbClr val="000000"/>
-              </a:buClr>
-              <a:buFont typeface="Arial"/>
-              <a:buChar char="–"/>
-            </a:pPr>
-            <a:r>
-              <a:rPr b="0" lang="pt-BR" sz="2000" spc="-1" strike="noStrike">
-                <a:solidFill>
-                  <a:srgbClr val="000000"/>
-                </a:solidFill>
-                <a:uFill>
-                  <a:solidFill>
-                    <a:srgbClr val="ffffff"/>
-                  </a:solidFill>
-                </a:uFill>
-                <a:latin typeface="Calibri"/>
-              </a:rPr>
-              <a:t>Fourth level</a:t>
-            </a:r>
-            <a:endParaRPr b="0" lang="pt-BR" sz="3200" spc="-1" strike="noStrike">
-              <a:solidFill>
-                <a:srgbClr val="000000"/>
-              </a:solidFill>
-              <a:uFill>
-                <a:solidFill>
-                  <a:srgbClr val="ffffff"/>
-                </a:solidFill>
-              </a:uFill>
-              <a:latin typeface="Calibri"/>
-            </a:endParaRPr>
-          </a:p>
-          <a:p>
-            <a:pPr lvl="4" marL="2057400" indent="-228240">
-              <a:lnSpc>
-                <a:spcPct val="100000"/>
-              </a:lnSpc>
-              <a:buClr>
-                <a:srgbClr val="000000"/>
-              </a:buClr>
-              <a:buFont typeface="Arial"/>
-              <a:buChar char="»"/>
-            </a:pPr>
-            <a:r>
-              <a:rPr b="0" lang="pt-BR" sz="2000" spc="-1" strike="noStrike">
-                <a:solidFill>
-                  <a:srgbClr val="000000"/>
-                </a:solidFill>
-                <a:uFill>
-                  <a:solidFill>
-                    <a:srgbClr val="ffffff"/>
-                  </a:solidFill>
-                </a:uFill>
-                <a:latin typeface="Calibri"/>
-              </a:rPr>
-              <a:t>Fifth level</a:t>
-            </a:r>
-            <a:endParaRPr b="0" lang="pt-BR" sz="3200" spc="-1" strike="noStrike">
-              <a:solidFill>
-                <a:srgbClr val="000000"/>
-              </a:solidFill>
-              <a:uFill>
-                <a:solidFill>
-                  <a:srgbClr val="ffffff"/>
-                </a:solidFill>
-              </a:uFill>
-              <a:latin typeface="Calibri"/>
-            </a:endParaRPr>
-          </a:p>
-        </p:txBody>
-      </p:sp>
-      <p:sp>
-        <p:nvSpPr>
-          <p:cNvPr id="41" name="PlaceHolder 3"/>
-          <p:cNvSpPr>
-            <a:spLocks noGrp="1"/>
-          </p:cNvSpPr>
-          <p:nvPr>
-            <p:ph type="dt"/>
-          </p:nvPr>
-        </p:nvSpPr>
-        <p:spPr>
-          <a:xfrm>
-            <a:off x="457200" y="6356520"/>
-            <a:ext cx="2133360" cy="364680"/>
-          </a:xfrm>
-          <a:prstGeom prst="rect">
-            <a:avLst/>
-          </a:prstGeom>
-        </p:spPr>
-        <p:txBody>
-          <a:bodyPr anchor="ctr"/>
-          <a:p>
-            <a:pPr>
-              <a:lnSpc>
-                <a:spcPct val="100000"/>
-              </a:lnSpc>
-            </a:pPr>
-            <a:r>
-              <a:rPr b="0" lang="pt-BR" sz="1200" spc="-1" strike="noStrike">
-                <a:solidFill>
-                  <a:srgbClr val="8b8b8b"/>
-                </a:solidFill>
-                <a:uFill>
-                  <a:solidFill>
-                    <a:srgbClr val="ffffff"/>
-                  </a:solidFill>
-                </a:uFill>
-                <a:latin typeface="Calibri"/>
-              </a:rPr>
-              <a:t>09/05/17</a:t>
-            </a:r>
-            <a:endParaRPr b="0" lang="pt-BR" sz="1400" spc="-1" strike="noStrike">
-              <a:solidFill>
-                <a:srgbClr val="000000"/>
-              </a:solidFill>
-              <a:uFill>
-                <a:solidFill>
-                  <a:srgbClr val="ffffff"/>
-                </a:solidFill>
-              </a:uFill>
-              <a:latin typeface="Times New Roman"/>
-            </a:endParaRPr>
-          </a:p>
-        </p:txBody>
-      </p:sp>
-      <p:sp>
-        <p:nvSpPr>
-          <p:cNvPr id="42" name="PlaceHolder 4"/>
-          <p:cNvSpPr>
-            <a:spLocks noGrp="1"/>
-          </p:cNvSpPr>
-          <p:nvPr>
-            <p:ph type="ftr"/>
-          </p:nvPr>
-        </p:nvSpPr>
-        <p:spPr>
-          <a:xfrm>
-            <a:off x="3124080" y="6356520"/>
-            <a:ext cx="2895120" cy="364680"/>
-          </a:xfrm>
-          <a:prstGeom prst="rect">
-            <a:avLst/>
-          </a:prstGeom>
-        </p:spPr>
-        <p:txBody>
-          <a:bodyPr anchor="ctr"/>
-          <a:p>
-            <a:endParaRPr b="0" lang="pt-BR" sz="2400" spc="-1" strike="noStrike">
-              <a:solidFill>
-                <a:srgbClr val="000000"/>
-              </a:solidFill>
-              <a:uFill>
-                <a:solidFill>
-                  <a:srgbClr val="ffffff"/>
-                </a:solidFill>
-              </a:uFill>
-              <a:latin typeface="Times New Roman"/>
-            </a:endParaRPr>
-          </a:p>
-        </p:txBody>
-      </p:sp>
-      <p:sp>
-        <p:nvSpPr>
-          <p:cNvPr id="43" name="PlaceHolder 5"/>
-          <p:cNvSpPr>
-            <a:spLocks noGrp="1"/>
-          </p:cNvSpPr>
-          <p:nvPr>
-            <p:ph type="sldNum"/>
-          </p:nvPr>
-        </p:nvSpPr>
-        <p:spPr>
-          <a:xfrm>
-            <a:off x="6553080" y="6356520"/>
-            <a:ext cx="2133360" cy="364680"/>
-          </a:xfrm>
-          <a:prstGeom prst="rect">
-            <a:avLst/>
-          </a:prstGeom>
-        </p:spPr>
-        <p:txBody>
-          <a:bodyPr anchor="ctr"/>
-          <a:p>
-            <a:pPr algn="r">
-              <a:lnSpc>
-                <a:spcPct val="100000"/>
-              </a:lnSpc>
-            </a:pPr>
-            <a:fld id="{3A4F350B-496A-4542-A4DC-3C508A036D5B}" type="slidenum">
-              <a:rPr b="0" lang="pt-BR" sz="1200" spc="-1" strike="noStrike">
-                <a:solidFill>
-                  <a:srgbClr val="8b8b8b"/>
-                </a:solidFill>
-                <a:uFill>
-                  <a:solidFill>
-                    <a:srgbClr val="ffffff"/>
-                  </a:solidFill>
-                </a:uFill>
-                <a:latin typeface="Calibri"/>
-              </a:rPr>
-              <a:t>&lt;número&gt;</a:t>
-            </a:fld>
-            <a:endParaRPr b="0" lang="pt-BR" sz="1400" spc="-1" strike="noStrike">
-              <a:solidFill>
-                <a:srgbClr val="000000"/>
-              </a:solidFill>
-              <a:uFill>
-                <a:solidFill>
-                  <a:srgbClr val="ffffff"/>
-                </a:solidFill>
-              </a:uFill>
-              <a:latin typeface="Times New Roman"/>
+            <a:endParaRPr b="0" lang="pt-BR" sz="2000" spc="-1" strike="noStrike">
+              <a:solidFill>
+                <a:srgbClr val="000000"/>
+              </a:solidFill>
+              <a:uFill>
+                <a:solidFill>
+                  <a:srgbClr val="ffffff"/>
+                </a:solidFill>
+              </a:uFill>
+              <a:latin typeface="Arial"/>
             </a:endParaRPr>
           </a:p>
         </p:txBody>
@@ -4155,14 +3698,14 @@
       </p:grpSpPr>
       <p:sp>
         <p:nvSpPr>
-          <p:cNvPr id="78" name="TextShape 1"/>
-          <p:cNvSpPr txBox="1"/>
+          <p:cNvPr id="72" name="CustomShape 1"/>
+          <p:cNvSpPr/>
           <p:nvPr/>
         </p:nvSpPr>
         <p:spPr>
           <a:xfrm>
             <a:off x="685800" y="2562480"/>
-            <a:ext cx="7772040" cy="1469520"/>
+            <a:ext cx="7771680" cy="1469160"/>
           </a:xfrm>
           <a:prstGeom prst="rect">
             <a:avLst/>
@@ -4172,14 +3715,16 @@
             <a:noFill/>
           </a:ln>
         </p:spPr>
-        <p:txBody>
-          <a:bodyPr anchor="ctr"/>
-          <a:p>
-            <a:pPr algn="ctr">
-              <a:lnSpc>
-                <a:spcPct val="100000"/>
-              </a:lnSpc>
-            </a:pPr>
+        <p:style>
+          <a:lnRef idx="0"/>
+          <a:fillRef idx="0"/>
+          <a:effectRef idx="0"/>
+          <a:fontRef idx="minor"/>
+        </p:style>
+        <p:txBody>
+          <a:bodyPr lIns="90000" rIns="90000" tIns="45000" bIns="45000" anchor="ctr"/>
+          <a:p>
+            <a:pPr algn="ctr"/>
             <a:r>
               <a:rPr b="0" lang="pt-BR" sz="4400" spc="-1" strike="noStrike">
                 <a:solidFill>
@@ -4208,38 +3753,26 @@
               </a:rPr>
               <a:t>MAIS</a:t>
             </a:r>
+            <a:endParaRPr b="0" lang="pt-BR" sz="1800" spc="-1" strike="noStrike">
+              <a:solidFill>
+                <a:srgbClr val="000000"/>
+              </a:solidFill>
+              <a:uFill>
+                <a:solidFill>
+                  <a:srgbClr val="ffffff"/>
+                </a:solidFill>
+              </a:uFill>
+              <a:latin typeface="Arial"/>
+            </a:endParaRPr>
+          </a:p>
+          <a:p>
+            <a:pPr algn="ctr">
+              <a:lnSpc>
+                <a:spcPct val="100000"/>
+              </a:lnSpc>
+            </a:pPr>
             <a:r>
-              <a:rPr b="1" lang="pt-BR" sz="4400" spc="-1" strike="noStrike">
-                <a:solidFill>
-                  <a:srgbClr val="000000"/>
-                </a:solidFill>
-                <a:uFill>
-                  <a:solidFill>
-                    <a:srgbClr val="ffffff"/>
-                  </a:solidFill>
-                </a:uFill>
-                <a:latin typeface="Calibri"/>
-              </a:rPr>
-              <a:t>
-</a:t>
-            </a:r>
-            <a:r>
-              <a:rPr b="0" lang="pt-BR" sz="4400" spc="-1" strike="noStrike">
-                <a:solidFill>
-                  <a:srgbClr val="000000"/>
-                </a:solidFill>
-                <a:uFill>
-                  <a:solidFill>
-                    <a:srgbClr val="ffffff"/>
-                  </a:solidFill>
-                </a:uFill>
-                <a:latin typeface="Calibri"/>
-              </a:rPr>
-              <a:t>
-</a:t>
-            </a:r>
-            <a:r>
-              <a:rPr b="0" lang="pt-BR" sz="4400" spc="-1" strike="noStrike">
+              <a:rPr b="0" lang="pt-BR" sz="3600" spc="-1" strike="noStrike">
                 <a:solidFill>
                   <a:srgbClr val="000000"/>
                 </a:solidFill>
@@ -4261,21 +3794,21 @@
                   <a:srgbClr val="ffffff"/>
                 </a:solidFill>
               </a:uFill>
-              <a:latin typeface="Calibri"/>
-            </a:endParaRPr>
-          </a:p>
-        </p:txBody>
-      </p:sp>
-      <p:sp>
-        <p:nvSpPr>
-          <p:cNvPr id="79" name="TextShape 2"/>
-          <p:cNvSpPr txBox="1"/>
+              <a:latin typeface="Arial"/>
+            </a:endParaRPr>
+          </a:p>
+        </p:txBody>
+      </p:sp>
+      <p:sp>
+        <p:nvSpPr>
+          <p:cNvPr id="73" name="CustomShape 2"/>
+          <p:cNvSpPr/>
           <p:nvPr/>
         </p:nvSpPr>
         <p:spPr>
           <a:xfrm>
             <a:off x="1407600" y="4354200"/>
-            <a:ext cx="6400440" cy="649800"/>
+            <a:ext cx="6400080" cy="649440"/>
           </a:xfrm>
           <a:prstGeom prst="rect">
             <a:avLst/>
@@ -4285,8 +3818,14 @@
             <a:noFill/>
           </a:ln>
         </p:spPr>
-        <p:txBody>
-          <a:bodyPr/>
+        <p:style>
+          <a:lnRef idx="0"/>
+          <a:fillRef idx="0"/>
+          <a:effectRef idx="0"/>
+          <a:fontRef idx="minor"/>
+        </p:style>
+        <p:txBody>
+          <a:bodyPr lIns="90000" rIns="90000" tIns="45000" bIns="45000"/>
           <a:p>
             <a:pPr algn="ctr">
               <a:lnSpc>
@@ -4321,16 +3860,16 @@
               </a:rPr>
               <a:t>01</a:t>
             </a:r>
-            <a:endParaRPr b="0" lang="pt-BR" sz="2400" spc="-1" strike="noStrike">
-              <a:solidFill>
-                <a:srgbClr val="000000"/>
-              </a:solidFill>
-              <a:uFill>
-                <a:solidFill>
-                  <a:srgbClr val="ffffff"/>
-                </a:solidFill>
-              </a:uFill>
-              <a:latin typeface="Calibri"/>
+            <a:endParaRPr b="0" lang="pt-BR" sz="1800" spc="-1" strike="noStrike">
+              <a:solidFill>
+                <a:srgbClr val="000000"/>
+              </a:solidFill>
+              <a:uFill>
+                <a:solidFill>
+                  <a:srgbClr val="ffffff"/>
+                </a:solidFill>
+              </a:uFill>
+              <a:latin typeface="Arial"/>
             </a:endParaRPr>
           </a:p>
           <a:p>
@@ -4339,23 +3878,23 @@
                 <a:spcPct val="100000"/>
               </a:lnSpc>
             </a:pPr>
-            <a:endParaRPr b="0" lang="pt-BR" sz="2400" spc="-1" strike="noStrike">
-              <a:solidFill>
-                <a:srgbClr val="000000"/>
-              </a:solidFill>
-              <a:uFill>
-                <a:solidFill>
-                  <a:srgbClr val="ffffff"/>
-                </a:solidFill>
-              </a:uFill>
-              <a:latin typeface="Calibri"/>
+            <a:endParaRPr b="0" lang="pt-BR" sz="1800" spc="-1" strike="noStrike">
+              <a:solidFill>
+                <a:srgbClr val="000000"/>
+              </a:solidFill>
+              <a:uFill>
+                <a:solidFill>
+                  <a:srgbClr val="ffffff"/>
+                </a:solidFill>
+              </a:uFill>
+              <a:latin typeface="Arial"/>
             </a:endParaRPr>
           </a:p>
         </p:txBody>
       </p:sp>
       <p:pic>
         <p:nvPicPr>
-          <p:cNvPr id="80" name="" descr=""/>
+          <p:cNvPr id="74" name="" descr=""/>
           <p:cNvPicPr/>
           <p:nvPr/>
         </p:nvPicPr>
@@ -4365,8 +3904,8 @@
         </p:blipFill>
         <p:spPr>
           <a:xfrm>
-            <a:off x="3808800" y="1080000"/>
-            <a:ext cx="1375200" cy="1375200"/>
+            <a:off x="3808800" y="828000"/>
+            <a:ext cx="1374840" cy="1374840"/>
           </a:xfrm>
           <a:prstGeom prst="rect">
             <a:avLst/>
@@ -4427,14 +3966,14 @@
       </p:grpSpPr>
       <p:sp>
         <p:nvSpPr>
-          <p:cNvPr id="81" name="TextShape 1"/>
-          <p:cNvSpPr txBox="1"/>
+          <p:cNvPr id="75" name="CustomShape 1"/>
+          <p:cNvSpPr/>
           <p:nvPr/>
         </p:nvSpPr>
         <p:spPr>
           <a:xfrm>
             <a:off x="457200" y="274680"/>
-            <a:ext cx="8229240" cy="1142640"/>
+            <a:ext cx="8228880" cy="1142280"/>
           </a:xfrm>
           <a:prstGeom prst="rect">
             <a:avLst/>
@@ -4444,8 +3983,14 @@
             <a:noFill/>
           </a:ln>
         </p:spPr>
-        <p:txBody>
-          <a:bodyPr anchor="ctr"/>
+        <p:style>
+          <a:lnRef idx="0"/>
+          <a:fillRef idx="0"/>
+          <a:effectRef idx="0"/>
+          <a:fontRef idx="minor"/>
+        </p:style>
+        <p:txBody>
+          <a:bodyPr lIns="90000" rIns="90000" tIns="45000" bIns="45000" anchor="ctr"/>
           <a:p>
             <a:pPr algn="ctr">
               <a:lnSpc>
@@ -4475,21 +4020,21 @@
                   <a:srgbClr val="ffffff"/>
                 </a:solidFill>
               </a:uFill>
-              <a:latin typeface="Calibri"/>
-            </a:endParaRPr>
-          </a:p>
-        </p:txBody>
-      </p:sp>
-      <p:sp>
-        <p:nvSpPr>
-          <p:cNvPr id="82" name="TextShape 2"/>
-          <p:cNvSpPr txBox="1"/>
+              <a:latin typeface="Arial"/>
+            </a:endParaRPr>
+          </a:p>
+        </p:txBody>
+      </p:sp>
+      <p:sp>
+        <p:nvSpPr>
+          <p:cNvPr id="76" name="CustomShape 2"/>
+          <p:cNvSpPr/>
           <p:nvPr/>
         </p:nvSpPr>
         <p:spPr>
           <a:xfrm>
             <a:off x="457200" y="1600200"/>
-            <a:ext cx="8229240" cy="4525560"/>
+            <a:ext cx="8228880" cy="4525200"/>
           </a:xfrm>
           <a:prstGeom prst="rect">
             <a:avLst/>
@@ -4499,10 +4044,16 @@
             <a:noFill/>
           </a:ln>
         </p:spPr>
-        <p:txBody>
-          <a:bodyPr/>
-          <a:p>
-            <a:pPr marL="343080" indent="-342720">
+        <p:style>
+          <a:lnRef idx="0"/>
+          <a:fillRef idx="0"/>
+          <a:effectRef idx="0"/>
+          <a:fontRef idx="minor"/>
+        </p:style>
+        <p:txBody>
+          <a:bodyPr lIns="90000" rIns="90000" tIns="45000" bIns="45000"/>
+          <a:p>
+            <a:pPr marL="343080" indent="-342360">
               <a:lnSpc>
                 <a:spcPct val="100000"/>
               </a:lnSpc>
@@ -4526,20 +4077,20 @@
               </a:rPr>
               <a:t>Itens planejados para iteração</a:t>
             </a:r>
-            <a:endParaRPr b="0" lang="pt-BR" sz="3200" spc="-1" strike="noStrike">
-              <a:solidFill>
-                <a:srgbClr val="000000"/>
-              </a:solidFill>
-              <a:uFill>
-                <a:solidFill>
-                  <a:srgbClr val="ffffff"/>
-                </a:solidFill>
-              </a:uFill>
-              <a:latin typeface="Calibri"/>
-            </a:endParaRPr>
-          </a:p>
-          <a:p>
-            <a:pPr marL="343080" indent="-342720">
+            <a:endParaRPr b="0" lang="pt-BR" sz="1800" spc="-1" strike="noStrike">
+              <a:solidFill>
+                <a:srgbClr val="000000"/>
+              </a:solidFill>
+              <a:uFill>
+                <a:solidFill>
+                  <a:srgbClr val="ffffff"/>
+                </a:solidFill>
+              </a:uFill>
+              <a:latin typeface="Arial"/>
+            </a:endParaRPr>
+          </a:p>
+          <a:p>
+            <a:pPr marL="343080" indent="-342360">
               <a:lnSpc>
                 <a:spcPct val="100000"/>
               </a:lnSpc>
@@ -4563,20 +4114,20 @@
               </a:rPr>
               <a:t>Itens entregues na iteração</a:t>
             </a:r>
-            <a:endParaRPr b="0" lang="pt-BR" sz="3200" spc="-1" strike="noStrike">
-              <a:solidFill>
-                <a:srgbClr val="000000"/>
-              </a:solidFill>
-              <a:uFill>
-                <a:solidFill>
-                  <a:srgbClr val="ffffff"/>
-                </a:solidFill>
-              </a:uFill>
-              <a:latin typeface="Calibri"/>
-            </a:endParaRPr>
-          </a:p>
-          <a:p>
-            <a:pPr marL="343080" indent="-342720">
+            <a:endParaRPr b="0" lang="pt-BR" sz="1800" spc="-1" strike="noStrike">
+              <a:solidFill>
+                <a:srgbClr val="000000"/>
+              </a:solidFill>
+              <a:uFill>
+                <a:solidFill>
+                  <a:srgbClr val="ffffff"/>
+                </a:solidFill>
+              </a:uFill>
+              <a:latin typeface="Arial"/>
+            </a:endParaRPr>
+          </a:p>
+          <a:p>
+            <a:pPr marL="343080" indent="-342360">
               <a:lnSpc>
                 <a:spcPct val="100000"/>
               </a:lnSpc>
@@ -4600,20 +4151,20 @@
               </a:rPr>
               <a:t>Itens apresentados na iteração</a:t>
             </a:r>
-            <a:endParaRPr b="0" lang="pt-BR" sz="3200" spc="-1" strike="noStrike">
-              <a:solidFill>
-                <a:srgbClr val="000000"/>
-              </a:solidFill>
-              <a:uFill>
-                <a:solidFill>
-                  <a:srgbClr val="ffffff"/>
-                </a:solidFill>
-              </a:uFill>
-              <a:latin typeface="Calibri"/>
-            </a:endParaRPr>
-          </a:p>
-          <a:p>
-            <a:pPr marL="343080" indent="-342720">
+            <a:endParaRPr b="0" lang="pt-BR" sz="1800" spc="-1" strike="noStrike">
+              <a:solidFill>
+                <a:srgbClr val="000000"/>
+              </a:solidFill>
+              <a:uFill>
+                <a:solidFill>
+                  <a:srgbClr val="ffffff"/>
+                </a:solidFill>
+              </a:uFill>
+              <a:latin typeface="Arial"/>
+            </a:endParaRPr>
+          </a:p>
+          <a:p>
+            <a:pPr marL="343080" indent="-342360">
               <a:lnSpc>
                 <a:spcPct val="100000"/>
               </a:lnSpc>
@@ -4637,20 +4188,20 @@
               </a:rPr>
               <a:t>Validação do produto</a:t>
             </a:r>
-            <a:endParaRPr b="0" lang="pt-BR" sz="3200" spc="-1" strike="noStrike">
-              <a:solidFill>
-                <a:srgbClr val="000000"/>
-              </a:solidFill>
-              <a:uFill>
-                <a:solidFill>
-                  <a:srgbClr val="ffffff"/>
-                </a:solidFill>
-              </a:uFill>
-              <a:latin typeface="Calibri"/>
-            </a:endParaRPr>
-          </a:p>
-          <a:p>
-            <a:pPr marL="343080" indent="-342720">
+            <a:endParaRPr b="0" lang="pt-BR" sz="1800" spc="-1" strike="noStrike">
+              <a:solidFill>
+                <a:srgbClr val="000000"/>
+              </a:solidFill>
+              <a:uFill>
+                <a:solidFill>
+                  <a:srgbClr val="ffffff"/>
+                </a:solidFill>
+              </a:uFill>
+              <a:latin typeface="Arial"/>
+            </a:endParaRPr>
+          </a:p>
+          <a:p>
+            <a:pPr marL="343080" indent="-342360">
               <a:lnSpc>
                 <a:spcPct val="100000"/>
               </a:lnSpc>
@@ -4674,20 +4225,20 @@
               </a:rPr>
               <a:t>Métricas da iteração</a:t>
             </a:r>
-            <a:endParaRPr b="0" lang="pt-BR" sz="3200" spc="-1" strike="noStrike">
-              <a:solidFill>
-                <a:srgbClr val="000000"/>
-              </a:solidFill>
-              <a:uFill>
-                <a:solidFill>
-                  <a:srgbClr val="ffffff"/>
-                </a:solidFill>
-              </a:uFill>
-              <a:latin typeface="Calibri"/>
-            </a:endParaRPr>
-          </a:p>
-          <a:p>
-            <a:pPr marL="343080" indent="-342720">
+            <a:endParaRPr b="0" lang="pt-BR" sz="1800" spc="-1" strike="noStrike">
+              <a:solidFill>
+                <a:srgbClr val="000000"/>
+              </a:solidFill>
+              <a:uFill>
+                <a:solidFill>
+                  <a:srgbClr val="ffffff"/>
+                </a:solidFill>
+              </a:uFill>
+              <a:latin typeface="Arial"/>
+            </a:endParaRPr>
+          </a:p>
+          <a:p>
+            <a:pPr marL="343080" indent="-342360">
               <a:lnSpc>
                 <a:spcPct val="100000"/>
               </a:lnSpc>
@@ -4711,16 +4262,16 @@
               </a:rPr>
               <a:t>Lições aprendidas da iteração</a:t>
             </a:r>
-            <a:endParaRPr b="0" lang="pt-BR" sz="3200" spc="-1" strike="noStrike">
-              <a:solidFill>
-                <a:srgbClr val="000000"/>
-              </a:solidFill>
-              <a:uFill>
-                <a:solidFill>
-                  <a:srgbClr val="ffffff"/>
-                </a:solidFill>
-              </a:uFill>
-              <a:latin typeface="Calibri"/>
+            <a:endParaRPr b="0" lang="pt-BR" sz="1800" spc="-1" strike="noStrike">
+              <a:solidFill>
+                <a:srgbClr val="000000"/>
+              </a:solidFill>
+              <a:uFill>
+                <a:solidFill>
+                  <a:srgbClr val="ffffff"/>
+                </a:solidFill>
+              </a:uFill>
+              <a:latin typeface="Arial"/>
             </a:endParaRPr>
           </a:p>
         </p:txBody>
@@ -4776,14 +4327,14 @@
       </p:grpSpPr>
       <p:sp>
         <p:nvSpPr>
-          <p:cNvPr id="83" name="TextShape 1"/>
-          <p:cNvSpPr txBox="1"/>
+          <p:cNvPr id="77" name="CustomShape 1"/>
+          <p:cNvSpPr/>
           <p:nvPr/>
         </p:nvSpPr>
         <p:spPr>
           <a:xfrm>
             <a:off x="457200" y="274680"/>
-            <a:ext cx="8229240" cy="1142640"/>
+            <a:ext cx="8228880" cy="1142280"/>
           </a:xfrm>
           <a:prstGeom prst="rect">
             <a:avLst/>
@@ -4793,8 +4344,14 @@
             <a:noFill/>
           </a:ln>
         </p:spPr>
-        <p:txBody>
-          <a:bodyPr anchor="ctr"/>
+        <p:style>
+          <a:lnRef idx="0"/>
+          <a:fillRef idx="0"/>
+          <a:effectRef idx="0"/>
+          <a:fontRef idx="minor"/>
+        </p:style>
+        <p:txBody>
+          <a:bodyPr lIns="90000" rIns="90000" tIns="45000" bIns="45000" anchor="ctr"/>
           <a:p>
             <a:pPr algn="ctr">
               <a:lnSpc>
@@ -4824,21 +4381,21 @@
                   <a:srgbClr val="ffffff"/>
                 </a:solidFill>
               </a:uFill>
-              <a:latin typeface="Calibri"/>
-            </a:endParaRPr>
-          </a:p>
-        </p:txBody>
-      </p:sp>
-      <p:sp>
-        <p:nvSpPr>
-          <p:cNvPr id="84" name="TextShape 2"/>
-          <p:cNvSpPr txBox="1"/>
+              <a:latin typeface="Arial"/>
+            </a:endParaRPr>
+          </a:p>
+        </p:txBody>
+      </p:sp>
+      <p:sp>
+        <p:nvSpPr>
+          <p:cNvPr id="78" name="CustomShape 2"/>
+          <p:cNvSpPr/>
           <p:nvPr/>
         </p:nvSpPr>
         <p:spPr>
           <a:xfrm>
             <a:off x="457200" y="1600200"/>
-            <a:ext cx="8542800" cy="4525560"/>
+            <a:ext cx="8542440" cy="4525200"/>
           </a:xfrm>
           <a:prstGeom prst="rect">
             <a:avLst/>
@@ -4848,10 +4405,16 @@
             <a:noFill/>
           </a:ln>
         </p:spPr>
-        <p:txBody>
-          <a:bodyPr/>
-          <a:p>
-            <a:pPr marL="343080" indent="-342720">
+        <p:style>
+          <a:lnRef idx="0"/>
+          <a:fillRef idx="0"/>
+          <a:effectRef idx="0"/>
+          <a:fontRef idx="minor"/>
+        </p:style>
+        <p:txBody>
+          <a:bodyPr lIns="90000" rIns="90000" tIns="45000" bIns="45000"/>
+          <a:p>
+            <a:pPr marL="343080" indent="-342360">
               <a:lnSpc>
                 <a:spcPct val="100000"/>
               </a:lnSpc>
@@ -4876,20 +4439,20 @@
               </a:rPr>
               <a:t>Login</a:t>
             </a:r>
-            <a:endParaRPr b="0" lang="pt-BR" sz="3200" spc="-1" strike="noStrike">
-              <a:solidFill>
-                <a:srgbClr val="000000"/>
-              </a:solidFill>
-              <a:uFill>
-                <a:solidFill>
-                  <a:srgbClr val="ffffff"/>
-                </a:solidFill>
-              </a:uFill>
-              <a:latin typeface="Calibri"/>
-            </a:endParaRPr>
-          </a:p>
-          <a:p>
-            <a:pPr marL="343080" indent="-342720">
+            <a:endParaRPr b="0" lang="pt-BR" sz="1800" spc="-1" strike="noStrike">
+              <a:solidFill>
+                <a:srgbClr val="000000"/>
+              </a:solidFill>
+              <a:uFill>
+                <a:solidFill>
+                  <a:srgbClr val="ffffff"/>
+                </a:solidFill>
+              </a:uFill>
+              <a:latin typeface="Arial"/>
+            </a:endParaRPr>
+          </a:p>
+          <a:p>
+            <a:pPr marL="343080" indent="-342360">
               <a:lnSpc>
                 <a:spcPct val="100000"/>
               </a:lnSpc>
@@ -4914,20 +4477,20 @@
               </a:rPr>
               <a:t>Gereciamento de Instituições de Caridade</a:t>
             </a:r>
-            <a:endParaRPr b="0" lang="pt-BR" sz="3200" spc="-1" strike="noStrike">
-              <a:solidFill>
-                <a:srgbClr val="000000"/>
-              </a:solidFill>
-              <a:uFill>
-                <a:solidFill>
-                  <a:srgbClr val="ffffff"/>
-                </a:solidFill>
-              </a:uFill>
-              <a:latin typeface="Calibri"/>
-            </a:endParaRPr>
-          </a:p>
-          <a:p>
-            <a:pPr marL="343080" indent="-342720">
+            <a:endParaRPr b="0" lang="pt-BR" sz="1800" spc="-1" strike="noStrike">
+              <a:solidFill>
+                <a:srgbClr val="000000"/>
+              </a:solidFill>
+              <a:uFill>
+                <a:solidFill>
+                  <a:srgbClr val="ffffff"/>
+                </a:solidFill>
+              </a:uFill>
+              <a:latin typeface="Arial"/>
+            </a:endParaRPr>
+          </a:p>
+          <a:p>
+            <a:pPr marL="343080" indent="-342360">
               <a:lnSpc>
                 <a:spcPct val="100000"/>
               </a:lnSpc>
@@ -4952,30 +4515,6 @@
               </a:rPr>
               <a:t>Gerenciamento de Categorias de Itens de Doação</a:t>
             </a:r>
-            <a:endParaRPr b="0" lang="pt-BR" sz="3200" spc="-1" strike="noStrike">
-              <a:solidFill>
-                <a:srgbClr val="000000"/>
-              </a:solidFill>
-              <a:uFill>
-                <a:solidFill>
-                  <a:srgbClr val="ffffff"/>
-                </a:solidFill>
-              </a:uFill>
-              <a:latin typeface="Calibri"/>
-            </a:endParaRPr>
-          </a:p>
-          <a:p>
-            <a:pPr marL="343080" indent="-342720">
-              <a:lnSpc>
-                <a:spcPct val="100000"/>
-              </a:lnSpc>
-              <a:buClr>
-                <a:srgbClr val="000000"/>
-              </a:buClr>
-              <a:buSzPct val="45000"/>
-              <a:buFont typeface="Wingdings" charset="2"/>
-              <a:buChar char=""/>
-            </a:pPr>
             <a:r>
               <a:rPr b="0" lang="pt-BR" sz="3200" spc="-1" strike="noStrike">
                 <a:solidFill>
@@ -4990,16 +4529,16 @@
               </a:rPr>
               <a:t> </a:t>
             </a:r>
-            <a:endParaRPr b="0" lang="pt-BR" sz="3200" spc="-1" strike="noStrike">
-              <a:solidFill>
-                <a:srgbClr val="000000"/>
-              </a:solidFill>
-              <a:uFill>
-                <a:solidFill>
-                  <a:srgbClr val="ffffff"/>
-                </a:solidFill>
-              </a:uFill>
-              <a:latin typeface="Calibri"/>
+            <a:endParaRPr b="0" lang="pt-BR" sz="1800" spc="-1" strike="noStrike">
+              <a:solidFill>
+                <a:srgbClr val="000000"/>
+              </a:solidFill>
+              <a:uFill>
+                <a:solidFill>
+                  <a:srgbClr val="ffffff"/>
+                </a:solidFill>
+              </a:uFill>
+              <a:latin typeface="Arial"/>
             </a:endParaRPr>
           </a:p>
         </p:txBody>
@@ -5055,14 +4594,14 @@
       </p:grpSpPr>
       <p:sp>
         <p:nvSpPr>
-          <p:cNvPr id="85" name="TextShape 1"/>
-          <p:cNvSpPr txBox="1"/>
+          <p:cNvPr id="79" name="CustomShape 1"/>
+          <p:cNvSpPr/>
           <p:nvPr/>
         </p:nvSpPr>
         <p:spPr>
           <a:xfrm>
             <a:off x="457200" y="274680"/>
-            <a:ext cx="8229240" cy="1142640"/>
+            <a:ext cx="8228880" cy="1142280"/>
           </a:xfrm>
           <a:prstGeom prst="rect">
             <a:avLst/>
@@ -5072,8 +4611,14 @@
             <a:noFill/>
           </a:ln>
         </p:spPr>
-        <p:txBody>
-          <a:bodyPr anchor="ctr"/>
+        <p:style>
+          <a:lnRef idx="0"/>
+          <a:fillRef idx="0"/>
+          <a:effectRef idx="0"/>
+          <a:fontRef idx="minor"/>
+        </p:style>
+        <p:txBody>
+          <a:bodyPr lIns="90000" rIns="90000" tIns="45000" bIns="45000" anchor="ctr"/>
           <a:p>
             <a:pPr algn="ctr">
               <a:lnSpc>
@@ -5103,21 +4648,21 @@
                   <a:srgbClr val="ffffff"/>
                 </a:solidFill>
               </a:uFill>
-              <a:latin typeface="Calibri"/>
-            </a:endParaRPr>
-          </a:p>
-        </p:txBody>
-      </p:sp>
-      <p:sp>
-        <p:nvSpPr>
-          <p:cNvPr id="86" name="TextShape 2"/>
-          <p:cNvSpPr txBox="1"/>
+              <a:latin typeface="Arial"/>
+            </a:endParaRPr>
+          </a:p>
+        </p:txBody>
+      </p:sp>
+      <p:sp>
+        <p:nvSpPr>
+          <p:cNvPr id="80" name="CustomShape 2"/>
+          <p:cNvSpPr/>
           <p:nvPr/>
         </p:nvSpPr>
         <p:spPr>
           <a:xfrm>
             <a:off x="457200" y="1600200"/>
-            <a:ext cx="8542800" cy="4525560"/>
+            <a:ext cx="8542440" cy="4525200"/>
           </a:xfrm>
           <a:prstGeom prst="rect">
             <a:avLst/>
@@ -5127,10 +4672,16 @@
             <a:noFill/>
           </a:ln>
         </p:spPr>
-        <p:txBody>
-          <a:bodyPr/>
-          <a:p>
-            <a:pPr marL="343080" indent="-342720">
+        <p:style>
+          <a:lnRef idx="0"/>
+          <a:fillRef idx="0"/>
+          <a:effectRef idx="0"/>
+          <a:fontRef idx="minor"/>
+        </p:style>
+        <p:txBody>
+          <a:bodyPr lIns="90000" rIns="90000" tIns="45000" bIns="45000"/>
+          <a:p>
+            <a:pPr marL="343080" indent="-342360">
               <a:lnSpc>
                 <a:spcPct val="100000"/>
               </a:lnSpc>
@@ -5155,20 +4706,20 @@
               </a:rPr>
               <a:t>Login</a:t>
             </a:r>
-            <a:endParaRPr b="0" lang="pt-BR" sz="3200" spc="-1" strike="noStrike">
-              <a:solidFill>
-                <a:srgbClr val="000000"/>
-              </a:solidFill>
-              <a:uFill>
-                <a:solidFill>
-                  <a:srgbClr val="ffffff"/>
-                </a:solidFill>
-              </a:uFill>
-              <a:latin typeface="Calibri"/>
-            </a:endParaRPr>
-          </a:p>
-          <a:p>
-            <a:pPr marL="343080" indent="-342720">
+            <a:endParaRPr b="0" lang="pt-BR" sz="1800" spc="-1" strike="noStrike">
+              <a:solidFill>
+                <a:srgbClr val="000000"/>
+              </a:solidFill>
+              <a:uFill>
+                <a:solidFill>
+                  <a:srgbClr val="ffffff"/>
+                </a:solidFill>
+              </a:uFill>
+              <a:latin typeface="Arial"/>
+            </a:endParaRPr>
+          </a:p>
+          <a:p>
+            <a:pPr marL="343080" indent="-342360">
               <a:lnSpc>
                 <a:spcPct val="100000"/>
               </a:lnSpc>
@@ -5193,20 +4744,20 @@
               </a:rPr>
               <a:t>Gereciamento de Instituições de Caridade</a:t>
             </a:r>
-            <a:endParaRPr b="0" lang="pt-BR" sz="3200" spc="-1" strike="noStrike">
-              <a:solidFill>
-                <a:srgbClr val="000000"/>
-              </a:solidFill>
-              <a:uFill>
-                <a:solidFill>
-                  <a:srgbClr val="ffffff"/>
-                </a:solidFill>
-              </a:uFill>
-              <a:latin typeface="Calibri"/>
-            </a:endParaRPr>
-          </a:p>
-          <a:p>
-            <a:pPr marL="343080" indent="-342720">
+            <a:endParaRPr b="0" lang="pt-BR" sz="1800" spc="-1" strike="noStrike">
+              <a:solidFill>
+                <a:srgbClr val="000000"/>
+              </a:solidFill>
+              <a:uFill>
+                <a:solidFill>
+                  <a:srgbClr val="ffffff"/>
+                </a:solidFill>
+              </a:uFill>
+              <a:latin typeface="Arial"/>
+            </a:endParaRPr>
+          </a:p>
+          <a:p>
+            <a:pPr marL="343080" indent="-342360">
               <a:lnSpc>
                 <a:spcPct val="100000"/>
               </a:lnSpc>
@@ -5231,20 +4782,20 @@
               </a:rPr>
               <a:t>Gerenciamento de Categorias de Itens de Doação</a:t>
             </a:r>
-            <a:endParaRPr b="0" lang="pt-BR" sz="3200" spc="-1" strike="noStrike">
-              <a:solidFill>
-                <a:srgbClr val="000000"/>
-              </a:solidFill>
-              <a:uFill>
-                <a:solidFill>
-                  <a:srgbClr val="ffffff"/>
-                </a:solidFill>
-              </a:uFill>
-              <a:latin typeface="Calibri"/>
-            </a:endParaRPr>
-          </a:p>
-          <a:p>
-            <a:pPr marL="343080" indent="-342720">
+            <a:endParaRPr b="0" lang="pt-BR" sz="1800" spc="-1" strike="noStrike">
+              <a:solidFill>
+                <a:srgbClr val="000000"/>
+              </a:solidFill>
+              <a:uFill>
+                <a:solidFill>
+                  <a:srgbClr val="ffffff"/>
+                </a:solidFill>
+              </a:uFill>
+              <a:latin typeface="Arial"/>
+            </a:endParaRPr>
+          </a:p>
+          <a:p>
+            <a:pPr marL="343080" indent="-342360">
               <a:lnSpc>
                 <a:spcPct val="100000"/>
               </a:lnSpc>
@@ -5269,16 +4820,16 @@
               </a:rPr>
               <a:t> </a:t>
             </a:r>
-            <a:endParaRPr b="0" lang="pt-BR" sz="3200" spc="-1" strike="noStrike">
-              <a:solidFill>
-                <a:srgbClr val="000000"/>
-              </a:solidFill>
-              <a:uFill>
-                <a:solidFill>
-                  <a:srgbClr val="ffffff"/>
-                </a:solidFill>
-              </a:uFill>
-              <a:latin typeface="Calibri"/>
+            <a:endParaRPr b="0" lang="pt-BR" sz="1800" spc="-1" strike="noStrike">
+              <a:solidFill>
+                <a:srgbClr val="000000"/>
+              </a:solidFill>
+              <a:uFill>
+                <a:solidFill>
+                  <a:srgbClr val="ffffff"/>
+                </a:solidFill>
+              </a:uFill>
+              <a:latin typeface="Arial"/>
             </a:endParaRPr>
           </a:p>
         </p:txBody>
@@ -5334,14 +4885,14 @@
       </p:grpSpPr>
       <p:sp>
         <p:nvSpPr>
-          <p:cNvPr id="87" name="TextShape 1"/>
-          <p:cNvSpPr txBox="1"/>
+          <p:cNvPr id="81" name="CustomShape 1"/>
+          <p:cNvSpPr/>
           <p:nvPr/>
         </p:nvSpPr>
         <p:spPr>
           <a:xfrm>
             <a:off x="457200" y="274680"/>
-            <a:ext cx="8229240" cy="1142640"/>
+            <a:ext cx="8228880" cy="1142280"/>
           </a:xfrm>
           <a:prstGeom prst="rect">
             <a:avLst/>
@@ -5351,8 +4902,14 @@
             <a:noFill/>
           </a:ln>
         </p:spPr>
-        <p:txBody>
-          <a:bodyPr anchor="ctr"/>
+        <p:style>
+          <a:lnRef idx="0"/>
+          <a:fillRef idx="0"/>
+          <a:effectRef idx="0"/>
+          <a:fontRef idx="minor"/>
+        </p:style>
+        <p:txBody>
+          <a:bodyPr lIns="90000" rIns="90000" tIns="45000" bIns="45000" anchor="ctr"/>
           <a:p>
             <a:pPr algn="ctr">
               <a:lnSpc>
@@ -5371,7 +4928,7 @@
                 </a:uFill>
                 <a:latin typeface="Calibri"/>
               </a:rPr>
-              <a:t>Métricas</a:t>
+              <a:t>Itens Apresentados</a:t>
             </a:r>
             <a:endParaRPr b="0" lang="pt-BR" sz="1800" spc="-1" strike="noStrike">
               <a:solidFill>
@@ -5382,21 +4939,21 @@
                   <a:srgbClr val="ffffff"/>
                 </a:solidFill>
               </a:uFill>
-              <a:latin typeface="Calibri"/>
-            </a:endParaRPr>
-          </a:p>
-        </p:txBody>
-      </p:sp>
-      <p:sp>
-        <p:nvSpPr>
-          <p:cNvPr id="88" name="TextShape 2"/>
-          <p:cNvSpPr txBox="1"/>
+              <a:latin typeface="Arial"/>
+            </a:endParaRPr>
+          </a:p>
+        </p:txBody>
+      </p:sp>
+      <p:sp>
+        <p:nvSpPr>
+          <p:cNvPr id="82" name="CustomShape 2"/>
+          <p:cNvSpPr/>
           <p:nvPr/>
         </p:nvSpPr>
         <p:spPr>
           <a:xfrm>
             <a:off x="457200" y="1600200"/>
-            <a:ext cx="8542800" cy="4525560"/>
+            <a:ext cx="8542440" cy="4525200"/>
           </a:xfrm>
           <a:prstGeom prst="rect">
             <a:avLst/>
@@ -5406,10 +4963,16 @@
             <a:noFill/>
           </a:ln>
         </p:spPr>
-        <p:txBody>
-          <a:bodyPr/>
-          <a:p>
-            <a:pPr marL="343080" indent="-342720">
+        <p:style>
+          <a:lnRef idx="0"/>
+          <a:fillRef idx="0"/>
+          <a:effectRef idx="0"/>
+          <a:fontRef idx="minor"/>
+        </p:style>
+        <p:txBody>
+          <a:bodyPr lIns="90000" rIns="90000" tIns="45000" bIns="45000"/>
+          <a:p>
+            <a:pPr marL="343080" indent="-342360">
               <a:lnSpc>
                 <a:spcPct val="100000"/>
               </a:lnSpc>
@@ -5432,22 +4995,98 @@
                 </a:uFill>
                 <a:latin typeface="Calibri"/>
               </a:rPr>
-              <a:t>TODO</a:t>
+              <a:t>Login</a:t>
             </a:r>
-            <a:endParaRPr b="0" lang="pt-BR" sz="3200" spc="-1" strike="noStrike">
-              <a:solidFill>
-                <a:srgbClr val="000000"/>
-              </a:solidFill>
-              <a:uFill>
-                <a:solidFill>
-                  <a:srgbClr val="ffffff"/>
-                </a:solidFill>
-              </a:uFill>
-              <a:latin typeface="Calibri"/>
-            </a:endParaRPr>
-          </a:p>
-          <a:p>
-            <a:pPr marL="343080" indent="-342720">
+            <a:endParaRPr b="0" lang="pt-BR" sz="1800" spc="-1" strike="noStrike">
+              <a:solidFill>
+                <a:srgbClr val="000000"/>
+              </a:solidFill>
+              <a:uFill>
+                <a:solidFill>
+                  <a:srgbClr val="ffffff"/>
+                </a:solidFill>
+              </a:uFill>
+              <a:latin typeface="Arial"/>
+            </a:endParaRPr>
+          </a:p>
+          <a:p>
+            <a:pPr marL="343080" indent="-342360">
+              <a:lnSpc>
+                <a:spcPct val="100000"/>
+              </a:lnSpc>
+              <a:buClr>
+                <a:srgbClr val="000000"/>
+              </a:buClr>
+              <a:buSzPct val="45000"/>
+              <a:buFont typeface="Wingdings" charset="2"/>
+              <a:buChar char=""/>
+            </a:pPr>
+            <a:r>
+              <a:rPr b="0" lang="pt-BR" sz="2800" spc="-1" strike="noStrike">
+                <a:solidFill>
+                  <a:srgbClr val="000000"/>
+                </a:solidFill>
+                <a:uFill>
+                  <a:solidFill>
+                    <a:srgbClr val="ffffff"/>
+                  </a:solidFill>
+                </a:uFill>
+                <a:latin typeface="Calibri"/>
+              </a:rPr>
+              <a:t>Gereciamento de Instituições de Caridade</a:t>
+            </a:r>
+            <a:endParaRPr b="0" lang="pt-BR" sz="1800" spc="-1" strike="noStrike">
+              <a:solidFill>
+                <a:srgbClr val="000000"/>
+              </a:solidFill>
+              <a:uFill>
+                <a:solidFill>
+                  <a:srgbClr val="ffffff"/>
+                </a:solidFill>
+              </a:uFill>
+              <a:latin typeface="Arial"/>
+            </a:endParaRPr>
+          </a:p>
+          <a:p>
+            <a:pPr marL="343080" indent="-342360">
+              <a:lnSpc>
+                <a:spcPct val="100000"/>
+              </a:lnSpc>
+              <a:buClr>
+                <a:srgbClr val="000000"/>
+              </a:buClr>
+              <a:buSzPct val="45000"/>
+              <a:buFont typeface="Wingdings" charset="2"/>
+              <a:buChar char=""/>
+            </a:pPr>
+            <a:r>
+              <a:rPr b="0" lang="pt-BR" sz="2800" spc="-1" strike="noStrike">
+                <a:solidFill>
+                  <a:srgbClr val="000000"/>
+                </a:solidFill>
+                <a:uFill>
+                  <a:solidFill>
+                    <a:srgbClr val="ffffff"/>
+                  </a:solidFill>
+                </a:uFill>
+                <a:latin typeface="Calibri"/>
+              </a:rPr>
+              <a:t>Gerenciamento de Categorias de Itens de Doação</a:t>
+            </a:r>
+            <a:endParaRPr b="0" lang="pt-BR" sz="1800" spc="-1" strike="noStrike">
+              <a:solidFill>
+                <a:srgbClr val="000000"/>
+              </a:solidFill>
+              <a:uFill>
+                <a:solidFill>
+                  <a:srgbClr val="ffffff"/>
+                </a:solidFill>
+              </a:uFill>
+              <a:latin typeface="Arial"/>
+            </a:endParaRPr>
+          </a:p>
+          <a:p>
+            <a:pPr marL="343080" indent="-342360">
               <a:lnSpc>
                 <a:spcPct val="100000"/>
               </a:lnSpc>
@@ -5472,16 +5111,16 @@
               </a:rPr>
               <a:t> </a:t>
             </a:r>
-            <a:endParaRPr b="0" lang="pt-BR" sz="3200" spc="-1" strike="noStrike">
-              <a:solidFill>
-                <a:srgbClr val="000000"/>
-              </a:solidFill>
-              <a:uFill>
-                <a:solidFill>
-                  <a:srgbClr val="ffffff"/>
-                </a:solidFill>
-              </a:uFill>
-              <a:latin typeface="Calibri"/>
+            <a:endParaRPr b="0" lang="pt-BR" sz="1800" spc="-1" strike="noStrike">
+              <a:solidFill>
+                <a:srgbClr val="000000"/>
+              </a:solidFill>
+              <a:uFill>
+                <a:solidFill>
+                  <a:srgbClr val="ffffff"/>
+                </a:solidFill>
+              </a:uFill>
+              <a:latin typeface="Arial"/>
             </a:endParaRPr>
           </a:p>
         </p:txBody>
@@ -5537,14 +5176,14 @@
       </p:grpSpPr>
       <p:sp>
         <p:nvSpPr>
-          <p:cNvPr id="89" name="TextShape 1"/>
-          <p:cNvSpPr txBox="1"/>
+          <p:cNvPr id="83" name="CustomShape 1"/>
+          <p:cNvSpPr/>
           <p:nvPr/>
         </p:nvSpPr>
         <p:spPr>
           <a:xfrm>
             <a:off x="457200" y="274680"/>
-            <a:ext cx="8229240" cy="1142640"/>
+            <a:ext cx="8228880" cy="1142280"/>
           </a:xfrm>
           <a:prstGeom prst="rect">
             <a:avLst/>
@@ -5554,8 +5193,124 @@
             <a:noFill/>
           </a:ln>
         </p:spPr>
-        <p:txBody>
-          <a:bodyPr anchor="ctr"/>
+        <p:style>
+          <a:lnRef idx="0"/>
+          <a:fillRef idx="0"/>
+          <a:effectRef idx="0"/>
+          <a:fontRef idx="minor"/>
+        </p:style>
+        <p:txBody>
+          <a:bodyPr lIns="90000" rIns="90000" tIns="45000" bIns="45000" anchor="ctr"/>
+          <a:p>
+            <a:pPr algn="ctr">
+              <a:lnSpc>
+                <a:spcPct val="100000"/>
+              </a:lnSpc>
+            </a:pPr>
+            <a:r>
+              <a:rPr b="0" lang="pt-BR" sz="4400" spc="-1" strike="noStrike">
+                <a:solidFill>
+                  <a:srgbClr val="000000"/>
+                </a:solidFill>
+                <a:uFill>
+                  <a:solidFill>
+                    <a:srgbClr val="ffffff"/>
+                  </a:solidFill>
+                </a:uFill>
+                <a:latin typeface="Calibri"/>
+              </a:rPr>
+              <a:t>Métricas</a:t>
+            </a:r>
+            <a:endParaRPr b="0" lang="pt-BR" sz="1800" spc="-1" strike="noStrike">
+              <a:solidFill>
+                <a:srgbClr val="000000"/>
+              </a:solidFill>
+              <a:uFill>
+                <a:solidFill>
+                  <a:srgbClr val="ffffff"/>
+                </a:solidFill>
+              </a:uFill>
+              <a:latin typeface="Arial"/>
+            </a:endParaRPr>
+          </a:p>
+        </p:txBody>
+      </p:sp>
+    </p:spTree>
+  </p:cSld>
+  <p:timing>
+    <p:tnLst>
+      <p:par>
+        <p:cTn id="11" dur="indefinite" restart="never" nodeType="tmRoot">
+          <p:childTnLst>
+            <p:seq>
+              <p:cTn id="12" nodeType="mainSeq"/>
+              <p:prevCondLst>
+                <p:cond delay="0" evt="onPrev">
+                  <p:tgtEl>
+                    <p:sldTgt/>
+                  </p:tgtEl>
+                </p:cond>
+              </p:prevCondLst>
+              <p:nextCondLst>
+                <p:cond delay="0" evt="onNext">
+                  <p:tgtEl>
+                    <p:sldTgt/>
+                  </p:tgtEl>
+                </p:cond>
+              </p:nextCondLst>
+            </p:seq>
+          </p:childTnLst>
+        </p:cTn>
+      </p:par>
+    </p:tnLst>
+  </p:timing>
+</p:sld>
+</file>
+
+<file path=ppt/slides/slide7.xml><?xml version="1.0" encoding="utf-8"?>
+<p:sld xmlns:a="http://schemas.openxmlformats.org/drawingml/2006/main" xmlns:p="http://schemas.openxmlformats.org/presentationml/2006/main" xmlns:r="http://schemas.openxmlformats.org/officeDocument/2006/relationships" xmlns:p14="http://schemas.microsoft.com/office/powerpoint/2010/main" xmlns:p15="http://schemas.microsoft.com/office/powerpoint/2012/main" xmlns:mc="http://schemas.openxmlformats.org/markup-compatibility/2006">
+  <p:cSld>
+    <p:spTree>
+      <p:nvGrpSpPr>
+        <p:cNvPr id="1" name=""/>
+        <p:cNvGrpSpPr/>
+        <p:nvPr/>
+      </p:nvGrpSpPr>
+      <p:grpSpPr>
+        <a:xfrm>
+          <a:off x="0" y="0"/>
+          <a:ext cx="0" cy="0"/>
+          <a:chOff x="0" y="0"/>
+          <a:chExt cx="0" cy="0"/>
+        </a:xfrm>
+      </p:grpSpPr>
+      <p:sp>
+        <p:nvSpPr>
+          <p:cNvPr id="84" name="CustomShape 1"/>
+          <p:cNvSpPr/>
+          <p:nvPr/>
+        </p:nvSpPr>
+        <p:spPr>
+          <a:xfrm>
+            <a:off x="457200" y="274680"/>
+            <a:ext cx="8228880" cy="1142280"/>
+          </a:xfrm>
+          <a:prstGeom prst="rect">
+            <a:avLst/>
+          </a:prstGeom>
+          <a:noFill/>
+          <a:ln>
+            <a:noFill/>
+          </a:ln>
+        </p:spPr>
+        <p:style>
+          <a:lnRef idx="0"/>
+          <a:fillRef idx="0"/>
+          <a:effectRef idx="0"/>
+          <a:fontRef idx="minor"/>
+        </p:style>
+        <p:txBody>
+          <a:bodyPr lIns="90000" rIns="90000" tIns="45000" bIns="45000" anchor="ctr"/>
           <a:p>
             <a:pPr algn="ctr">
               <a:lnSpc>
@@ -5585,21 +5340,21 @@
                   <a:srgbClr val="ffffff"/>
                 </a:solidFill>
               </a:uFill>
-              <a:latin typeface="Calibri"/>
-            </a:endParaRPr>
-          </a:p>
-        </p:txBody>
-      </p:sp>
-      <p:sp>
-        <p:nvSpPr>
-          <p:cNvPr id="90" name="TextShape 2"/>
-          <p:cNvSpPr txBox="1"/>
+              <a:latin typeface="Arial"/>
+            </a:endParaRPr>
+          </a:p>
+        </p:txBody>
+      </p:sp>
+      <p:sp>
+        <p:nvSpPr>
+          <p:cNvPr id="85" name="CustomShape 2"/>
+          <p:cNvSpPr/>
           <p:nvPr/>
         </p:nvSpPr>
         <p:spPr>
           <a:xfrm>
             <a:off x="457200" y="1600200"/>
-            <a:ext cx="8542800" cy="4525560"/>
+            <a:ext cx="8542440" cy="4525200"/>
           </a:xfrm>
           <a:prstGeom prst="rect">
             <a:avLst/>
@@ -5609,10 +5364,16 @@
             <a:noFill/>
           </a:ln>
         </p:spPr>
-        <p:txBody>
-          <a:bodyPr/>
-          <a:p>
-            <a:pPr marL="343080" indent="-342720">
+        <p:style>
+          <a:lnRef idx="0"/>
+          <a:fillRef idx="0"/>
+          <a:effectRef idx="0"/>
+          <a:fontRef idx="minor"/>
+        </p:style>
+        <p:txBody>
+          <a:bodyPr lIns="90000" rIns="90000" tIns="45000" bIns="45000"/>
+          <a:p>
+            <a:pPr marL="343080" indent="-342360">
               <a:lnSpc>
                 <a:spcPct val="100000"/>
               </a:lnSpc>
@@ -5637,20 +5398,20 @@
               </a:rPr>
               <a:t>TODO.</a:t>
             </a:r>
-            <a:endParaRPr b="0" lang="pt-BR" sz="3200" spc="-1" strike="noStrike">
-              <a:solidFill>
-                <a:srgbClr val="000000"/>
-              </a:solidFill>
-              <a:uFill>
-                <a:solidFill>
-                  <a:srgbClr val="ffffff"/>
-                </a:solidFill>
-              </a:uFill>
-              <a:latin typeface="Calibri"/>
-            </a:endParaRPr>
-          </a:p>
-          <a:p>
-            <a:pPr marL="343080" indent="-342720">
+            <a:endParaRPr b="0" lang="pt-BR" sz="1800" spc="-1" strike="noStrike">
+              <a:solidFill>
+                <a:srgbClr val="000000"/>
+              </a:solidFill>
+              <a:uFill>
+                <a:solidFill>
+                  <a:srgbClr val="ffffff"/>
+                </a:solidFill>
+              </a:uFill>
+              <a:latin typeface="Arial"/>
+            </a:endParaRPr>
+          </a:p>
+          <a:p>
+            <a:pPr marL="343080" indent="-342360">
               <a:lnSpc>
                 <a:spcPct val="100000"/>
               </a:lnSpc>
@@ -5675,16 +5436,16 @@
               </a:rPr>
               <a:t> </a:t>
             </a:r>
-            <a:endParaRPr b="0" lang="pt-BR" sz="3200" spc="-1" strike="noStrike">
-              <a:solidFill>
-                <a:srgbClr val="000000"/>
-              </a:solidFill>
-              <a:uFill>
-                <a:solidFill>
-                  <a:srgbClr val="ffffff"/>
-                </a:solidFill>
-              </a:uFill>
-              <a:latin typeface="Calibri"/>
+            <a:endParaRPr b="0" lang="pt-BR" sz="1800" spc="-1" strike="noStrike">
+              <a:solidFill>
+                <a:srgbClr val="000000"/>
+              </a:solidFill>
+              <a:uFill>
+                <a:solidFill>
+                  <a:srgbClr val="ffffff"/>
+                </a:solidFill>
+              </a:uFill>
+              <a:latin typeface="Arial"/>
             </a:endParaRPr>
           </a:p>
         </p:txBody>
@@ -5694,10 +5455,10 @@
   <p:timing>
     <p:tnLst>
       <p:par>
-        <p:cTn id="11" dur="indefinite" restart="never" nodeType="tmRoot">
+        <p:cTn id="13" dur="indefinite" restart="never" nodeType="tmRoot">
           <p:childTnLst>
             <p:seq>
-              <p:cTn id="12" nodeType="mainSeq"/>
+              <p:cTn id="14" nodeType="mainSeq"/>
               <p:prevCondLst>
                 <p:cond delay="0" evt="onPrev">
                   <p:tgtEl>

--- a/Projeto-AjudeMais/002-Acompanhamento/Iteracao-01/ADR - apresentacao de resultados-IT01.pptx
+++ b/Projeto-AjudeMais/002-Acompanhamento/Iteracao-01/ADR - apresentacao de resultados-IT01.pptx
@@ -3003,8 +3003,8 @@
         </p:nvSpPr>
         <p:spPr>
           <a:xfrm>
-            <a:off x="457200" y="274680"/>
-            <a:ext cx="8228880" cy="1142280"/>
+            <a:off x="457200" y="273600"/>
+            <a:ext cx="8228880" cy="1144440"/>
           </a:xfrm>
           <a:prstGeom prst="rect">
             <a:avLst/>
@@ -3041,7 +3041,7 @@
         <p:spPr>
           <a:xfrm>
             <a:off x="457200" y="1604520"/>
-            <a:ext cx="8229240" cy="3977280"/>
+            <a:ext cx="8228880" cy="3976920"/>
           </a:xfrm>
           <a:prstGeom prst="rect">
             <a:avLst/>
@@ -3059,7 +3059,7 @@
               <a:buChar char=""/>
             </a:pPr>
             <a:r>
-              <a:rPr b="0" lang="pt-BR" sz="3200" spc="-1" strike="noStrike">
+              <a:rPr b="0" lang="pt-BR" sz="1800" spc="-1" strike="noStrike">
                 <a:solidFill>
                   <a:srgbClr val="000000"/>
                 </a:solidFill>
@@ -3072,7 +3072,7 @@
               </a:rPr>
               <a:t>Clique para editar o formato do texto da estrutura de tópicos</a:t>
             </a:r>
-            <a:endParaRPr b="0" lang="pt-BR" sz="3200" spc="-1" strike="noStrike">
+            <a:endParaRPr b="0" lang="pt-BR" sz="1800" spc="-1" strike="noStrike">
               <a:solidFill>
                 <a:srgbClr val="000000"/>
               </a:solidFill>
@@ -3094,7 +3094,7 @@
               <a:buChar char=""/>
             </a:pPr>
             <a:r>
-              <a:rPr b="0" lang="pt-BR" sz="2800" spc="-1" strike="noStrike">
+              <a:rPr b="0" lang="pt-BR" sz="1800" spc="-1" strike="noStrike">
                 <a:solidFill>
                   <a:srgbClr val="000000"/>
                 </a:solidFill>
@@ -3107,7 +3107,7 @@
               </a:rPr>
               <a:t>2.º nível da estrutura de tópicos</a:t>
             </a:r>
-            <a:endParaRPr b="0" lang="pt-BR" sz="2800" spc="-1" strike="noStrike">
+            <a:endParaRPr b="0" lang="pt-BR" sz="1800" spc="-1" strike="noStrike">
               <a:solidFill>
                 <a:srgbClr val="000000"/>
               </a:solidFill>
@@ -3129,7 +3129,7 @@
               <a:buChar char=""/>
             </a:pPr>
             <a:r>
-              <a:rPr b="0" lang="pt-BR" sz="2400" spc="-1" strike="noStrike">
+              <a:rPr b="0" lang="pt-BR" sz="1800" spc="-1" strike="noStrike">
                 <a:solidFill>
                   <a:srgbClr val="000000"/>
                 </a:solidFill>
@@ -3142,7 +3142,7 @@
               </a:rPr>
               <a:t>3.º nível da estrutura de tópicos</a:t>
             </a:r>
-            <a:endParaRPr b="0" lang="pt-BR" sz="2400" spc="-1" strike="noStrike">
+            <a:endParaRPr b="0" lang="pt-BR" sz="1800" spc="-1" strike="noStrike">
               <a:solidFill>
                 <a:srgbClr val="000000"/>
               </a:solidFill>
@@ -3164,7 +3164,7 @@
               <a:buChar char=""/>
             </a:pPr>
             <a:r>
-              <a:rPr b="0" lang="pt-BR" sz="2000" spc="-1" strike="noStrike">
+              <a:rPr b="0" lang="pt-BR" sz="1800" spc="-1" strike="noStrike">
                 <a:solidFill>
                   <a:srgbClr val="000000"/>
                 </a:solidFill>
@@ -3177,7 +3177,7 @@
               </a:rPr>
               <a:t>4.º nível da estrutura de tópicos</a:t>
             </a:r>
-            <a:endParaRPr b="0" lang="pt-BR" sz="2000" spc="-1" strike="noStrike">
+            <a:endParaRPr b="0" lang="pt-BR" sz="1800" spc="-1" strike="noStrike">
               <a:solidFill>
                 <a:srgbClr val="000000"/>
               </a:solidFill>
@@ -3199,7 +3199,7 @@
               <a:buChar char=""/>
             </a:pPr>
             <a:r>
-              <a:rPr b="0" lang="pt-BR" sz="2000" spc="-1" strike="noStrike">
+              <a:rPr b="0" lang="pt-BR" sz="1800" spc="-1" strike="noStrike">
                 <a:solidFill>
                   <a:srgbClr val="000000"/>
                 </a:solidFill>
@@ -3212,7 +3212,7 @@
               </a:rPr>
               <a:t>5.º nível da estrutura de tópicos</a:t>
             </a:r>
-            <a:endParaRPr b="0" lang="pt-BR" sz="2000" spc="-1" strike="noStrike">
+            <a:endParaRPr b="0" lang="pt-BR" sz="1800" spc="-1" strike="noStrike">
               <a:solidFill>
                 <a:srgbClr val="000000"/>
               </a:solidFill>
@@ -3234,7 +3234,7 @@
               <a:buChar char=""/>
             </a:pPr>
             <a:r>
-              <a:rPr b="0" lang="pt-BR" sz="2000" spc="-1" strike="noStrike">
+              <a:rPr b="0" lang="pt-BR" sz="1800" spc="-1" strike="noStrike">
                 <a:solidFill>
                   <a:srgbClr val="000000"/>
                 </a:solidFill>
@@ -3247,7 +3247,7 @@
               </a:rPr>
               <a:t>6.º nível da estrutura de tópicos</a:t>
             </a:r>
-            <a:endParaRPr b="0" lang="pt-BR" sz="2000" spc="-1" strike="noStrike">
+            <a:endParaRPr b="0" lang="pt-BR" sz="1800" spc="-1" strike="noStrike">
               <a:solidFill>
                 <a:srgbClr val="000000"/>
               </a:solidFill>
@@ -3269,7 +3269,7 @@
               <a:buChar char=""/>
             </a:pPr>
             <a:r>
-              <a:rPr b="0" lang="pt-BR" sz="2000" spc="-1" strike="noStrike">
+              <a:rPr b="0" lang="pt-BR" sz="1800" spc="-1" strike="noStrike">
                 <a:solidFill>
                   <a:srgbClr val="000000"/>
                 </a:solidFill>
@@ -3282,7 +3282,7 @@
               </a:rPr>
               <a:t>7.º nível da estrutura de tópicos</a:t>
             </a:r>
-            <a:endParaRPr b="0" lang="pt-BR" sz="2000" spc="-1" strike="noStrike">
+            <a:endParaRPr b="0" lang="pt-BR" sz="1800" spc="-1" strike="noStrike">
               <a:solidFill>
                 <a:srgbClr val="000000"/>
               </a:solidFill>
@@ -3705,7 +3705,7 @@
         <p:spPr>
           <a:xfrm>
             <a:off x="685800" y="2562480"/>
-            <a:ext cx="7771680" cy="1469160"/>
+            <a:ext cx="7771320" cy="1468800"/>
           </a:xfrm>
           <a:prstGeom prst="rect">
             <a:avLst/>
@@ -3724,7 +3724,11 @@
         <p:txBody>
           <a:bodyPr lIns="90000" rIns="90000" tIns="45000" bIns="45000" anchor="ctr"/>
           <a:p>
-            <a:pPr algn="ctr"/>
+            <a:pPr algn="ctr">
+              <a:lnSpc>
+                <a:spcPct val="100000"/>
+              </a:lnSpc>
+            </a:pPr>
             <a:r>
               <a:rPr b="0" lang="pt-BR" sz="4400" spc="-1" strike="noStrike">
                 <a:solidFill>
@@ -3736,6 +3740,7 @@
                   </a:solidFill>
                 </a:uFill>
                 <a:latin typeface="Calibri"/>
+                <a:ea typeface="DejaVu Sans"/>
               </a:rPr>
               <a:t>AJUDE </a:t>
             </a:r>
@@ -3750,6 +3755,7 @@
                   </a:solidFill>
                 </a:uFill>
                 <a:latin typeface="Calibri"/>
+                <a:ea typeface="DejaVu Sans"/>
               </a:rPr>
               <a:t>MAIS</a:t>
             </a:r>
@@ -3782,6 +3788,7 @@
                   </a:solidFill>
                 </a:uFill>
                 <a:latin typeface="Calibri"/>
+                <a:ea typeface="DejaVu Sans"/>
               </a:rPr>
               <a:t>Apresentação dos Resultados da Iteração</a:t>
             </a:r>
@@ -3808,7 +3815,7 @@
         <p:spPr>
           <a:xfrm>
             <a:off x="1407600" y="4354200"/>
-            <a:ext cx="6400080" cy="649440"/>
+            <a:ext cx="6399720" cy="649080"/>
           </a:xfrm>
           <a:prstGeom prst="rect">
             <a:avLst/>
@@ -3843,6 +3850,7 @@
                   </a:solidFill>
                 </a:uFill>
                 <a:latin typeface="Calibri"/>
+                <a:ea typeface="DejaVu Sans"/>
               </a:rPr>
               <a:t>Iteração </a:t>
             </a:r>
@@ -3857,6 +3865,7 @@
                   </a:solidFill>
                 </a:uFill>
                 <a:latin typeface="Calibri"/>
+                <a:ea typeface="DejaVu Sans"/>
               </a:rPr>
               <a:t>01</a:t>
             </a:r>
@@ -3905,7 +3914,7 @@
         <p:spPr>
           <a:xfrm>
             <a:off x="3808800" y="828000"/>
-            <a:ext cx="1374840" cy="1374840"/>
+            <a:ext cx="1374480" cy="1374480"/>
           </a:xfrm>
           <a:prstGeom prst="rect">
             <a:avLst/>
@@ -3973,7 +3982,7 @@
         <p:spPr>
           <a:xfrm>
             <a:off x="457200" y="274680"/>
-            <a:ext cx="8228880" cy="1142280"/>
+            <a:ext cx="8228520" cy="1141920"/>
           </a:xfrm>
           <a:prstGeom prst="rect">
             <a:avLst/>
@@ -4008,6 +4017,7 @@
                   </a:solidFill>
                 </a:uFill>
                 <a:latin typeface="Calibri"/>
+                <a:ea typeface="DejaVu Sans"/>
               </a:rPr>
               <a:t>Agenda</a:t>
             </a:r>
@@ -4034,7 +4044,7 @@
         <p:spPr>
           <a:xfrm>
             <a:off x="457200" y="1600200"/>
-            <a:ext cx="8228880" cy="4525200"/>
+            <a:ext cx="8228520" cy="4524840"/>
           </a:xfrm>
           <a:prstGeom prst="rect">
             <a:avLst/>
@@ -4053,7 +4063,7 @@
         <p:txBody>
           <a:bodyPr lIns="90000" rIns="90000" tIns="45000" bIns="45000"/>
           <a:p>
-            <a:pPr marL="343080" indent="-342360">
+            <a:pPr marL="343080" indent="-342000">
               <a:lnSpc>
                 <a:spcPct val="100000"/>
               </a:lnSpc>
@@ -4074,6 +4084,7 @@
                   </a:solidFill>
                 </a:uFill>
                 <a:latin typeface="Calibri"/>
+                <a:ea typeface="DejaVu Sans"/>
               </a:rPr>
               <a:t>Itens planejados para iteração</a:t>
             </a:r>
@@ -4090,7 +4101,7 @@
             </a:endParaRPr>
           </a:p>
           <a:p>
-            <a:pPr marL="343080" indent="-342360">
+            <a:pPr marL="343080" indent="-342000">
               <a:lnSpc>
                 <a:spcPct val="100000"/>
               </a:lnSpc>
@@ -4111,6 +4122,7 @@
                   </a:solidFill>
                 </a:uFill>
                 <a:latin typeface="Calibri"/>
+                <a:ea typeface="DejaVu Sans"/>
               </a:rPr>
               <a:t>Itens entregues na iteração</a:t>
             </a:r>
@@ -4127,7 +4139,7 @@
             </a:endParaRPr>
           </a:p>
           <a:p>
-            <a:pPr marL="343080" indent="-342360">
+            <a:pPr marL="343080" indent="-342000">
               <a:lnSpc>
                 <a:spcPct val="100000"/>
               </a:lnSpc>
@@ -4148,6 +4160,7 @@
                   </a:solidFill>
                 </a:uFill>
                 <a:latin typeface="Calibri"/>
+                <a:ea typeface="DejaVu Sans"/>
               </a:rPr>
               <a:t>Itens apresentados na iteração</a:t>
             </a:r>
@@ -4164,7 +4177,7 @@
             </a:endParaRPr>
           </a:p>
           <a:p>
-            <a:pPr marL="343080" indent="-342360">
+            <a:pPr marL="343080" indent="-342000">
               <a:lnSpc>
                 <a:spcPct val="100000"/>
               </a:lnSpc>
@@ -4185,6 +4198,7 @@
                   </a:solidFill>
                 </a:uFill>
                 <a:latin typeface="Calibri"/>
+                <a:ea typeface="DejaVu Sans"/>
               </a:rPr>
               <a:t>Validação do produto</a:t>
             </a:r>
@@ -4201,7 +4215,7 @@
             </a:endParaRPr>
           </a:p>
           <a:p>
-            <a:pPr marL="343080" indent="-342360">
+            <a:pPr marL="343080" indent="-342000">
               <a:lnSpc>
                 <a:spcPct val="100000"/>
               </a:lnSpc>
@@ -4222,6 +4236,7 @@
                   </a:solidFill>
                 </a:uFill>
                 <a:latin typeface="Calibri"/>
+                <a:ea typeface="DejaVu Sans"/>
               </a:rPr>
               <a:t>Métricas da iteração</a:t>
             </a:r>
@@ -4238,7 +4253,7 @@
             </a:endParaRPr>
           </a:p>
           <a:p>
-            <a:pPr marL="343080" indent="-342360">
+            <a:pPr marL="343080" indent="-342000">
               <a:lnSpc>
                 <a:spcPct val="100000"/>
               </a:lnSpc>
@@ -4259,6 +4274,7 @@
                   </a:solidFill>
                 </a:uFill>
                 <a:latin typeface="Calibri"/>
+                <a:ea typeface="DejaVu Sans"/>
               </a:rPr>
               <a:t>Lições aprendidas da iteração</a:t>
             </a:r>
@@ -4334,7 +4350,7 @@
         <p:spPr>
           <a:xfrm>
             <a:off x="457200" y="274680"/>
-            <a:ext cx="8228880" cy="1142280"/>
+            <a:ext cx="8228520" cy="1141920"/>
           </a:xfrm>
           <a:prstGeom prst="rect">
             <a:avLst/>
@@ -4369,6 +4385,7 @@
                   </a:solidFill>
                 </a:uFill>
                 <a:latin typeface="Calibri"/>
+                <a:ea typeface="DejaVu Sans"/>
               </a:rPr>
               <a:t>Itens Planejados</a:t>
             </a:r>
@@ -4395,7 +4412,7 @@
         <p:spPr>
           <a:xfrm>
             <a:off x="457200" y="1600200"/>
-            <a:ext cx="8542440" cy="4525200"/>
+            <a:ext cx="8542080" cy="4524840"/>
           </a:xfrm>
           <a:prstGeom prst="rect">
             <a:avLst/>
@@ -4414,7 +4431,7 @@
         <p:txBody>
           <a:bodyPr lIns="90000" rIns="90000" tIns="45000" bIns="45000"/>
           <a:p>
-            <a:pPr marL="343080" indent="-342360">
+            <a:pPr marL="343080" indent="-342000">
               <a:lnSpc>
                 <a:spcPct val="100000"/>
               </a:lnSpc>
@@ -4436,6 +4453,7 @@
                   </a:solidFill>
                 </a:uFill>
                 <a:latin typeface="Calibri"/>
+                <a:ea typeface="DejaVu Sans"/>
               </a:rPr>
               <a:t>Login</a:t>
             </a:r>
@@ -4452,7 +4470,7 @@
             </a:endParaRPr>
           </a:p>
           <a:p>
-            <a:pPr marL="343080" indent="-342360">
+            <a:pPr marL="343080" indent="-342000">
               <a:lnSpc>
                 <a:spcPct val="100000"/>
               </a:lnSpc>
@@ -4474,6 +4492,7 @@
                   </a:solidFill>
                 </a:uFill>
                 <a:latin typeface="Calibri"/>
+                <a:ea typeface="DejaVu Sans"/>
               </a:rPr>
               <a:t>Gereciamento de Instituições de Caridade</a:t>
             </a:r>
@@ -4490,7 +4509,7 @@
             </a:endParaRPr>
           </a:p>
           <a:p>
-            <a:pPr marL="343080" indent="-342360">
+            <a:pPr marL="343080" indent="-342000">
               <a:lnSpc>
                 <a:spcPct val="100000"/>
               </a:lnSpc>
@@ -4512,6 +4531,7 @@
                   </a:solidFill>
                 </a:uFill>
                 <a:latin typeface="Calibri"/>
+                <a:ea typeface="DejaVu Sans"/>
               </a:rPr>
               <a:t>Gerenciamento de Categorias de Itens de Doação</a:t>
             </a:r>
@@ -4526,6 +4546,7 @@
                   </a:solidFill>
                 </a:uFill>
                 <a:latin typeface="Calibri"/>
+                <a:ea typeface="DejaVu Sans"/>
               </a:rPr>
               <a:t> </a:t>
             </a:r>
@@ -4601,7 +4622,7 @@
         <p:spPr>
           <a:xfrm>
             <a:off x="457200" y="274680"/>
-            <a:ext cx="8228880" cy="1142280"/>
+            <a:ext cx="8228520" cy="1141920"/>
           </a:xfrm>
           <a:prstGeom prst="rect">
             <a:avLst/>
@@ -4636,6 +4657,7 @@
                   </a:solidFill>
                 </a:uFill>
                 <a:latin typeface="Calibri"/>
+                <a:ea typeface="DejaVu Sans"/>
               </a:rPr>
               <a:t>Itens Entregues</a:t>
             </a:r>
@@ -4662,7 +4684,7 @@
         <p:spPr>
           <a:xfrm>
             <a:off x="457200" y="1600200"/>
-            <a:ext cx="8542440" cy="4525200"/>
+            <a:ext cx="8542080" cy="4524840"/>
           </a:xfrm>
           <a:prstGeom prst="rect">
             <a:avLst/>
@@ -4681,7 +4703,7 @@
         <p:txBody>
           <a:bodyPr lIns="90000" rIns="90000" tIns="45000" bIns="45000"/>
           <a:p>
-            <a:pPr marL="343080" indent="-342360">
+            <a:pPr marL="343080" indent="-342000">
               <a:lnSpc>
                 <a:spcPct val="100000"/>
               </a:lnSpc>
@@ -4703,8 +4725,9 @@
                   </a:solidFill>
                 </a:uFill>
                 <a:latin typeface="Calibri"/>
+                <a:ea typeface="DejaVu Sans"/>
               </a:rPr>
-              <a:t>Login</a:t>
+              <a:t>Login;</a:t>
             </a:r>
             <a:endParaRPr b="0" lang="pt-BR" sz="1800" spc="-1" strike="noStrike">
               <a:solidFill>
@@ -4719,7 +4742,7 @@
             </a:endParaRPr>
           </a:p>
           <a:p>
-            <a:pPr marL="343080" indent="-342360">
+            <a:pPr marL="343080" indent="-342000">
               <a:lnSpc>
                 <a:spcPct val="100000"/>
               </a:lnSpc>
@@ -4741,8 +4764,9 @@
                   </a:solidFill>
                 </a:uFill>
                 <a:latin typeface="Calibri"/>
+                <a:ea typeface="DejaVu Sans"/>
               </a:rPr>
-              <a:t>Gereciamento de Instituições de Caridade</a:t>
+              <a:t>Gereciamento de Instituições de Caridade;</a:t>
             </a:r>
             <a:endParaRPr b="0" lang="pt-BR" sz="1800" spc="-1" strike="noStrike">
               <a:solidFill>
@@ -4757,7 +4781,7 @@
             </a:endParaRPr>
           </a:p>
           <a:p>
-            <a:pPr marL="343080" indent="-342360">
+            <a:pPr marL="343080" indent="-342000">
               <a:lnSpc>
                 <a:spcPct val="100000"/>
               </a:lnSpc>
@@ -4779,46 +4803,9 @@
                   </a:solidFill>
                 </a:uFill>
                 <a:latin typeface="Calibri"/>
+                <a:ea typeface="DejaVu Sans"/>
               </a:rPr>
-              <a:t>Gerenciamento de Categorias de Itens de Doação</a:t>
-            </a:r>
-            <a:endParaRPr b="0" lang="pt-BR" sz="1800" spc="-1" strike="noStrike">
-              <a:solidFill>
-                <a:srgbClr val="000000"/>
-              </a:solidFill>
-              <a:uFill>
-                <a:solidFill>
-                  <a:srgbClr val="ffffff"/>
-                </a:solidFill>
-              </a:uFill>
-              <a:latin typeface="Arial"/>
-            </a:endParaRPr>
-          </a:p>
-          <a:p>
-            <a:pPr marL="343080" indent="-342360">
-              <a:lnSpc>
-                <a:spcPct val="100000"/>
-              </a:lnSpc>
-              <a:buClr>
-                <a:srgbClr val="000000"/>
-              </a:buClr>
-              <a:buSzPct val="45000"/>
-              <a:buFont typeface="Wingdings" charset="2"/>
-              <a:buChar char=""/>
-            </a:pPr>
-            <a:r>
-              <a:rPr b="0" lang="pt-BR" sz="3200" spc="-1" strike="noStrike">
-                <a:solidFill>
-                  <a:srgbClr val="000000"/>
-                </a:solidFill>
-                <a:uFill>
-                  <a:solidFill>
-                    <a:srgbClr val="ffffff"/>
-                  </a:solidFill>
-                </a:uFill>
-                <a:latin typeface="Calibri"/>
-              </a:rPr>
-              <a:t> </a:t>
+              <a:t>Gerenciamento de Categorias de Itens de Doação;</a:t>
             </a:r>
             <a:endParaRPr b="0" lang="pt-BR" sz="1800" spc="-1" strike="noStrike">
               <a:solidFill>
@@ -4892,7 +4879,7 @@
         <p:spPr>
           <a:xfrm>
             <a:off x="457200" y="274680"/>
-            <a:ext cx="8228880" cy="1142280"/>
+            <a:ext cx="8228520" cy="1141920"/>
           </a:xfrm>
           <a:prstGeom prst="rect">
             <a:avLst/>
@@ -4927,6 +4914,7 @@
                   </a:solidFill>
                 </a:uFill>
                 <a:latin typeface="Calibri"/>
+                <a:ea typeface="DejaVu Sans"/>
               </a:rPr>
               <a:t>Itens Apresentados</a:t>
             </a:r>
@@ -4953,7 +4941,7 @@
         <p:spPr>
           <a:xfrm>
             <a:off x="457200" y="1600200"/>
-            <a:ext cx="8542440" cy="4525200"/>
+            <a:ext cx="8542080" cy="4524840"/>
           </a:xfrm>
           <a:prstGeom prst="rect">
             <a:avLst/>
@@ -4972,7 +4960,7 @@
         <p:txBody>
           <a:bodyPr lIns="90000" rIns="90000" tIns="45000" bIns="45000"/>
           <a:p>
-            <a:pPr marL="343080" indent="-342360">
+            <a:pPr marL="343080" indent="-342000">
               <a:lnSpc>
                 <a:spcPct val="100000"/>
               </a:lnSpc>
@@ -4994,8 +4982,9 @@
                   </a:solidFill>
                 </a:uFill>
                 <a:latin typeface="Calibri"/>
+                <a:ea typeface="DejaVu Sans"/>
               </a:rPr>
-              <a:t>Login</a:t>
+              <a:t>Login;</a:t>
             </a:r>
             <a:endParaRPr b="0" lang="pt-BR" sz="1800" spc="-1" strike="noStrike">
               <a:solidFill>
@@ -5010,7 +4999,7 @@
             </a:endParaRPr>
           </a:p>
           <a:p>
-            <a:pPr marL="343080" indent="-342360">
+            <a:pPr marL="343080" indent="-342000">
               <a:lnSpc>
                 <a:spcPct val="100000"/>
               </a:lnSpc>
@@ -5032,8 +5021,9 @@
                   </a:solidFill>
                 </a:uFill>
                 <a:latin typeface="Calibri"/>
+                <a:ea typeface="DejaVu Sans"/>
               </a:rPr>
-              <a:t>Gereciamento de Instituições de Caridade</a:t>
+              <a:t>Gereciamento de Instituições de Caridade;</a:t>
             </a:r>
             <a:endParaRPr b="0" lang="pt-BR" sz="1800" spc="-1" strike="noStrike">
               <a:solidFill>
@@ -5048,7 +5038,7 @@
             </a:endParaRPr>
           </a:p>
           <a:p>
-            <a:pPr marL="343080" indent="-342360">
+            <a:pPr marL="343080" indent="-342000">
               <a:lnSpc>
                 <a:spcPct val="100000"/>
               </a:lnSpc>
@@ -5070,46 +5060,9 @@
                   </a:solidFill>
                 </a:uFill>
                 <a:latin typeface="Calibri"/>
+                <a:ea typeface="DejaVu Sans"/>
               </a:rPr>
-              <a:t>Gerenciamento de Categorias de Itens de Doação</a:t>
-            </a:r>
-            <a:endParaRPr b="0" lang="pt-BR" sz="1800" spc="-1" strike="noStrike">
-              <a:solidFill>
-                <a:srgbClr val="000000"/>
-              </a:solidFill>
-              <a:uFill>
-                <a:solidFill>
-                  <a:srgbClr val="ffffff"/>
-                </a:solidFill>
-              </a:uFill>
-              <a:latin typeface="Arial"/>
-            </a:endParaRPr>
-          </a:p>
-          <a:p>
-            <a:pPr marL="343080" indent="-342360">
-              <a:lnSpc>
-                <a:spcPct val="100000"/>
-              </a:lnSpc>
-              <a:buClr>
-                <a:srgbClr val="000000"/>
-              </a:buClr>
-              <a:buSzPct val="45000"/>
-              <a:buFont typeface="Wingdings" charset="2"/>
-              <a:buChar char=""/>
-            </a:pPr>
-            <a:r>
-              <a:rPr b="0" lang="pt-BR" sz="3200" spc="-1" strike="noStrike">
-                <a:solidFill>
-                  <a:srgbClr val="000000"/>
-                </a:solidFill>
-                <a:uFill>
-                  <a:solidFill>
-                    <a:srgbClr val="ffffff"/>
-                  </a:solidFill>
-                </a:uFill>
-                <a:latin typeface="Calibri"/>
-              </a:rPr>
-              <a:t> </a:t>
+              <a:t>Gerenciamento de Categorias de Itens de Doação;</a:t>
             </a:r>
             <a:endParaRPr b="0" lang="pt-BR" sz="1800" spc="-1" strike="noStrike">
               <a:solidFill>
@@ -5183,7 +5136,7 @@
         <p:spPr>
           <a:xfrm>
             <a:off x="457200" y="274680"/>
-            <a:ext cx="8228880" cy="1142280"/>
+            <a:ext cx="8228520" cy="1141920"/>
           </a:xfrm>
           <a:prstGeom prst="rect">
             <a:avLst/>
@@ -5218,8 +5171,9 @@
                   </a:solidFill>
                 </a:uFill>
                 <a:latin typeface="Calibri"/>
+                <a:ea typeface="DejaVu Sans"/>
               </a:rPr>
-              <a:t>Métricas</a:t>
+              <a:t>Métricas </a:t>
             </a:r>
             <a:endParaRPr b="0" lang="pt-BR" sz="1800" spc="-1" strike="noStrike">
               <a:solidFill>
@@ -5293,7 +5247,7 @@
         <p:spPr>
           <a:xfrm>
             <a:off x="457200" y="274680"/>
-            <a:ext cx="8228880" cy="1142280"/>
+            <a:ext cx="8228520" cy="1141920"/>
           </a:xfrm>
           <a:prstGeom prst="rect">
             <a:avLst/>
@@ -5328,6 +5282,7 @@
                   </a:solidFill>
                 </a:uFill>
                 <a:latin typeface="Calibri"/>
+                <a:ea typeface="DejaVu Sans"/>
               </a:rPr>
               <a:t>Lições aprendidas</a:t>
             </a:r>
@@ -5354,7 +5309,7 @@
         <p:spPr>
           <a:xfrm>
             <a:off x="457200" y="1600200"/>
-            <a:ext cx="8542440" cy="4525200"/>
+            <a:ext cx="8542080" cy="4524840"/>
           </a:xfrm>
           <a:prstGeom prst="rect">
             <a:avLst/>
@@ -5373,7 +5328,7 @@
         <p:txBody>
           <a:bodyPr lIns="90000" rIns="90000" tIns="45000" bIns="45000"/>
           <a:p>
-            <a:pPr marL="343080" indent="-342360">
+            <a:pPr marL="343080" indent="-342000">
               <a:lnSpc>
                 <a:spcPct val="100000"/>
               </a:lnSpc>
@@ -5385,7 +5340,7 @@
               <a:buChar char=""/>
             </a:pPr>
             <a:r>
-              <a:rPr b="0" lang="pt-BR" sz="2800" spc="-1" strike="noStrike">
+              <a:rPr b="0" lang="pt-BR" sz="2000" spc="-1" strike="noStrike">
                 <a:solidFill>
                   <a:srgbClr val="000000"/>
                 </a:solidFill>
@@ -5395,23 +5350,99 @@
                   </a:solidFill>
                 </a:uFill>
                 <a:latin typeface="Calibri"/>
+                <a:ea typeface="DejaVu Sans"/>
               </a:rPr>
-              <a:t>TODO.</a:t>
+              <a:t>Comunicação </a:t>
             </a:r>
-            <a:endParaRPr b="0" lang="pt-BR" sz="1800" spc="-1" strike="noStrike">
-              <a:solidFill>
-                <a:srgbClr val="000000"/>
-              </a:solidFill>
-              <a:uFill>
-                <a:solidFill>
-                  <a:srgbClr val="ffffff"/>
-                </a:solidFill>
-              </a:uFill>
-              <a:latin typeface="Arial"/>
-            </a:endParaRPr>
-          </a:p>
-          <a:p>
-            <a:pPr marL="343080" indent="-342360">
+            <a:r>
+              <a:rPr b="1" lang="pt-BR" sz="2000" spc="-1" strike="noStrike">
+                <a:solidFill>
+                  <a:srgbClr val="000000"/>
+                </a:solidFill>
+                <a:uFill>
+                  <a:solidFill>
+                    <a:srgbClr val="ffffff"/>
+                  </a:solidFill>
+                </a:uFill>
+                <a:latin typeface="Calibri"/>
+                <a:ea typeface="DejaVu Sans"/>
+              </a:rPr>
+              <a:t>[RISCO]</a:t>
+            </a:r>
+            <a:r>
+              <a:rPr b="0" lang="pt-BR" sz="2000" spc="-1" strike="noStrike">
+                <a:solidFill>
+                  <a:srgbClr val="000000"/>
+                </a:solidFill>
+                <a:uFill>
+                  <a:solidFill>
+                    <a:srgbClr val="ffffff"/>
+                  </a:solidFill>
+                </a:uFill>
+                <a:latin typeface="Calibri"/>
+                <a:ea typeface="DejaVu Sans"/>
+              </a:rPr>
+              <a:t>, definir reuniões presenciais pelo menos </a:t>
+            </a:r>
+            <a:r>
+              <a:rPr b="1" lang="pt-BR" sz="2000" spc="-1" strike="noStrike">
+                <a:solidFill>
+                  <a:srgbClr val="000000"/>
+                </a:solidFill>
+                <a:uFill>
+                  <a:solidFill>
+                    <a:srgbClr val="ffffff"/>
+                  </a:solidFill>
+                </a:uFill>
+                <a:latin typeface="Calibri"/>
+                <a:ea typeface="DejaVu Sans"/>
+              </a:rPr>
+              <a:t>uma vez por semana</a:t>
+            </a:r>
+            <a:r>
+              <a:rPr b="0" lang="pt-BR" sz="2000" spc="-1" strike="noStrike">
+                <a:solidFill>
+                  <a:srgbClr val="000000"/>
+                </a:solidFill>
+                <a:uFill>
+                  <a:solidFill>
+                    <a:srgbClr val="ffffff"/>
+                  </a:solidFill>
+                </a:uFill>
+                <a:latin typeface="Calibri"/>
+                <a:ea typeface="DejaVu Sans"/>
+              </a:rPr>
+              <a:t>. Além disso, cada membro relatar para o líder o que fez o que vai fazer e problemas enfrentados </a:t>
+            </a:r>
+            <a:r>
+              <a:rPr b="0" lang="pt-BR" sz="1800" spc="-1" strike="noStrike">
+                <a:solidFill>
+                  <a:srgbClr val="000000"/>
+                </a:solidFill>
+                <a:uFill>
+                  <a:solidFill>
+                    <a:srgbClr val="ffffff"/>
+                  </a:solidFill>
+                </a:uFill>
+                <a:latin typeface="Calibri"/>
+                <a:ea typeface="DejaVu Sans"/>
+              </a:rPr>
+              <a:t>(de acordo com o cronogrona).</a:t>
+            </a:r>
+            <a:endParaRPr b="0" lang="pt-BR" sz="2000" spc="-1" strike="noStrike">
+              <a:solidFill>
+                <a:srgbClr val="000000"/>
+              </a:solidFill>
+              <a:uFill>
+                <a:solidFill>
+                  <a:srgbClr val="ffffff"/>
+                </a:solidFill>
+              </a:uFill>
+              <a:latin typeface="Arial"/>
+            </a:endParaRPr>
+          </a:p>
+          <a:p>
+            <a:pPr marL="343080" indent="-342000">
               <a:lnSpc>
                 <a:spcPct val="100000"/>
               </a:lnSpc>
@@ -5423,7 +5454,7 @@
               <a:buChar char=""/>
             </a:pPr>
             <a:r>
-              <a:rPr b="0" lang="pt-BR" sz="3200" spc="-1" strike="noStrike">
+              <a:rPr b="0" lang="pt-BR" sz="2000" spc="-1" strike="noStrike">
                 <a:solidFill>
                   <a:srgbClr val="000000"/>
                 </a:solidFill>
@@ -5433,10 +5464,335 @@
                   </a:solidFill>
                 </a:uFill>
                 <a:latin typeface="Calibri"/>
+                <a:ea typeface="DejaVu Sans"/>
               </a:rPr>
               <a:t> </a:t>
             </a:r>
-            <a:endParaRPr b="0" lang="pt-BR" sz="1800" spc="-1" strike="noStrike">
+            <a:endParaRPr b="0" lang="pt-BR" sz="2000" spc="-1" strike="noStrike">
+              <a:solidFill>
+                <a:srgbClr val="000000"/>
+              </a:solidFill>
+              <a:uFill>
+                <a:solidFill>
+                  <a:srgbClr val="ffffff"/>
+                </a:solidFill>
+              </a:uFill>
+              <a:latin typeface="Arial"/>
+            </a:endParaRPr>
+          </a:p>
+          <a:p>
+            <a:pPr marL="343080" indent="-342000">
+              <a:lnSpc>
+                <a:spcPct val="100000"/>
+              </a:lnSpc>
+              <a:buClr>
+                <a:srgbClr val="000000"/>
+              </a:buClr>
+              <a:buSzPct val="45000"/>
+              <a:buFont typeface="Wingdings" charset="2"/>
+              <a:buChar char=""/>
+            </a:pPr>
+            <a:r>
+              <a:rPr b="0" lang="pt-BR" sz="2000" spc="-1" strike="noStrike">
+                <a:solidFill>
+                  <a:srgbClr val="000000"/>
+                </a:solidFill>
+                <a:uFill>
+                  <a:solidFill>
+                    <a:srgbClr val="ffffff"/>
+                  </a:solidFill>
+                </a:uFill>
+                <a:latin typeface="Calibri"/>
+                <a:ea typeface="DejaVu Sans"/>
+              </a:rPr>
+              <a:t>Definir no </a:t>
+            </a:r>
+            <a:r>
+              <a:rPr b="1" lang="pt-BR" sz="2000" spc="-1" strike="noStrike">
+                <a:solidFill>
+                  <a:srgbClr val="000000"/>
+                </a:solidFill>
+                <a:uFill>
+                  <a:solidFill>
+                    <a:srgbClr val="ffffff"/>
+                  </a:solidFill>
+                </a:uFill>
+                <a:latin typeface="Calibri"/>
+                <a:ea typeface="DejaVu Sans"/>
+              </a:rPr>
+              <a:t>planejamento</a:t>
+            </a:r>
+            <a:r>
+              <a:rPr b="0" lang="pt-BR" sz="2000" spc="-1" strike="noStrike">
+                <a:solidFill>
+                  <a:srgbClr val="000000"/>
+                </a:solidFill>
+                <a:uFill>
+                  <a:solidFill>
+                    <a:srgbClr val="ffffff"/>
+                  </a:solidFill>
+                </a:uFill>
+                <a:latin typeface="Calibri"/>
+                <a:ea typeface="DejaVu Sans"/>
+              </a:rPr>
+              <a:t> o que cada membro da Equipe vai fazer durante a sprint.</a:t>
+            </a:r>
+            <a:endParaRPr b="0" lang="pt-BR" sz="2000" spc="-1" strike="noStrike">
+              <a:solidFill>
+                <a:srgbClr val="000000"/>
+              </a:solidFill>
+              <a:uFill>
+                <a:solidFill>
+                  <a:srgbClr val="ffffff"/>
+                </a:solidFill>
+              </a:uFill>
+              <a:latin typeface="Arial"/>
+            </a:endParaRPr>
+          </a:p>
+          <a:p>
+            <a:pPr marL="343080" indent="-342000">
+              <a:lnSpc>
+                <a:spcPct val="100000"/>
+              </a:lnSpc>
+              <a:buClr>
+                <a:srgbClr val="000000"/>
+              </a:buClr>
+              <a:buSzPct val="45000"/>
+              <a:buFont typeface="Wingdings" charset="2"/>
+              <a:buChar char=""/>
+            </a:pPr>
+            <a:r>
+              <a:rPr b="0" lang="pt-BR" sz="2000" spc="-1" strike="noStrike">
+                <a:solidFill>
+                  <a:srgbClr val="000000"/>
+                </a:solidFill>
+                <a:uFill>
+                  <a:solidFill>
+                    <a:srgbClr val="ffffff"/>
+                  </a:solidFill>
+                </a:uFill>
+                <a:latin typeface="Calibri"/>
+                <a:ea typeface="DejaVu Sans"/>
+              </a:rPr>
+              <a:t> </a:t>
+            </a:r>
+            <a:endParaRPr b="0" lang="pt-BR" sz="2000" spc="-1" strike="noStrike">
+              <a:solidFill>
+                <a:srgbClr val="000000"/>
+              </a:solidFill>
+              <a:uFill>
+                <a:solidFill>
+                  <a:srgbClr val="ffffff"/>
+                </a:solidFill>
+              </a:uFill>
+              <a:latin typeface="Arial"/>
+            </a:endParaRPr>
+          </a:p>
+          <a:p>
+            <a:pPr marL="343080" indent="-342000">
+              <a:lnSpc>
+                <a:spcPct val="100000"/>
+              </a:lnSpc>
+              <a:buClr>
+                <a:srgbClr val="000000"/>
+              </a:buClr>
+              <a:buSzPct val="45000"/>
+              <a:buFont typeface="Wingdings" charset="2"/>
+              <a:buChar char=""/>
+            </a:pPr>
+            <a:r>
+              <a:rPr b="0" lang="pt-BR" sz="2000" spc="-1" strike="noStrike">
+                <a:solidFill>
+                  <a:srgbClr val="000000"/>
+                </a:solidFill>
+                <a:uFill>
+                  <a:solidFill>
+                    <a:srgbClr val="ffffff"/>
+                  </a:solidFill>
+                </a:uFill>
+                <a:latin typeface="Calibri"/>
+                <a:ea typeface="DejaVu Sans"/>
+              </a:rPr>
+              <a:t>Equipe se adaptar ao processo e </a:t>
+            </a:r>
+            <a:r>
+              <a:rPr b="1" lang="pt-BR" sz="2000" spc="-1" strike="noStrike">
+                <a:solidFill>
+                  <a:srgbClr val="000000"/>
+                </a:solidFill>
+                <a:uFill>
+                  <a:solidFill>
+                    <a:srgbClr val="ffffff"/>
+                  </a:solidFill>
+                </a:uFill>
+                <a:latin typeface="Calibri"/>
+                <a:ea typeface="DejaVu Sans"/>
+              </a:rPr>
+              <a:t>cronograma definidos</a:t>
+            </a:r>
+            <a:r>
+              <a:rPr b="0" lang="pt-BR" sz="2000" spc="-1" strike="noStrike">
+                <a:solidFill>
+                  <a:srgbClr val="000000"/>
+                </a:solidFill>
+                <a:uFill>
+                  <a:solidFill>
+                    <a:srgbClr val="ffffff"/>
+                  </a:solidFill>
+                </a:uFill>
+                <a:latin typeface="Calibri"/>
+                <a:ea typeface="DejaVu Sans"/>
+              </a:rPr>
+              <a:t>, </a:t>
+            </a:r>
+            <a:r>
+              <a:rPr b="1" lang="pt-BR" sz="2000" spc="-1" strike="noStrike">
+                <a:solidFill>
+                  <a:srgbClr val="000000"/>
+                </a:solidFill>
+                <a:uFill>
+                  <a:solidFill>
+                    <a:srgbClr val="ffffff"/>
+                  </a:solidFill>
+                </a:uFill>
+                <a:latin typeface="Calibri"/>
+                <a:ea typeface="DejaVu Sans"/>
+              </a:rPr>
+              <a:t>cumprindo com suas obrigações</a:t>
+            </a:r>
+            <a:r>
+              <a:rPr b="0" lang="pt-BR" sz="2000" spc="-1" strike="noStrike">
+                <a:solidFill>
+                  <a:srgbClr val="000000"/>
+                </a:solidFill>
+                <a:uFill>
+                  <a:solidFill>
+                    <a:srgbClr val="ffffff"/>
+                  </a:solidFill>
+                </a:uFill>
+                <a:latin typeface="Calibri"/>
+                <a:ea typeface="DejaVu Sans"/>
+              </a:rPr>
+              <a:t>.</a:t>
+            </a:r>
+            <a:endParaRPr b="0" lang="pt-BR" sz="2000" spc="-1" strike="noStrike">
+              <a:solidFill>
+                <a:srgbClr val="000000"/>
+              </a:solidFill>
+              <a:uFill>
+                <a:solidFill>
+                  <a:srgbClr val="ffffff"/>
+                </a:solidFill>
+              </a:uFill>
+              <a:latin typeface="Arial"/>
+            </a:endParaRPr>
+          </a:p>
+          <a:p>
+            <a:pPr>
+              <a:lnSpc>
+                <a:spcPct val="100000"/>
+              </a:lnSpc>
+            </a:pPr>
+            <a:endParaRPr b="0" lang="pt-BR" sz="2000" spc="-1" strike="noStrike">
+              <a:solidFill>
+                <a:srgbClr val="000000"/>
+              </a:solidFill>
+              <a:uFill>
+                <a:solidFill>
+                  <a:srgbClr val="ffffff"/>
+                </a:solidFill>
+              </a:uFill>
+              <a:latin typeface="Arial"/>
+            </a:endParaRPr>
+          </a:p>
+          <a:p>
+            <a:pPr marL="343080" indent="-342000">
+              <a:lnSpc>
+                <a:spcPct val="100000"/>
+              </a:lnSpc>
+              <a:buClr>
+                <a:srgbClr val="000000"/>
+              </a:buClr>
+              <a:buSzPct val="45000"/>
+              <a:buFont typeface="Wingdings" charset="2"/>
+              <a:buChar char=""/>
+            </a:pPr>
+            <a:r>
+              <a:rPr b="0" lang="pt-BR" sz="2000" spc="-1" strike="noStrike">
+                <a:solidFill>
+                  <a:srgbClr val="000000"/>
+                </a:solidFill>
+                <a:uFill>
+                  <a:solidFill>
+                    <a:srgbClr val="ffffff"/>
+                  </a:solidFill>
+                </a:uFill>
+                <a:latin typeface="Calibri"/>
+                <a:ea typeface="DejaVu Sans"/>
+              </a:rPr>
+              <a:t>Equipe, tanto de forma individual, quanto em conjunto saber </a:t>
+            </a:r>
+            <a:r>
+              <a:rPr b="1" lang="pt-BR" sz="2000" spc="-1" strike="noStrike">
+                <a:solidFill>
+                  <a:srgbClr val="000000"/>
+                </a:solidFill>
+                <a:uFill>
+                  <a:solidFill>
+                    <a:srgbClr val="ffffff"/>
+                  </a:solidFill>
+                </a:uFill>
+                <a:latin typeface="Calibri"/>
+                <a:ea typeface="DejaVu Sans"/>
+              </a:rPr>
+              <a:t>reconhecer problemas</a:t>
+            </a:r>
+            <a:r>
+              <a:rPr b="0" lang="pt-BR" sz="2000" spc="-1" strike="noStrike">
+                <a:solidFill>
+                  <a:srgbClr val="000000"/>
+                </a:solidFill>
+                <a:uFill>
+                  <a:solidFill>
+                    <a:srgbClr val="ffffff"/>
+                  </a:solidFill>
+                </a:uFill>
+                <a:latin typeface="Calibri"/>
+                <a:ea typeface="DejaVu Sans"/>
+              </a:rPr>
+              <a:t> e saber resolver de forma </a:t>
+            </a:r>
+            <a:r>
+              <a:rPr b="1" lang="pt-BR" sz="2000" spc="-1" strike="noStrike">
+                <a:solidFill>
+                  <a:srgbClr val="000000"/>
+                </a:solidFill>
+                <a:uFill>
+                  <a:solidFill>
+                    <a:srgbClr val="ffffff"/>
+                  </a:solidFill>
+                </a:uFill>
+                <a:latin typeface="Calibri"/>
+                <a:ea typeface="DejaVu Sans"/>
+              </a:rPr>
+              <a:t>profissional</a:t>
+            </a:r>
+            <a:r>
+              <a:rPr b="0" lang="pt-BR" sz="2000" spc="-1" strike="noStrike">
+                <a:solidFill>
+                  <a:srgbClr val="000000"/>
+                </a:solidFill>
+                <a:uFill>
+                  <a:solidFill>
+                    <a:srgbClr val="ffffff"/>
+                  </a:solidFill>
+                </a:uFill>
+                <a:latin typeface="Calibri"/>
+                <a:ea typeface="DejaVu Sans"/>
+              </a:rPr>
+              <a:t>.</a:t>
+            </a:r>
+            <a:endParaRPr b="0" lang="pt-BR" sz="2000" spc="-1" strike="noStrike">
               <a:solidFill>
                 <a:srgbClr val="000000"/>
               </a:solidFill>

--- a/Projeto-AjudeMais/002-Acompanhamento/Iteracao-01/ADR - apresentacao de resultados-IT01.pptx
+++ b/Projeto-AjudeMais/002-Acompanhamento/Iteracao-01/ADR - apresentacao de resultados-IT01.pptx
@@ -13,6 +13,14 @@
     <p:sldId id="260" r:id="rId8"/>
     <p:sldId id="261" r:id="rId9"/>
     <p:sldId id="262" r:id="rId10"/>
+    <p:sldId id="263" r:id="rId11"/>
+    <p:sldId id="264" r:id="rId12"/>
+    <p:sldId id="265" r:id="rId13"/>
+    <p:sldId id="266" r:id="rId14"/>
+    <p:sldId id="267" r:id="rId15"/>
+    <p:sldId id="268" r:id="rId16"/>
+    <p:sldId id="269" r:id="rId17"/>
+    <p:sldId id="270" r:id="rId18"/>
   </p:sldIdLst>
   <p:sldSz cx="9144000" cy="6858000"/>
   <p:notesSz cx="7772400" cy="10058400"/>
@@ -3004,7 +3012,7 @@
         <p:spPr>
           <a:xfrm>
             <a:off x="457200" y="273600"/>
-            <a:ext cx="8228880" cy="1144440"/>
+            <a:ext cx="8229240" cy="1144800"/>
           </a:xfrm>
           <a:prstGeom prst="rect">
             <a:avLst/>
@@ -3014,6 +3022,20 @@
           <a:bodyPr lIns="0" rIns="0" tIns="0" bIns="0" anchor="ctr"/>
           <a:p>
             <a:pPr algn="ctr"/>
+            <a:r>
+              <a:rPr b="0" lang="pt-BR" sz="4400" spc="-1" strike="noStrike">
+                <a:solidFill>
+                  <a:srgbClr val="000000"/>
+                </a:solidFill>
+                <a:uFill>
+                  <a:solidFill>
+                    <a:srgbClr val="ffffff"/>
+                  </a:solidFill>
+                </a:uFill>
+                <a:latin typeface="Arial"/>
+              </a:rPr>
+              <a:t>Clique para editar o formato do texto do título</a:t>
+            </a:r>
             <a:endParaRPr b="0" lang="pt-BR" sz="4400" spc="-1" strike="noStrike">
               <a:solidFill>
                 <a:srgbClr val="000000"/>
@@ -3041,7 +3063,7 @@
         <p:spPr>
           <a:xfrm>
             <a:off x="457200" y="1604520"/>
-            <a:ext cx="8228880" cy="3976920"/>
+            <a:ext cx="8229240" cy="3977280"/>
           </a:xfrm>
           <a:prstGeom prst="rect">
             <a:avLst/>
@@ -3059,7 +3081,7 @@
               <a:buChar char=""/>
             </a:pPr>
             <a:r>
-              <a:rPr b="0" lang="pt-BR" sz="1800" spc="-1" strike="noStrike">
+              <a:rPr b="0" lang="pt-BR" sz="3200" spc="-1" strike="noStrike">
                 <a:solidFill>
                   <a:srgbClr val="000000"/>
                 </a:solidFill>
@@ -3072,7 +3094,7 @@
               </a:rPr>
               <a:t>Clique para editar o formato do texto da estrutura de tópicos</a:t>
             </a:r>
-            <a:endParaRPr b="0" lang="pt-BR" sz="1800" spc="-1" strike="noStrike">
+            <a:endParaRPr b="0" lang="pt-BR" sz="3200" spc="-1" strike="noStrike">
               <a:solidFill>
                 <a:srgbClr val="000000"/>
               </a:solidFill>
@@ -3094,7 +3116,7 @@
               <a:buChar char=""/>
             </a:pPr>
             <a:r>
-              <a:rPr b="0" lang="pt-BR" sz="1800" spc="-1" strike="noStrike">
+              <a:rPr b="0" lang="pt-BR" sz="2800" spc="-1" strike="noStrike">
                 <a:solidFill>
                   <a:srgbClr val="000000"/>
                 </a:solidFill>
@@ -3107,7 +3129,7 @@
               </a:rPr>
               <a:t>2.º nível da estrutura de tópicos</a:t>
             </a:r>
-            <a:endParaRPr b="0" lang="pt-BR" sz="1800" spc="-1" strike="noStrike">
+            <a:endParaRPr b="0" lang="pt-BR" sz="2800" spc="-1" strike="noStrike">
               <a:solidFill>
                 <a:srgbClr val="000000"/>
               </a:solidFill>
@@ -3129,7 +3151,7 @@
               <a:buChar char=""/>
             </a:pPr>
             <a:r>
-              <a:rPr b="0" lang="pt-BR" sz="1800" spc="-1" strike="noStrike">
+              <a:rPr b="0" lang="pt-BR" sz="2400" spc="-1" strike="noStrike">
                 <a:solidFill>
                   <a:srgbClr val="000000"/>
                 </a:solidFill>
@@ -3142,7 +3164,7 @@
               </a:rPr>
               <a:t>3.º nível da estrutura de tópicos</a:t>
             </a:r>
-            <a:endParaRPr b="0" lang="pt-BR" sz="1800" spc="-1" strike="noStrike">
+            <a:endParaRPr b="0" lang="pt-BR" sz="2400" spc="-1" strike="noStrike">
               <a:solidFill>
                 <a:srgbClr val="000000"/>
               </a:solidFill>
@@ -3164,7 +3186,7 @@
               <a:buChar char=""/>
             </a:pPr>
             <a:r>
-              <a:rPr b="0" lang="pt-BR" sz="1800" spc="-1" strike="noStrike">
+              <a:rPr b="0" lang="pt-BR" sz="2000" spc="-1" strike="noStrike">
                 <a:solidFill>
                   <a:srgbClr val="000000"/>
                 </a:solidFill>
@@ -3177,7 +3199,7 @@
               </a:rPr>
               <a:t>4.º nível da estrutura de tópicos</a:t>
             </a:r>
-            <a:endParaRPr b="0" lang="pt-BR" sz="1800" spc="-1" strike="noStrike">
+            <a:endParaRPr b="0" lang="pt-BR" sz="2000" spc="-1" strike="noStrike">
               <a:solidFill>
                 <a:srgbClr val="000000"/>
               </a:solidFill>
@@ -3199,7 +3221,7 @@
               <a:buChar char=""/>
             </a:pPr>
             <a:r>
-              <a:rPr b="0" lang="pt-BR" sz="1800" spc="-1" strike="noStrike">
+              <a:rPr b="0" lang="pt-BR" sz="2000" spc="-1" strike="noStrike">
                 <a:solidFill>
                   <a:srgbClr val="000000"/>
                 </a:solidFill>
@@ -3212,7 +3234,7 @@
               </a:rPr>
               <a:t>5.º nível da estrutura de tópicos</a:t>
             </a:r>
-            <a:endParaRPr b="0" lang="pt-BR" sz="1800" spc="-1" strike="noStrike">
+            <a:endParaRPr b="0" lang="pt-BR" sz="2000" spc="-1" strike="noStrike">
               <a:solidFill>
                 <a:srgbClr val="000000"/>
               </a:solidFill>
@@ -3234,7 +3256,7 @@
               <a:buChar char=""/>
             </a:pPr>
             <a:r>
-              <a:rPr b="0" lang="pt-BR" sz="1800" spc="-1" strike="noStrike">
+              <a:rPr b="0" lang="pt-BR" sz="2000" spc="-1" strike="noStrike">
                 <a:solidFill>
                   <a:srgbClr val="000000"/>
                 </a:solidFill>
@@ -3247,7 +3269,7 @@
               </a:rPr>
               <a:t>6.º nível da estrutura de tópicos</a:t>
             </a:r>
-            <a:endParaRPr b="0" lang="pt-BR" sz="1800" spc="-1" strike="noStrike">
+            <a:endParaRPr b="0" lang="pt-BR" sz="2000" spc="-1" strike="noStrike">
               <a:solidFill>
                 <a:srgbClr val="000000"/>
               </a:solidFill>
@@ -3269,7 +3291,7 @@
               <a:buChar char=""/>
             </a:pPr>
             <a:r>
-              <a:rPr b="0" lang="pt-BR" sz="1800" spc="-1" strike="noStrike">
+              <a:rPr b="0" lang="pt-BR" sz="2000" spc="-1" strike="noStrike">
                 <a:solidFill>
                   <a:srgbClr val="000000"/>
                 </a:solidFill>
@@ -3282,7 +3304,7 @@
               </a:rPr>
               <a:t>7.º nível da estrutura de tópicos</a:t>
             </a:r>
-            <a:endParaRPr b="0" lang="pt-BR" sz="1800" spc="-1" strike="noStrike">
+            <a:endParaRPr b="0" lang="pt-BR" sz="2000" spc="-1" strike="noStrike">
               <a:solidFill>
                 <a:srgbClr val="000000"/>
               </a:solidFill>
@@ -3705,7 +3727,7 @@
         <p:spPr>
           <a:xfrm>
             <a:off x="685800" y="2562480"/>
-            <a:ext cx="7771320" cy="1468800"/>
+            <a:ext cx="7769880" cy="1467360"/>
           </a:xfrm>
           <a:prstGeom prst="rect">
             <a:avLst/>
@@ -3790,7 +3812,7 @@
                 <a:latin typeface="Calibri"/>
                 <a:ea typeface="DejaVu Sans"/>
               </a:rPr>
-              <a:t>Apresentação dos Resultados da Iteração</a:t>
+              <a:t>Apresentação dos Resultados da Iteração 01</a:t>
             </a:r>
             <a:endParaRPr b="0" lang="pt-BR" sz="1800" spc="-1" strike="noStrike">
               <a:solidFill>
@@ -3806,104 +3828,9 @@
           </a:p>
         </p:txBody>
       </p:sp>
-      <p:sp>
-        <p:nvSpPr>
-          <p:cNvPr id="73" name="CustomShape 2"/>
-          <p:cNvSpPr/>
-          <p:nvPr/>
-        </p:nvSpPr>
-        <p:spPr>
-          <a:xfrm>
-            <a:off x="1407600" y="4354200"/>
-            <a:ext cx="6399720" cy="649080"/>
-          </a:xfrm>
-          <a:prstGeom prst="rect">
-            <a:avLst/>
-          </a:prstGeom>
-          <a:noFill/>
-          <a:ln>
-            <a:noFill/>
-          </a:ln>
-        </p:spPr>
-        <p:style>
-          <a:lnRef idx="0"/>
-          <a:fillRef idx="0"/>
-          <a:effectRef idx="0"/>
-          <a:fontRef idx="minor"/>
-        </p:style>
-        <p:txBody>
-          <a:bodyPr lIns="90000" rIns="90000" tIns="45000" bIns="45000"/>
-          <a:p>
-            <a:pPr algn="ctr">
-              <a:lnSpc>
-                <a:spcPct val="100000"/>
-              </a:lnSpc>
-            </a:pPr>
-            <a:r>
-              <a:rPr b="0" lang="pt-BR" sz="2400" spc="-1" strike="noStrike">
-                <a:solidFill>
-                  <a:srgbClr val="8b8b8b"/>
-                </a:solidFill>
-                <a:uFill>
-                  <a:solidFill>
-                    <a:srgbClr val="ffffff"/>
-                  </a:solidFill>
-                </a:uFill>
-                <a:latin typeface="Calibri"/>
-                <a:ea typeface="DejaVu Sans"/>
-              </a:rPr>
-              <a:t>Iteração </a:t>
-            </a:r>
-            <a:r>
-              <a:rPr b="1" lang="pt-BR" sz="2400" spc="-1" strike="noStrike">
-                <a:solidFill>
-                  <a:srgbClr val="8b8b8b"/>
-                </a:solidFill>
-                <a:uFill>
-                  <a:solidFill>
-                    <a:srgbClr val="ffffff"/>
-                  </a:solidFill>
-                </a:uFill>
-                <a:latin typeface="Calibri"/>
-                <a:ea typeface="DejaVu Sans"/>
-              </a:rPr>
-              <a:t>01</a:t>
-            </a:r>
-            <a:endParaRPr b="0" lang="pt-BR" sz="1800" spc="-1" strike="noStrike">
-              <a:solidFill>
-                <a:srgbClr val="000000"/>
-              </a:solidFill>
-              <a:uFill>
-                <a:solidFill>
-                  <a:srgbClr val="ffffff"/>
-                </a:solidFill>
-              </a:uFill>
-              <a:latin typeface="Arial"/>
-            </a:endParaRPr>
-          </a:p>
-          <a:p>
-            <a:pPr algn="ctr">
-              <a:lnSpc>
-                <a:spcPct val="100000"/>
-              </a:lnSpc>
-            </a:pPr>
-            <a:endParaRPr b="0" lang="pt-BR" sz="1800" spc="-1" strike="noStrike">
-              <a:solidFill>
-                <a:srgbClr val="000000"/>
-              </a:solidFill>
-              <a:uFill>
-                <a:solidFill>
-                  <a:srgbClr val="ffffff"/>
-                </a:solidFill>
-              </a:uFill>
-              <a:latin typeface="Arial"/>
-            </a:endParaRPr>
-          </a:p>
-        </p:txBody>
-      </p:sp>
       <p:pic>
         <p:nvPicPr>
-          <p:cNvPr id="74" name="" descr=""/>
+          <p:cNvPr id="73" name="" descr=""/>
           <p:cNvPicPr/>
           <p:nvPr/>
         </p:nvPicPr>
@@ -3914,7 +3841,7 @@
         <p:spPr>
           <a:xfrm>
             <a:off x="3808800" y="828000"/>
-            <a:ext cx="1374480" cy="1374480"/>
+            <a:ext cx="1373040" cy="1373040"/>
           </a:xfrm>
           <a:prstGeom prst="rect">
             <a:avLst/>
@@ -3933,6 +3860,1248 @@
           <p:childTnLst>
             <p:seq>
               <p:cTn id="2" nodeType="mainSeq"/>
+              <p:prevCondLst>
+                <p:cond delay="0" evt="onPrev">
+                  <p:tgtEl>
+                    <p:sldTgt/>
+                  </p:tgtEl>
+                </p:cond>
+              </p:prevCondLst>
+              <p:nextCondLst>
+                <p:cond delay="0" evt="onNext">
+                  <p:tgtEl>
+                    <p:sldTgt/>
+                  </p:tgtEl>
+                </p:cond>
+              </p:nextCondLst>
+            </p:seq>
+          </p:childTnLst>
+        </p:cTn>
+      </p:par>
+    </p:tnLst>
+  </p:timing>
+</p:sld>
+</file>
+
+<file path=ppt/slides/slide10.xml><?xml version="1.0" encoding="utf-8"?>
+<p:sld xmlns:a="http://schemas.openxmlformats.org/drawingml/2006/main" xmlns:p="http://schemas.openxmlformats.org/presentationml/2006/main" xmlns:r="http://schemas.openxmlformats.org/officeDocument/2006/relationships" xmlns:p14="http://schemas.microsoft.com/office/powerpoint/2010/main" xmlns:p15="http://schemas.microsoft.com/office/powerpoint/2012/main" xmlns:mc="http://schemas.openxmlformats.org/markup-compatibility/2006">
+  <p:cSld>
+    <p:spTree>
+      <p:nvGrpSpPr>
+        <p:cNvPr id="1" name=""/>
+        <p:cNvGrpSpPr/>
+        <p:nvPr/>
+      </p:nvGrpSpPr>
+      <p:grpSpPr>
+        <a:xfrm>
+          <a:off x="0" y="0"/>
+          <a:ext cx="0" cy="0"/>
+          <a:chOff x="0" y="0"/>
+          <a:chExt cx="0" cy="0"/>
+        </a:xfrm>
+      </p:grpSpPr>
+      <p:sp>
+        <p:nvSpPr>
+          <p:cNvPr id="90" name="CustomShape 1"/>
+          <p:cNvSpPr/>
+          <p:nvPr/>
+        </p:nvSpPr>
+        <p:spPr>
+          <a:xfrm>
+            <a:off x="457200" y="274680"/>
+            <a:ext cx="8227080" cy="1140480"/>
+          </a:xfrm>
+          <a:prstGeom prst="rect">
+            <a:avLst/>
+          </a:prstGeom>
+          <a:noFill/>
+          <a:ln>
+            <a:noFill/>
+          </a:ln>
+        </p:spPr>
+        <p:style>
+          <a:lnRef idx="0"/>
+          <a:fillRef idx="0"/>
+          <a:effectRef idx="0"/>
+          <a:fontRef idx="minor"/>
+        </p:style>
+        <p:txBody>
+          <a:bodyPr lIns="90000" rIns="90000" tIns="45000" bIns="45000" anchor="ctr"/>
+          <a:p>
+            <a:pPr algn="ctr">
+              <a:lnSpc>
+                <a:spcPct val="100000"/>
+              </a:lnSpc>
+            </a:pPr>
+            <a:r>
+              <a:rPr b="0" lang="pt-BR" sz="3200" spc="-1" strike="noStrike">
+                <a:solidFill>
+                  <a:srgbClr val="000000"/>
+                </a:solidFill>
+                <a:uFill>
+                  <a:solidFill>
+                    <a:srgbClr val="ffffff"/>
+                  </a:solidFill>
+                </a:uFill>
+                <a:latin typeface="Calibri"/>
+                <a:ea typeface="DejaVu Sans"/>
+              </a:rPr>
+              <a:t>Métricas - Jenkins Estado ciclomático  </a:t>
+            </a:r>
+            <a:endParaRPr b="0" lang="pt-BR" sz="1800" spc="-1" strike="noStrike">
+              <a:solidFill>
+                <a:srgbClr val="000000"/>
+              </a:solidFill>
+              <a:uFill>
+                <a:solidFill>
+                  <a:srgbClr val="ffffff"/>
+                </a:solidFill>
+              </a:uFill>
+              <a:latin typeface="Arial"/>
+            </a:endParaRPr>
+          </a:p>
+        </p:txBody>
+      </p:sp>
+      <p:pic>
+        <p:nvPicPr>
+          <p:cNvPr id="91" name="" descr=""/>
+          <p:cNvPicPr/>
+          <p:nvPr/>
+        </p:nvPicPr>
+        <p:blipFill>
+          <a:blip r:embed="rId1"/>
+          <a:srcRect l="41224" t="0" r="0" b="0"/>
+          <a:stretch/>
+        </p:blipFill>
+        <p:spPr>
+          <a:xfrm>
+            <a:off x="0" y="1512000"/>
+            <a:ext cx="9142920" cy="5110560"/>
+          </a:xfrm>
+          <a:prstGeom prst="rect">
+            <a:avLst/>
+          </a:prstGeom>
+          <a:ln>
+            <a:noFill/>
+          </a:ln>
+        </p:spPr>
+      </p:pic>
+    </p:spTree>
+  </p:cSld>
+  <p:timing>
+    <p:tnLst>
+      <p:par>
+        <p:cTn id="19" dur="indefinite" restart="never" nodeType="tmRoot">
+          <p:childTnLst>
+            <p:seq>
+              <p:cTn id="20" nodeType="mainSeq"/>
+              <p:prevCondLst>
+                <p:cond delay="0" evt="onPrev">
+                  <p:tgtEl>
+                    <p:sldTgt/>
+                  </p:tgtEl>
+                </p:cond>
+              </p:prevCondLst>
+              <p:nextCondLst>
+                <p:cond delay="0" evt="onNext">
+                  <p:tgtEl>
+                    <p:sldTgt/>
+                  </p:tgtEl>
+                </p:cond>
+              </p:nextCondLst>
+            </p:seq>
+          </p:childTnLst>
+        </p:cTn>
+      </p:par>
+    </p:tnLst>
+  </p:timing>
+</p:sld>
+</file>
+
+<file path=ppt/slides/slide11.xml><?xml version="1.0" encoding="utf-8"?>
+<p:sld xmlns:a="http://schemas.openxmlformats.org/drawingml/2006/main" xmlns:p="http://schemas.openxmlformats.org/presentationml/2006/main" xmlns:r="http://schemas.openxmlformats.org/officeDocument/2006/relationships" xmlns:p14="http://schemas.microsoft.com/office/powerpoint/2010/main" xmlns:p15="http://schemas.microsoft.com/office/powerpoint/2012/main" xmlns:mc="http://schemas.openxmlformats.org/markup-compatibility/2006">
+  <p:cSld>
+    <p:spTree>
+      <p:nvGrpSpPr>
+        <p:cNvPr id="1" name=""/>
+        <p:cNvGrpSpPr/>
+        <p:nvPr/>
+      </p:nvGrpSpPr>
+      <p:grpSpPr>
+        <a:xfrm>
+          <a:off x="0" y="0"/>
+          <a:ext cx="0" cy="0"/>
+          <a:chOff x="0" y="0"/>
+          <a:chExt cx="0" cy="0"/>
+        </a:xfrm>
+      </p:grpSpPr>
+      <p:sp>
+        <p:nvSpPr>
+          <p:cNvPr id="92" name="CustomShape 1"/>
+          <p:cNvSpPr/>
+          <p:nvPr/>
+        </p:nvSpPr>
+        <p:spPr>
+          <a:xfrm>
+            <a:off x="457200" y="274680"/>
+            <a:ext cx="8227080" cy="1140480"/>
+          </a:xfrm>
+          <a:prstGeom prst="rect">
+            <a:avLst/>
+          </a:prstGeom>
+          <a:noFill/>
+          <a:ln>
+            <a:noFill/>
+          </a:ln>
+        </p:spPr>
+        <p:style>
+          <a:lnRef idx="0"/>
+          <a:fillRef idx="0"/>
+          <a:effectRef idx="0"/>
+          <a:fontRef idx="minor"/>
+        </p:style>
+        <p:txBody>
+          <a:bodyPr lIns="90000" rIns="90000" tIns="45000" bIns="45000" anchor="ctr"/>
+          <a:p>
+            <a:pPr algn="ctr">
+              <a:lnSpc>
+                <a:spcPct val="100000"/>
+              </a:lnSpc>
+            </a:pPr>
+            <a:r>
+              <a:rPr b="0" lang="pt-BR" sz="3200" spc="-1" strike="noStrike">
+                <a:solidFill>
+                  <a:srgbClr val="000000"/>
+                </a:solidFill>
+                <a:uFill>
+                  <a:solidFill>
+                    <a:srgbClr val="ffffff"/>
+                  </a:solidFill>
+                </a:uFill>
+                <a:latin typeface="Calibri"/>
+                <a:ea typeface="DejaVu Sans"/>
+              </a:rPr>
+              <a:t>Métricas – Histórico de builds </a:t>
+            </a:r>
+            <a:r>
+              <a:rPr b="0" lang="pt-BR" sz="3200" spc="-1" strike="noStrike" u="sng">
+                <a:solidFill>
+                  <a:srgbClr val="0000ff"/>
+                </a:solidFill>
+                <a:uFill>
+                  <a:solidFill>
+                    <a:srgbClr val="ffffff"/>
+                  </a:solidFill>
+                </a:uFill>
+                <a:latin typeface="Calibri"/>
+                <a:ea typeface="DejaVu Sans"/>
+                <a:hlinkClick r:id="rId1"/>
+              </a:rPr>
+              <a:t>Travis-CI</a:t>
+            </a:r>
+            <a:r>
+              <a:rPr b="0" lang="pt-BR" sz="3200" spc="-1" strike="noStrike">
+                <a:solidFill>
+                  <a:srgbClr val="000000"/>
+                </a:solidFill>
+                <a:uFill>
+                  <a:solidFill>
+                    <a:srgbClr val="ffffff"/>
+                  </a:solidFill>
+                </a:uFill>
+                <a:latin typeface="Calibri"/>
+                <a:ea typeface="DejaVu Sans"/>
+              </a:rPr>
+              <a:t> </a:t>
+            </a:r>
+            <a:endParaRPr b="0" lang="pt-BR" sz="1800" spc="-1" strike="noStrike">
+              <a:solidFill>
+                <a:srgbClr val="000000"/>
+              </a:solidFill>
+              <a:uFill>
+                <a:solidFill>
+                  <a:srgbClr val="ffffff"/>
+                </a:solidFill>
+              </a:uFill>
+              <a:latin typeface="Arial"/>
+            </a:endParaRPr>
+          </a:p>
+        </p:txBody>
+      </p:sp>
+      <p:pic>
+        <p:nvPicPr>
+          <p:cNvPr id="93" name="" descr=""/>
+          <p:cNvPicPr/>
+          <p:nvPr/>
+        </p:nvPicPr>
+        <p:blipFill>
+          <a:blip r:embed="rId2"/>
+          <a:stretch/>
+        </p:blipFill>
+        <p:spPr>
+          <a:xfrm>
+            <a:off x="0" y="1296000"/>
+            <a:ext cx="9142560" cy="4887720"/>
+          </a:xfrm>
+          <a:prstGeom prst="rect">
+            <a:avLst/>
+          </a:prstGeom>
+          <a:ln>
+            <a:noFill/>
+          </a:ln>
+        </p:spPr>
+      </p:pic>
+    </p:spTree>
+  </p:cSld>
+  <p:timing>
+    <p:tnLst>
+      <p:par>
+        <p:cTn id="21" dur="indefinite" restart="never" nodeType="tmRoot">
+          <p:childTnLst>
+            <p:seq>
+              <p:cTn id="22" nodeType="mainSeq"/>
+              <p:prevCondLst>
+                <p:cond delay="0" evt="onPrev">
+                  <p:tgtEl>
+                    <p:sldTgt/>
+                  </p:tgtEl>
+                </p:cond>
+              </p:prevCondLst>
+              <p:nextCondLst>
+                <p:cond delay="0" evt="onNext">
+                  <p:tgtEl>
+                    <p:sldTgt/>
+                  </p:tgtEl>
+                </p:cond>
+              </p:nextCondLst>
+            </p:seq>
+          </p:childTnLst>
+        </p:cTn>
+      </p:par>
+    </p:tnLst>
+  </p:timing>
+</p:sld>
+</file>
+
+<file path=ppt/slides/slide12.xml><?xml version="1.0" encoding="utf-8"?>
+<p:sld xmlns:a="http://schemas.openxmlformats.org/drawingml/2006/main" xmlns:p="http://schemas.openxmlformats.org/presentationml/2006/main" xmlns:r="http://schemas.openxmlformats.org/officeDocument/2006/relationships" xmlns:p14="http://schemas.microsoft.com/office/powerpoint/2010/main" xmlns:p15="http://schemas.microsoft.com/office/powerpoint/2012/main" xmlns:mc="http://schemas.openxmlformats.org/markup-compatibility/2006">
+  <p:cSld>
+    <p:spTree>
+      <p:nvGrpSpPr>
+        <p:cNvPr id="1" name=""/>
+        <p:cNvGrpSpPr/>
+        <p:nvPr/>
+      </p:nvGrpSpPr>
+      <p:grpSpPr>
+        <a:xfrm>
+          <a:off x="0" y="0"/>
+          <a:ext cx="0" cy="0"/>
+          <a:chOff x="0" y="0"/>
+          <a:chExt cx="0" cy="0"/>
+        </a:xfrm>
+      </p:grpSpPr>
+      <p:sp>
+        <p:nvSpPr>
+          <p:cNvPr id="94" name="CustomShape 1"/>
+          <p:cNvSpPr/>
+          <p:nvPr/>
+        </p:nvSpPr>
+        <p:spPr>
+          <a:xfrm>
+            <a:off x="457200" y="274680"/>
+            <a:ext cx="8227080" cy="1140480"/>
+          </a:xfrm>
+          <a:prstGeom prst="rect">
+            <a:avLst/>
+          </a:prstGeom>
+          <a:noFill/>
+          <a:ln>
+            <a:noFill/>
+          </a:ln>
+        </p:spPr>
+        <p:style>
+          <a:lnRef idx="0"/>
+          <a:fillRef idx="0"/>
+          <a:effectRef idx="0"/>
+          <a:fontRef idx="minor"/>
+        </p:style>
+        <p:txBody>
+          <a:bodyPr lIns="90000" rIns="90000" tIns="45000" bIns="45000" anchor="ctr"/>
+          <a:p>
+            <a:pPr algn="ctr">
+              <a:lnSpc>
+                <a:spcPct val="100000"/>
+              </a:lnSpc>
+            </a:pPr>
+            <a:r>
+              <a:rPr b="0" lang="pt-BR" sz="3200" spc="-1" strike="noStrike">
+                <a:solidFill>
+                  <a:srgbClr val="000000"/>
+                </a:solidFill>
+                <a:uFill>
+                  <a:solidFill>
+                    <a:srgbClr val="ffffff"/>
+                  </a:solidFill>
+                </a:uFill>
+                <a:latin typeface="Calibri"/>
+                <a:ea typeface="DejaVu Sans"/>
+              </a:rPr>
+              <a:t>Métricas – SONAR </a:t>
+            </a:r>
+            <a:endParaRPr b="0" lang="pt-BR" sz="1800" spc="-1" strike="noStrike">
+              <a:solidFill>
+                <a:srgbClr val="000000"/>
+              </a:solidFill>
+              <a:uFill>
+                <a:solidFill>
+                  <a:srgbClr val="ffffff"/>
+                </a:solidFill>
+              </a:uFill>
+              <a:latin typeface="Arial"/>
+            </a:endParaRPr>
+          </a:p>
+        </p:txBody>
+      </p:sp>
+      <p:pic>
+        <p:nvPicPr>
+          <p:cNvPr id="95" name="" descr=""/>
+          <p:cNvPicPr/>
+          <p:nvPr/>
+        </p:nvPicPr>
+        <p:blipFill>
+          <a:blip r:embed="rId1"/>
+          <a:stretch/>
+        </p:blipFill>
+        <p:spPr>
+          <a:xfrm>
+            <a:off x="360" y="1270080"/>
+            <a:ext cx="9142560" cy="4920840"/>
+          </a:xfrm>
+          <a:prstGeom prst="rect">
+            <a:avLst/>
+          </a:prstGeom>
+          <a:ln>
+            <a:noFill/>
+          </a:ln>
+        </p:spPr>
+      </p:pic>
+    </p:spTree>
+  </p:cSld>
+  <p:timing>
+    <p:tnLst>
+      <p:par>
+        <p:cTn id="23" dur="indefinite" restart="never" nodeType="tmRoot">
+          <p:childTnLst>
+            <p:seq>
+              <p:cTn id="24" nodeType="mainSeq"/>
+              <p:prevCondLst>
+                <p:cond delay="0" evt="onPrev">
+                  <p:tgtEl>
+                    <p:sldTgt/>
+                  </p:tgtEl>
+                </p:cond>
+              </p:prevCondLst>
+              <p:nextCondLst>
+                <p:cond delay="0" evt="onNext">
+                  <p:tgtEl>
+                    <p:sldTgt/>
+                  </p:tgtEl>
+                </p:cond>
+              </p:nextCondLst>
+            </p:seq>
+          </p:childTnLst>
+        </p:cTn>
+      </p:par>
+    </p:tnLst>
+  </p:timing>
+</p:sld>
+</file>
+
+<file path=ppt/slides/slide13.xml><?xml version="1.0" encoding="utf-8"?>
+<p:sld xmlns:a="http://schemas.openxmlformats.org/drawingml/2006/main" xmlns:p="http://schemas.openxmlformats.org/presentationml/2006/main" xmlns:r="http://schemas.openxmlformats.org/officeDocument/2006/relationships" xmlns:p14="http://schemas.microsoft.com/office/powerpoint/2010/main" xmlns:p15="http://schemas.microsoft.com/office/powerpoint/2012/main" xmlns:mc="http://schemas.openxmlformats.org/markup-compatibility/2006">
+  <p:cSld>
+    <p:spTree>
+      <p:nvGrpSpPr>
+        <p:cNvPr id="1" name=""/>
+        <p:cNvGrpSpPr/>
+        <p:nvPr/>
+      </p:nvGrpSpPr>
+      <p:grpSpPr>
+        <a:xfrm>
+          <a:off x="0" y="0"/>
+          <a:ext cx="0" cy="0"/>
+          <a:chOff x="0" y="0"/>
+          <a:chExt cx="0" cy="0"/>
+        </a:xfrm>
+      </p:grpSpPr>
+      <p:sp>
+        <p:nvSpPr>
+          <p:cNvPr id="96" name="CustomShape 1"/>
+          <p:cNvSpPr/>
+          <p:nvPr/>
+        </p:nvSpPr>
+        <p:spPr>
+          <a:xfrm>
+            <a:off x="457200" y="274680"/>
+            <a:ext cx="8227080" cy="1140480"/>
+          </a:xfrm>
+          <a:prstGeom prst="rect">
+            <a:avLst/>
+          </a:prstGeom>
+          <a:noFill/>
+          <a:ln>
+            <a:noFill/>
+          </a:ln>
+        </p:spPr>
+        <p:style>
+          <a:lnRef idx="0"/>
+          <a:fillRef idx="0"/>
+          <a:effectRef idx="0"/>
+          <a:fontRef idx="minor"/>
+        </p:style>
+        <p:txBody>
+          <a:bodyPr lIns="90000" rIns="90000" tIns="45000" bIns="45000" anchor="ctr"/>
+          <a:p>
+            <a:pPr algn="ctr">
+              <a:lnSpc>
+                <a:spcPct val="100000"/>
+              </a:lnSpc>
+            </a:pPr>
+            <a:r>
+              <a:rPr b="0" lang="pt-BR" sz="3200" spc="-1" strike="noStrike">
+                <a:solidFill>
+                  <a:srgbClr val="000000"/>
+                </a:solidFill>
+                <a:uFill>
+                  <a:solidFill>
+                    <a:srgbClr val="ffffff"/>
+                  </a:solidFill>
+                </a:uFill>
+                <a:latin typeface="Calibri"/>
+                <a:ea typeface="DejaVu Sans"/>
+              </a:rPr>
+              <a:t>Métricas – SONAR </a:t>
+            </a:r>
+            <a:endParaRPr b="0" lang="pt-BR" sz="1800" spc="-1" strike="noStrike">
+              <a:solidFill>
+                <a:srgbClr val="000000"/>
+              </a:solidFill>
+              <a:uFill>
+                <a:solidFill>
+                  <a:srgbClr val="ffffff"/>
+                </a:solidFill>
+              </a:uFill>
+              <a:latin typeface="Arial"/>
+            </a:endParaRPr>
+          </a:p>
+        </p:txBody>
+      </p:sp>
+      <p:pic>
+        <p:nvPicPr>
+          <p:cNvPr id="97" name="" descr=""/>
+          <p:cNvPicPr/>
+          <p:nvPr/>
+        </p:nvPicPr>
+        <p:blipFill>
+          <a:blip r:embed="rId1"/>
+          <a:stretch/>
+        </p:blipFill>
+        <p:spPr>
+          <a:xfrm>
+            <a:off x="360" y="1440000"/>
+            <a:ext cx="9142560" cy="4945320"/>
+          </a:xfrm>
+          <a:prstGeom prst="rect">
+            <a:avLst/>
+          </a:prstGeom>
+          <a:ln>
+            <a:noFill/>
+          </a:ln>
+        </p:spPr>
+      </p:pic>
+    </p:spTree>
+  </p:cSld>
+  <p:timing>
+    <p:tnLst>
+      <p:par>
+        <p:cTn id="25" dur="indefinite" restart="never" nodeType="tmRoot">
+          <p:childTnLst>
+            <p:seq>
+              <p:cTn id="26" nodeType="mainSeq"/>
+              <p:prevCondLst>
+                <p:cond delay="0" evt="onPrev">
+                  <p:tgtEl>
+                    <p:sldTgt/>
+                  </p:tgtEl>
+                </p:cond>
+              </p:prevCondLst>
+              <p:nextCondLst>
+                <p:cond delay="0" evt="onNext">
+                  <p:tgtEl>
+                    <p:sldTgt/>
+                  </p:tgtEl>
+                </p:cond>
+              </p:nextCondLst>
+            </p:seq>
+          </p:childTnLst>
+        </p:cTn>
+      </p:par>
+    </p:tnLst>
+  </p:timing>
+</p:sld>
+</file>
+
+<file path=ppt/slides/slide14.xml><?xml version="1.0" encoding="utf-8"?>
+<p:sld xmlns:a="http://schemas.openxmlformats.org/drawingml/2006/main" xmlns:p="http://schemas.openxmlformats.org/presentationml/2006/main" xmlns:r="http://schemas.openxmlformats.org/officeDocument/2006/relationships" xmlns:p14="http://schemas.microsoft.com/office/powerpoint/2010/main" xmlns:p15="http://schemas.microsoft.com/office/powerpoint/2012/main" xmlns:mc="http://schemas.openxmlformats.org/markup-compatibility/2006">
+  <p:cSld>
+    <p:spTree>
+      <p:nvGrpSpPr>
+        <p:cNvPr id="1" name=""/>
+        <p:cNvGrpSpPr/>
+        <p:nvPr/>
+      </p:nvGrpSpPr>
+      <p:grpSpPr>
+        <a:xfrm>
+          <a:off x="0" y="0"/>
+          <a:ext cx="0" cy="0"/>
+          <a:chOff x="0" y="0"/>
+          <a:chExt cx="0" cy="0"/>
+        </a:xfrm>
+      </p:grpSpPr>
+      <p:sp>
+        <p:nvSpPr>
+          <p:cNvPr id="98" name="CustomShape 1"/>
+          <p:cNvSpPr/>
+          <p:nvPr/>
+        </p:nvSpPr>
+        <p:spPr>
+          <a:xfrm>
+            <a:off x="457200" y="274680"/>
+            <a:ext cx="8227080" cy="1140480"/>
+          </a:xfrm>
+          <a:prstGeom prst="rect">
+            <a:avLst/>
+          </a:prstGeom>
+          <a:noFill/>
+          <a:ln>
+            <a:noFill/>
+          </a:ln>
+        </p:spPr>
+        <p:style>
+          <a:lnRef idx="0"/>
+          <a:fillRef idx="0"/>
+          <a:effectRef idx="0"/>
+          <a:fontRef idx="minor"/>
+        </p:style>
+        <p:txBody>
+          <a:bodyPr lIns="90000" rIns="90000" tIns="45000" bIns="45000" anchor="ctr"/>
+          <a:p>
+            <a:pPr algn="ctr">
+              <a:lnSpc>
+                <a:spcPct val="100000"/>
+              </a:lnSpc>
+            </a:pPr>
+            <a:r>
+              <a:rPr b="0" lang="pt-BR" sz="4400" spc="-1" strike="noStrike">
+                <a:solidFill>
+                  <a:srgbClr val="000000"/>
+                </a:solidFill>
+                <a:uFill>
+                  <a:solidFill>
+                    <a:srgbClr val="ffffff"/>
+                  </a:solidFill>
+                </a:uFill>
+                <a:latin typeface="Calibri"/>
+                <a:ea typeface="DejaVu Sans"/>
+              </a:rPr>
+              <a:t>Demais métricas</a:t>
+            </a:r>
+            <a:endParaRPr b="0" lang="pt-BR" sz="1800" spc="-1" strike="noStrike">
+              <a:solidFill>
+                <a:srgbClr val="000000"/>
+              </a:solidFill>
+              <a:uFill>
+                <a:solidFill>
+                  <a:srgbClr val="ffffff"/>
+                </a:solidFill>
+              </a:uFill>
+              <a:latin typeface="Arial"/>
+            </a:endParaRPr>
+          </a:p>
+        </p:txBody>
+      </p:sp>
+      <p:sp>
+        <p:nvSpPr>
+          <p:cNvPr id="99" name="CustomShape 2"/>
+          <p:cNvSpPr/>
+          <p:nvPr/>
+        </p:nvSpPr>
+        <p:spPr>
+          <a:xfrm>
+            <a:off x="457200" y="1600200"/>
+            <a:ext cx="8540640" cy="4523400"/>
+          </a:xfrm>
+          <a:prstGeom prst="rect">
+            <a:avLst/>
+          </a:prstGeom>
+          <a:noFill/>
+          <a:ln>
+            <a:noFill/>
+          </a:ln>
+        </p:spPr>
+        <p:style>
+          <a:lnRef idx="0"/>
+          <a:fillRef idx="0"/>
+          <a:effectRef idx="0"/>
+          <a:fontRef idx="minor"/>
+        </p:style>
+        <p:txBody>
+          <a:bodyPr lIns="90000" rIns="90000" tIns="45000" bIns="45000"/>
+          <a:p>
+            <a:pPr>
+              <a:lnSpc>
+                <a:spcPct val="100000"/>
+              </a:lnSpc>
+            </a:pPr>
+            <a:r>
+              <a:rPr b="0" lang="pt-BR" sz="2000" spc="-1" strike="noStrike" u="sng">
+                <a:solidFill>
+                  <a:srgbClr val="0000ff"/>
+                </a:solidFill>
+                <a:uFill>
+                  <a:solidFill>
+                    <a:srgbClr val="ffffff"/>
+                  </a:solidFill>
+                </a:uFill>
+                <a:latin typeface="Calibri"/>
+                <a:ea typeface="DejaVu Sans"/>
+                <a:hlinkClick r:id="rId1"/>
+              </a:rPr>
+              <a:t>https://github.com/AjudeMais/AjudeMais/tree/development/Sistema/002-Implementacao/ajudeMais-ws</a:t>
+            </a:r>
+            <a:endParaRPr b="0" lang="pt-BR" sz="1800" spc="-1" strike="noStrike">
+              <a:solidFill>
+                <a:srgbClr val="000000"/>
+              </a:solidFill>
+              <a:uFill>
+                <a:solidFill>
+                  <a:srgbClr val="ffffff"/>
+                </a:solidFill>
+              </a:uFill>
+              <a:latin typeface="Arial"/>
+            </a:endParaRPr>
+          </a:p>
+        </p:txBody>
+      </p:sp>
+    </p:spTree>
+  </p:cSld>
+  <p:timing>
+    <p:tnLst>
+      <p:par>
+        <p:cTn id="27" dur="indefinite" restart="never" nodeType="tmRoot">
+          <p:childTnLst>
+            <p:seq>
+              <p:cTn id="28" nodeType="mainSeq"/>
+              <p:prevCondLst>
+                <p:cond delay="0" evt="onPrev">
+                  <p:tgtEl>
+                    <p:sldTgt/>
+                  </p:tgtEl>
+                </p:cond>
+              </p:prevCondLst>
+              <p:nextCondLst>
+                <p:cond delay="0" evt="onNext">
+                  <p:tgtEl>
+                    <p:sldTgt/>
+                  </p:tgtEl>
+                </p:cond>
+              </p:nextCondLst>
+            </p:seq>
+          </p:childTnLst>
+        </p:cTn>
+      </p:par>
+    </p:tnLst>
+  </p:timing>
+</p:sld>
+</file>
+
+<file path=ppt/slides/slide15.xml><?xml version="1.0" encoding="utf-8"?>
+<p:sld xmlns:a="http://schemas.openxmlformats.org/drawingml/2006/main" xmlns:p="http://schemas.openxmlformats.org/presentationml/2006/main" xmlns:r="http://schemas.openxmlformats.org/officeDocument/2006/relationships" xmlns:p14="http://schemas.microsoft.com/office/powerpoint/2010/main" xmlns:p15="http://schemas.microsoft.com/office/powerpoint/2012/main" xmlns:mc="http://schemas.openxmlformats.org/markup-compatibility/2006">
+  <p:cSld>
+    <p:spTree>
+      <p:nvGrpSpPr>
+        <p:cNvPr id="1" name=""/>
+        <p:cNvGrpSpPr/>
+        <p:nvPr/>
+      </p:nvGrpSpPr>
+      <p:grpSpPr>
+        <a:xfrm>
+          <a:off x="0" y="0"/>
+          <a:ext cx="0" cy="0"/>
+          <a:chOff x="0" y="0"/>
+          <a:chExt cx="0" cy="0"/>
+        </a:xfrm>
+      </p:grpSpPr>
+      <p:sp>
+        <p:nvSpPr>
+          <p:cNvPr id="100" name="CustomShape 1"/>
+          <p:cNvSpPr/>
+          <p:nvPr/>
+        </p:nvSpPr>
+        <p:spPr>
+          <a:xfrm>
+            <a:off x="457200" y="274680"/>
+            <a:ext cx="8227080" cy="1140480"/>
+          </a:xfrm>
+          <a:prstGeom prst="rect">
+            <a:avLst/>
+          </a:prstGeom>
+          <a:noFill/>
+          <a:ln>
+            <a:noFill/>
+          </a:ln>
+        </p:spPr>
+        <p:style>
+          <a:lnRef idx="0"/>
+          <a:fillRef idx="0"/>
+          <a:effectRef idx="0"/>
+          <a:fontRef idx="minor"/>
+        </p:style>
+        <p:txBody>
+          <a:bodyPr lIns="90000" rIns="90000" tIns="45000" bIns="45000" anchor="ctr"/>
+          <a:p>
+            <a:pPr algn="ctr">
+              <a:lnSpc>
+                <a:spcPct val="100000"/>
+              </a:lnSpc>
+            </a:pPr>
+            <a:r>
+              <a:rPr b="0" lang="pt-BR" sz="4400" spc="-1" strike="noStrike">
+                <a:solidFill>
+                  <a:srgbClr val="000000"/>
+                </a:solidFill>
+                <a:uFill>
+                  <a:solidFill>
+                    <a:srgbClr val="ffffff"/>
+                  </a:solidFill>
+                </a:uFill>
+                <a:latin typeface="Calibri"/>
+                <a:ea typeface="DejaVu Sans"/>
+              </a:rPr>
+              <a:t>Lições aprendidas</a:t>
+            </a:r>
+            <a:endParaRPr b="0" lang="pt-BR" sz="1800" spc="-1" strike="noStrike">
+              <a:solidFill>
+                <a:srgbClr val="000000"/>
+              </a:solidFill>
+              <a:uFill>
+                <a:solidFill>
+                  <a:srgbClr val="ffffff"/>
+                </a:solidFill>
+              </a:uFill>
+              <a:latin typeface="Arial"/>
+            </a:endParaRPr>
+          </a:p>
+        </p:txBody>
+      </p:sp>
+      <p:sp>
+        <p:nvSpPr>
+          <p:cNvPr id="101" name="CustomShape 2"/>
+          <p:cNvSpPr/>
+          <p:nvPr/>
+        </p:nvSpPr>
+        <p:spPr>
+          <a:xfrm>
+            <a:off x="457200" y="1600200"/>
+            <a:ext cx="8540640" cy="4523400"/>
+          </a:xfrm>
+          <a:prstGeom prst="rect">
+            <a:avLst/>
+          </a:prstGeom>
+          <a:noFill/>
+          <a:ln>
+            <a:noFill/>
+          </a:ln>
+        </p:spPr>
+        <p:style>
+          <a:lnRef idx="0"/>
+          <a:fillRef idx="0"/>
+          <a:effectRef idx="0"/>
+          <a:fontRef idx="minor"/>
+        </p:style>
+        <p:txBody>
+          <a:bodyPr lIns="90000" rIns="90000" tIns="45000" bIns="45000"/>
+          <a:p>
+            <a:pPr marL="343080" indent="-340560">
+              <a:lnSpc>
+                <a:spcPct val="100000"/>
+              </a:lnSpc>
+              <a:buClr>
+                <a:srgbClr val="000000"/>
+              </a:buClr>
+              <a:buSzPct val="45000"/>
+              <a:buFont typeface="Wingdings" charset="2"/>
+              <a:buChar char=""/>
+            </a:pPr>
+            <a:r>
+              <a:rPr b="0" lang="pt-BR" sz="2000" spc="-1" strike="noStrike">
+                <a:solidFill>
+                  <a:srgbClr val="000000"/>
+                </a:solidFill>
+                <a:uFill>
+                  <a:solidFill>
+                    <a:srgbClr val="ffffff"/>
+                  </a:solidFill>
+                </a:uFill>
+                <a:latin typeface="Calibri"/>
+                <a:ea typeface="DejaVu Sans"/>
+              </a:rPr>
+              <a:t>Comunicação </a:t>
+            </a:r>
+            <a:r>
+              <a:rPr b="1" lang="pt-BR" sz="2000" spc="-1" strike="noStrike">
+                <a:solidFill>
+                  <a:srgbClr val="000000"/>
+                </a:solidFill>
+                <a:uFill>
+                  <a:solidFill>
+                    <a:srgbClr val="ffffff"/>
+                  </a:solidFill>
+                </a:uFill>
+                <a:latin typeface="Calibri"/>
+                <a:ea typeface="DejaVu Sans"/>
+              </a:rPr>
+              <a:t>[RISCO]</a:t>
+            </a:r>
+            <a:r>
+              <a:rPr b="0" lang="pt-BR" sz="2000" spc="-1" strike="noStrike">
+                <a:solidFill>
+                  <a:srgbClr val="000000"/>
+                </a:solidFill>
+                <a:uFill>
+                  <a:solidFill>
+                    <a:srgbClr val="ffffff"/>
+                  </a:solidFill>
+                </a:uFill>
+                <a:latin typeface="Calibri"/>
+                <a:ea typeface="DejaVu Sans"/>
+              </a:rPr>
+              <a:t>, definir reuniões presenciais pelo menos </a:t>
+            </a:r>
+            <a:r>
+              <a:rPr b="1" lang="pt-BR" sz="2000" spc="-1" strike="noStrike">
+                <a:solidFill>
+                  <a:srgbClr val="000000"/>
+                </a:solidFill>
+                <a:uFill>
+                  <a:solidFill>
+                    <a:srgbClr val="ffffff"/>
+                  </a:solidFill>
+                </a:uFill>
+                <a:latin typeface="Calibri"/>
+                <a:ea typeface="DejaVu Sans"/>
+              </a:rPr>
+              <a:t>uma vez por semana</a:t>
+            </a:r>
+            <a:r>
+              <a:rPr b="0" lang="pt-BR" sz="2000" spc="-1" strike="noStrike">
+                <a:solidFill>
+                  <a:srgbClr val="000000"/>
+                </a:solidFill>
+                <a:uFill>
+                  <a:solidFill>
+                    <a:srgbClr val="ffffff"/>
+                  </a:solidFill>
+                </a:uFill>
+                <a:latin typeface="Calibri"/>
+                <a:ea typeface="DejaVu Sans"/>
+              </a:rPr>
+              <a:t>. Além disso, cada membro relatar para o líder o que fez o que vai fazer e problemas enfrentados </a:t>
+            </a:r>
+            <a:r>
+              <a:rPr b="0" lang="pt-BR" sz="1800" spc="-1" strike="noStrike">
+                <a:solidFill>
+                  <a:srgbClr val="000000"/>
+                </a:solidFill>
+                <a:uFill>
+                  <a:solidFill>
+                    <a:srgbClr val="ffffff"/>
+                  </a:solidFill>
+                </a:uFill>
+                <a:latin typeface="Calibri"/>
+                <a:ea typeface="DejaVu Sans"/>
+              </a:rPr>
+              <a:t>(de acordo com o cronogrona).</a:t>
+            </a:r>
+            <a:endParaRPr b="0" lang="pt-BR" sz="1800" spc="-1" strike="noStrike">
+              <a:solidFill>
+                <a:srgbClr val="000000"/>
+              </a:solidFill>
+              <a:uFill>
+                <a:solidFill>
+                  <a:srgbClr val="ffffff"/>
+                </a:solidFill>
+              </a:uFill>
+              <a:latin typeface="Arial"/>
+            </a:endParaRPr>
+          </a:p>
+          <a:p>
+            <a:pPr marL="343080" indent="-340560">
+              <a:lnSpc>
+                <a:spcPct val="100000"/>
+              </a:lnSpc>
+              <a:buClr>
+                <a:srgbClr val="000000"/>
+              </a:buClr>
+              <a:buSzPct val="45000"/>
+              <a:buFont typeface="Wingdings" charset="2"/>
+              <a:buChar char=""/>
+            </a:pPr>
+            <a:r>
+              <a:rPr b="0" lang="pt-BR" sz="2000" spc="-1" strike="noStrike">
+                <a:solidFill>
+                  <a:srgbClr val="000000"/>
+                </a:solidFill>
+                <a:uFill>
+                  <a:solidFill>
+                    <a:srgbClr val="ffffff"/>
+                  </a:solidFill>
+                </a:uFill>
+                <a:latin typeface="Calibri"/>
+                <a:ea typeface="DejaVu Sans"/>
+              </a:rPr>
+              <a:t> </a:t>
+            </a:r>
+            <a:endParaRPr b="0" lang="pt-BR" sz="1800" spc="-1" strike="noStrike">
+              <a:solidFill>
+                <a:srgbClr val="000000"/>
+              </a:solidFill>
+              <a:uFill>
+                <a:solidFill>
+                  <a:srgbClr val="ffffff"/>
+                </a:solidFill>
+              </a:uFill>
+              <a:latin typeface="Arial"/>
+            </a:endParaRPr>
+          </a:p>
+          <a:p>
+            <a:pPr marL="343080" indent="-340560">
+              <a:lnSpc>
+                <a:spcPct val="100000"/>
+              </a:lnSpc>
+              <a:buClr>
+                <a:srgbClr val="000000"/>
+              </a:buClr>
+              <a:buSzPct val="45000"/>
+              <a:buFont typeface="Wingdings" charset="2"/>
+              <a:buChar char=""/>
+            </a:pPr>
+            <a:r>
+              <a:rPr b="0" lang="pt-BR" sz="2000" spc="-1" strike="noStrike">
+                <a:solidFill>
+                  <a:srgbClr val="000000"/>
+                </a:solidFill>
+                <a:uFill>
+                  <a:solidFill>
+                    <a:srgbClr val="ffffff"/>
+                  </a:solidFill>
+                </a:uFill>
+                <a:latin typeface="Calibri"/>
+                <a:ea typeface="DejaVu Sans"/>
+              </a:rPr>
+              <a:t>Definir no </a:t>
+            </a:r>
+            <a:r>
+              <a:rPr b="1" lang="pt-BR" sz="2000" spc="-1" strike="noStrike">
+                <a:solidFill>
+                  <a:srgbClr val="000000"/>
+                </a:solidFill>
+                <a:uFill>
+                  <a:solidFill>
+                    <a:srgbClr val="ffffff"/>
+                  </a:solidFill>
+                </a:uFill>
+                <a:latin typeface="Calibri"/>
+                <a:ea typeface="DejaVu Sans"/>
+              </a:rPr>
+              <a:t>planejamento</a:t>
+            </a:r>
+            <a:r>
+              <a:rPr b="0" lang="pt-BR" sz="2000" spc="-1" strike="noStrike">
+                <a:solidFill>
+                  <a:srgbClr val="000000"/>
+                </a:solidFill>
+                <a:uFill>
+                  <a:solidFill>
+                    <a:srgbClr val="ffffff"/>
+                  </a:solidFill>
+                </a:uFill>
+                <a:latin typeface="Calibri"/>
+                <a:ea typeface="DejaVu Sans"/>
+              </a:rPr>
+              <a:t> o que cada membro da Equipe vai fazer durante a sprint.</a:t>
+            </a:r>
+            <a:endParaRPr b="0" lang="pt-BR" sz="1800" spc="-1" strike="noStrike">
+              <a:solidFill>
+                <a:srgbClr val="000000"/>
+              </a:solidFill>
+              <a:uFill>
+                <a:solidFill>
+                  <a:srgbClr val="ffffff"/>
+                </a:solidFill>
+              </a:uFill>
+              <a:latin typeface="Arial"/>
+            </a:endParaRPr>
+          </a:p>
+          <a:p>
+            <a:pPr marL="343080" indent="-340560">
+              <a:lnSpc>
+                <a:spcPct val="100000"/>
+              </a:lnSpc>
+              <a:buClr>
+                <a:srgbClr val="000000"/>
+              </a:buClr>
+              <a:buSzPct val="45000"/>
+              <a:buFont typeface="Wingdings" charset="2"/>
+              <a:buChar char=""/>
+            </a:pPr>
+            <a:r>
+              <a:rPr b="0" lang="pt-BR" sz="2000" spc="-1" strike="noStrike">
+                <a:solidFill>
+                  <a:srgbClr val="000000"/>
+                </a:solidFill>
+                <a:uFill>
+                  <a:solidFill>
+                    <a:srgbClr val="ffffff"/>
+                  </a:solidFill>
+                </a:uFill>
+                <a:latin typeface="Calibri"/>
+                <a:ea typeface="DejaVu Sans"/>
+              </a:rPr>
+              <a:t> </a:t>
+            </a:r>
+            <a:endParaRPr b="0" lang="pt-BR" sz="1800" spc="-1" strike="noStrike">
+              <a:solidFill>
+                <a:srgbClr val="000000"/>
+              </a:solidFill>
+              <a:uFill>
+                <a:solidFill>
+                  <a:srgbClr val="ffffff"/>
+                </a:solidFill>
+              </a:uFill>
+              <a:latin typeface="Arial"/>
+            </a:endParaRPr>
+          </a:p>
+          <a:p>
+            <a:pPr marL="343080" indent="-340560">
+              <a:lnSpc>
+                <a:spcPct val="100000"/>
+              </a:lnSpc>
+              <a:buClr>
+                <a:srgbClr val="000000"/>
+              </a:buClr>
+              <a:buSzPct val="45000"/>
+              <a:buFont typeface="Wingdings" charset="2"/>
+              <a:buChar char=""/>
+            </a:pPr>
+            <a:r>
+              <a:rPr b="0" lang="pt-BR" sz="2000" spc="-1" strike="noStrike">
+                <a:solidFill>
+                  <a:srgbClr val="000000"/>
+                </a:solidFill>
+                <a:uFill>
+                  <a:solidFill>
+                    <a:srgbClr val="ffffff"/>
+                  </a:solidFill>
+                </a:uFill>
+                <a:latin typeface="Calibri"/>
+                <a:ea typeface="DejaVu Sans"/>
+              </a:rPr>
+              <a:t>Equipe se adaptar ao processo e </a:t>
+            </a:r>
+            <a:r>
+              <a:rPr b="1" lang="pt-BR" sz="2000" spc="-1" strike="noStrike">
+                <a:solidFill>
+                  <a:srgbClr val="000000"/>
+                </a:solidFill>
+                <a:uFill>
+                  <a:solidFill>
+                    <a:srgbClr val="ffffff"/>
+                  </a:solidFill>
+                </a:uFill>
+                <a:latin typeface="Calibri"/>
+                <a:ea typeface="DejaVu Sans"/>
+              </a:rPr>
+              <a:t>cronograma definidos</a:t>
+            </a:r>
+            <a:r>
+              <a:rPr b="0" lang="pt-BR" sz="2000" spc="-1" strike="noStrike">
+                <a:solidFill>
+                  <a:srgbClr val="000000"/>
+                </a:solidFill>
+                <a:uFill>
+                  <a:solidFill>
+                    <a:srgbClr val="ffffff"/>
+                  </a:solidFill>
+                </a:uFill>
+                <a:latin typeface="Calibri"/>
+                <a:ea typeface="DejaVu Sans"/>
+              </a:rPr>
+              <a:t>, </a:t>
+            </a:r>
+            <a:r>
+              <a:rPr b="1" lang="pt-BR" sz="2000" spc="-1" strike="noStrike">
+                <a:solidFill>
+                  <a:srgbClr val="000000"/>
+                </a:solidFill>
+                <a:uFill>
+                  <a:solidFill>
+                    <a:srgbClr val="ffffff"/>
+                  </a:solidFill>
+                </a:uFill>
+                <a:latin typeface="Calibri"/>
+                <a:ea typeface="DejaVu Sans"/>
+              </a:rPr>
+              <a:t>cumprindo com suas obrigações</a:t>
+            </a:r>
+            <a:r>
+              <a:rPr b="0" lang="pt-BR" sz="2000" spc="-1" strike="noStrike">
+                <a:solidFill>
+                  <a:srgbClr val="000000"/>
+                </a:solidFill>
+                <a:uFill>
+                  <a:solidFill>
+                    <a:srgbClr val="ffffff"/>
+                  </a:solidFill>
+                </a:uFill>
+                <a:latin typeface="Calibri"/>
+                <a:ea typeface="DejaVu Sans"/>
+              </a:rPr>
+              <a:t>.</a:t>
+            </a:r>
+            <a:endParaRPr b="0" lang="pt-BR" sz="1800" spc="-1" strike="noStrike">
+              <a:solidFill>
+                <a:srgbClr val="000000"/>
+              </a:solidFill>
+              <a:uFill>
+                <a:solidFill>
+                  <a:srgbClr val="ffffff"/>
+                </a:solidFill>
+              </a:uFill>
+              <a:latin typeface="Arial"/>
+            </a:endParaRPr>
+          </a:p>
+        </p:txBody>
+      </p:sp>
+    </p:spTree>
+  </p:cSld>
+  <p:timing>
+    <p:tnLst>
+      <p:par>
+        <p:cTn id="29" dur="indefinite" restart="never" nodeType="tmRoot">
+          <p:childTnLst>
+            <p:seq>
+              <p:cTn id="30" nodeType="mainSeq"/>
               <p:prevCondLst>
                 <p:cond delay="0" evt="onPrev">
                   <p:tgtEl>
@@ -3975,14 +5144,14 @@
       </p:grpSpPr>
       <p:sp>
         <p:nvSpPr>
-          <p:cNvPr id="75" name="CustomShape 1"/>
+          <p:cNvPr id="74" name="CustomShape 1"/>
           <p:cNvSpPr/>
           <p:nvPr/>
         </p:nvSpPr>
         <p:spPr>
           <a:xfrm>
             <a:off x="457200" y="274680"/>
-            <a:ext cx="8228520" cy="1141920"/>
+            <a:ext cx="8227080" cy="1140480"/>
           </a:xfrm>
           <a:prstGeom prst="rect">
             <a:avLst/>
@@ -4037,14 +5206,14 @@
       </p:sp>
       <p:sp>
         <p:nvSpPr>
-          <p:cNvPr id="76" name="CustomShape 2"/>
+          <p:cNvPr id="75" name="CustomShape 2"/>
           <p:cNvSpPr/>
           <p:nvPr/>
         </p:nvSpPr>
         <p:spPr>
           <a:xfrm>
             <a:off x="457200" y="1600200"/>
-            <a:ext cx="8228520" cy="4524840"/>
+            <a:ext cx="8227080" cy="4523400"/>
           </a:xfrm>
           <a:prstGeom prst="rect">
             <a:avLst/>
@@ -4063,7 +5232,7 @@
         <p:txBody>
           <a:bodyPr lIns="90000" rIns="90000" tIns="45000" bIns="45000"/>
           <a:p>
-            <a:pPr marL="343080" indent="-342000">
+            <a:pPr marL="343080" indent="-340560">
               <a:lnSpc>
                 <a:spcPct val="100000"/>
               </a:lnSpc>
@@ -4101,7 +5270,7 @@
             </a:endParaRPr>
           </a:p>
           <a:p>
-            <a:pPr marL="343080" indent="-342000">
+            <a:pPr marL="343080" indent="-340560">
               <a:lnSpc>
                 <a:spcPct val="100000"/>
               </a:lnSpc>
@@ -4139,7 +5308,7 @@
             </a:endParaRPr>
           </a:p>
           <a:p>
-            <a:pPr marL="343080" indent="-342000">
+            <a:pPr marL="343080" indent="-340560">
               <a:lnSpc>
                 <a:spcPct val="100000"/>
               </a:lnSpc>
@@ -4177,7 +5346,7 @@
             </a:endParaRPr>
           </a:p>
           <a:p>
-            <a:pPr marL="343080" indent="-342000">
+            <a:pPr marL="343080" indent="-340560">
               <a:lnSpc>
                 <a:spcPct val="100000"/>
               </a:lnSpc>
@@ -4215,7 +5384,7 @@
             </a:endParaRPr>
           </a:p>
           <a:p>
-            <a:pPr marL="343080" indent="-342000">
+            <a:pPr marL="343080" indent="-340560">
               <a:lnSpc>
                 <a:spcPct val="100000"/>
               </a:lnSpc>
@@ -4253,7 +5422,7 @@
             </a:endParaRPr>
           </a:p>
           <a:p>
-            <a:pPr marL="343080" indent="-342000">
+            <a:pPr marL="343080" indent="-340560">
               <a:lnSpc>
                 <a:spcPct val="100000"/>
               </a:lnSpc>
@@ -4343,14 +5512,14 @@
       </p:grpSpPr>
       <p:sp>
         <p:nvSpPr>
-          <p:cNvPr id="77" name="CustomShape 1"/>
+          <p:cNvPr id="76" name="CustomShape 1"/>
           <p:cNvSpPr/>
           <p:nvPr/>
         </p:nvSpPr>
         <p:spPr>
           <a:xfrm>
             <a:off x="457200" y="274680"/>
-            <a:ext cx="8228520" cy="1141920"/>
+            <a:ext cx="8227080" cy="1140480"/>
           </a:xfrm>
           <a:prstGeom prst="rect">
             <a:avLst/>
@@ -4405,14 +5574,14 @@
       </p:sp>
       <p:sp>
         <p:nvSpPr>
-          <p:cNvPr id="78" name="CustomShape 2"/>
+          <p:cNvPr id="77" name="CustomShape 2"/>
           <p:cNvSpPr/>
           <p:nvPr/>
         </p:nvSpPr>
         <p:spPr>
           <a:xfrm>
             <a:off x="457200" y="1600200"/>
-            <a:ext cx="8542080" cy="4524840"/>
+            <a:ext cx="8540640" cy="4523400"/>
           </a:xfrm>
           <a:prstGeom prst="rect">
             <a:avLst/>
@@ -4431,7 +5600,7 @@
         <p:txBody>
           <a:bodyPr lIns="90000" rIns="90000" tIns="45000" bIns="45000"/>
           <a:p>
-            <a:pPr marL="343080" indent="-342000">
+            <a:pPr marL="343080" indent="-340560">
               <a:lnSpc>
                 <a:spcPct val="100000"/>
               </a:lnSpc>
@@ -4455,7 +5624,7 @@
                 <a:latin typeface="Calibri"/>
                 <a:ea typeface="DejaVu Sans"/>
               </a:rPr>
-              <a:t>Login</a:t>
+              <a:t>Login;</a:t>
             </a:r>
             <a:endParaRPr b="0" lang="pt-BR" sz="1800" spc="-1" strike="noStrike">
               <a:solidFill>
@@ -4470,7 +5639,7 @@
             </a:endParaRPr>
           </a:p>
           <a:p>
-            <a:pPr marL="343080" indent="-342000">
+            <a:pPr marL="343080" indent="-340560">
               <a:lnSpc>
                 <a:spcPct val="100000"/>
               </a:lnSpc>
@@ -4494,7 +5663,7 @@
                 <a:latin typeface="Calibri"/>
                 <a:ea typeface="DejaVu Sans"/>
               </a:rPr>
-              <a:t>Gereciamento de Instituições de Caridade</a:t>
+              <a:t>Gereciamento de Instituições de Caridade;</a:t>
             </a:r>
             <a:endParaRPr b="0" lang="pt-BR" sz="1800" spc="-1" strike="noStrike">
               <a:solidFill>
@@ -4509,7 +5678,7 @@
             </a:endParaRPr>
           </a:p>
           <a:p>
-            <a:pPr marL="343080" indent="-342000">
+            <a:pPr marL="343080" indent="-340560">
               <a:lnSpc>
                 <a:spcPct val="100000"/>
               </a:lnSpc>
@@ -4548,7 +5717,7 @@
                 <a:latin typeface="Calibri"/>
                 <a:ea typeface="DejaVu Sans"/>
               </a:rPr>
-              <a:t> </a:t>
+              <a:t>;</a:t>
             </a:r>
             <a:endParaRPr b="0" lang="pt-BR" sz="1800" spc="-1" strike="noStrike">
               <a:solidFill>
@@ -4615,14 +5784,14 @@
       </p:grpSpPr>
       <p:sp>
         <p:nvSpPr>
-          <p:cNvPr id="79" name="CustomShape 1"/>
+          <p:cNvPr id="78" name="CustomShape 1"/>
           <p:cNvSpPr/>
           <p:nvPr/>
         </p:nvSpPr>
         <p:spPr>
           <a:xfrm>
             <a:off x="457200" y="274680"/>
-            <a:ext cx="8228520" cy="1141920"/>
+            <a:ext cx="8227080" cy="1140480"/>
           </a:xfrm>
           <a:prstGeom prst="rect">
             <a:avLst/>
@@ -4677,14 +5846,14 @@
       </p:sp>
       <p:sp>
         <p:nvSpPr>
-          <p:cNvPr id="80" name="CustomShape 2"/>
+          <p:cNvPr id="79" name="CustomShape 2"/>
           <p:cNvSpPr/>
           <p:nvPr/>
         </p:nvSpPr>
         <p:spPr>
           <a:xfrm>
             <a:off x="457200" y="1600200"/>
-            <a:ext cx="8542080" cy="4524840"/>
+            <a:ext cx="8540640" cy="4523400"/>
           </a:xfrm>
           <a:prstGeom prst="rect">
             <a:avLst/>
@@ -4703,7 +5872,7 @@
         <p:txBody>
           <a:bodyPr lIns="90000" rIns="90000" tIns="45000" bIns="45000"/>
           <a:p>
-            <a:pPr marL="343080" indent="-342000">
+            <a:pPr marL="343080" indent="-340560">
               <a:lnSpc>
                 <a:spcPct val="100000"/>
               </a:lnSpc>
@@ -4742,7 +5911,7 @@
             </a:endParaRPr>
           </a:p>
           <a:p>
-            <a:pPr marL="343080" indent="-342000">
+            <a:pPr marL="343080" indent="-340560">
               <a:lnSpc>
                 <a:spcPct val="100000"/>
               </a:lnSpc>
@@ -4781,7 +5950,7 @@
             </a:endParaRPr>
           </a:p>
           <a:p>
-            <a:pPr marL="343080" indent="-342000">
+            <a:pPr marL="343080" indent="-340560">
               <a:lnSpc>
                 <a:spcPct val="100000"/>
               </a:lnSpc>
@@ -4872,14 +6041,14 @@
       </p:grpSpPr>
       <p:sp>
         <p:nvSpPr>
-          <p:cNvPr id="81" name="CustomShape 1"/>
+          <p:cNvPr id="80" name="CustomShape 1"/>
           <p:cNvSpPr/>
           <p:nvPr/>
         </p:nvSpPr>
         <p:spPr>
           <a:xfrm>
             <a:off x="457200" y="274680"/>
-            <a:ext cx="8228520" cy="1141920"/>
+            <a:ext cx="8227080" cy="1140480"/>
           </a:xfrm>
           <a:prstGeom prst="rect">
             <a:avLst/>
@@ -4934,14 +6103,14 @@
       </p:sp>
       <p:sp>
         <p:nvSpPr>
-          <p:cNvPr id="82" name="CustomShape 2"/>
+          <p:cNvPr id="81" name="CustomShape 2"/>
           <p:cNvSpPr/>
           <p:nvPr/>
         </p:nvSpPr>
         <p:spPr>
           <a:xfrm>
             <a:off x="457200" y="1600200"/>
-            <a:ext cx="8542080" cy="4524840"/>
+            <a:ext cx="8540640" cy="4523400"/>
           </a:xfrm>
           <a:prstGeom prst="rect">
             <a:avLst/>
@@ -4960,7 +6129,7 @@
         <p:txBody>
           <a:bodyPr lIns="90000" rIns="90000" tIns="45000" bIns="45000"/>
           <a:p>
-            <a:pPr marL="343080" indent="-342000">
+            <a:pPr marL="343080" indent="-340560">
               <a:lnSpc>
                 <a:spcPct val="100000"/>
               </a:lnSpc>
@@ -4999,7 +6168,7 @@
             </a:endParaRPr>
           </a:p>
           <a:p>
-            <a:pPr marL="343080" indent="-342000">
+            <a:pPr marL="343080" indent="-340560">
               <a:lnSpc>
                 <a:spcPct val="100000"/>
               </a:lnSpc>
@@ -5038,7 +6207,7 @@
             </a:endParaRPr>
           </a:p>
           <a:p>
-            <a:pPr marL="343080" indent="-342000">
+            <a:pPr marL="343080" indent="-340560">
               <a:lnSpc>
                 <a:spcPct val="100000"/>
               </a:lnSpc>
@@ -5129,14 +6298,14 @@
       </p:grpSpPr>
       <p:sp>
         <p:nvSpPr>
-          <p:cNvPr id="83" name="CustomShape 1"/>
+          <p:cNvPr id="82" name="CustomShape 1"/>
           <p:cNvSpPr/>
           <p:nvPr/>
         </p:nvSpPr>
         <p:spPr>
           <a:xfrm>
             <a:off x="457200" y="274680"/>
-            <a:ext cx="8228520" cy="1141920"/>
+            <a:ext cx="8227080" cy="1140480"/>
           </a:xfrm>
           <a:prstGeom prst="rect">
             <a:avLst/>
@@ -5173,8 +6342,127 @@
                 <a:latin typeface="Calibri"/>
                 <a:ea typeface="DejaVu Sans"/>
               </a:rPr>
-              <a:t>Métricas </a:t>
+              <a:t>Validação do Produto</a:t>
             </a:r>
+            <a:endParaRPr b="0" lang="pt-BR" sz="1800" spc="-1" strike="noStrike">
+              <a:solidFill>
+                <a:srgbClr val="000000"/>
+              </a:solidFill>
+              <a:uFill>
+                <a:solidFill>
+                  <a:srgbClr val="ffffff"/>
+                </a:solidFill>
+              </a:uFill>
+              <a:latin typeface="Arial"/>
+            </a:endParaRPr>
+          </a:p>
+        </p:txBody>
+      </p:sp>
+      <p:sp>
+        <p:nvSpPr>
+          <p:cNvPr id="83" name="CustomShape 2"/>
+          <p:cNvSpPr/>
+          <p:nvPr/>
+        </p:nvSpPr>
+        <p:spPr>
+          <a:xfrm>
+            <a:off x="457200" y="1600200"/>
+            <a:ext cx="8540640" cy="4523400"/>
+          </a:xfrm>
+          <a:prstGeom prst="rect">
+            <a:avLst/>
+          </a:prstGeom>
+          <a:noFill/>
+          <a:ln>
+            <a:noFill/>
+          </a:ln>
+        </p:spPr>
+        <p:style>
+          <a:lnRef idx="0"/>
+          <a:fillRef idx="0"/>
+          <a:effectRef idx="0"/>
+          <a:fontRef idx="minor"/>
+        </p:style>
+        <p:txBody>
+          <a:bodyPr lIns="90000" rIns="90000" tIns="45000" bIns="45000"/>
+          <a:p>
+            <a:pPr marL="343080" indent="-340560">
+              <a:lnSpc>
+                <a:spcPct val="100000"/>
+              </a:lnSpc>
+              <a:buClr>
+                <a:srgbClr val="000000"/>
+              </a:buClr>
+              <a:buSzPct val="45000"/>
+              <a:buFont typeface="Wingdings" charset="2"/>
+              <a:buChar char=""/>
+            </a:pPr>
+            <a:r>
+              <a:rPr b="0" lang="pt-BR" sz="2800" spc="-1" strike="noStrike">
+                <a:solidFill>
+                  <a:srgbClr val="000000"/>
+                </a:solidFill>
+                <a:uFill>
+                  <a:solidFill>
+                    <a:srgbClr val="ffffff"/>
+                  </a:solidFill>
+                </a:uFill>
+                <a:latin typeface="Calibri"/>
+                <a:ea typeface="DejaVu Sans"/>
+              </a:rPr>
+              <a:t>Cliente satisfeito com resultado </a:t>
+            </a:r>
+            <a:r>
+              <a:rPr b="0" lang="pt-BR" sz="2400" spc="-1" strike="noStrike">
+                <a:solidFill>
+                  <a:srgbClr val="000000"/>
+                </a:solidFill>
+                <a:uFill>
+                  <a:solidFill>
+                    <a:srgbClr val="ffffff"/>
+                  </a:solidFill>
+                </a:uFill>
+                <a:latin typeface="Calibri"/>
+                <a:ea typeface="DejaVu Sans"/>
+              </a:rPr>
+              <a:t>(verificar roteiro de validação e feedback do cliente)</a:t>
+            </a:r>
+            <a:endParaRPr b="0" lang="pt-BR" sz="1800" spc="-1" strike="noStrike">
+              <a:solidFill>
+                <a:srgbClr val="000000"/>
+              </a:solidFill>
+              <a:uFill>
+                <a:solidFill>
+                  <a:srgbClr val="ffffff"/>
+                </a:solidFill>
+              </a:uFill>
+              <a:latin typeface="Arial"/>
+            </a:endParaRPr>
+          </a:p>
+          <a:p>
+            <a:pPr>
+              <a:lnSpc>
+                <a:spcPct val="100000"/>
+              </a:lnSpc>
+            </a:pPr>
+            <a:endParaRPr b="0" lang="pt-BR" sz="1800" spc="-1" strike="noStrike">
+              <a:solidFill>
+                <a:srgbClr val="000000"/>
+              </a:solidFill>
+              <a:uFill>
+                <a:solidFill>
+                  <a:srgbClr val="ffffff"/>
+                </a:solidFill>
+              </a:uFill>
+              <a:latin typeface="Arial"/>
+            </a:endParaRPr>
+          </a:p>
+          <a:p>
+            <a:pPr>
+              <a:lnSpc>
+                <a:spcPct val="100000"/>
+              </a:lnSpc>
+            </a:pPr>
             <a:endParaRPr b="0" lang="pt-BR" sz="1800" spc="-1" strike="noStrike">
               <a:solidFill>
                 <a:srgbClr val="000000"/>
@@ -5247,7 +6535,7 @@
         <p:spPr>
           <a:xfrm>
             <a:off x="457200" y="274680"/>
-            <a:ext cx="8228520" cy="1141920"/>
+            <a:ext cx="8227080" cy="1140480"/>
           </a:xfrm>
           <a:prstGeom prst="rect">
             <a:avLst/>
@@ -5272,7 +6560,7 @@
               </a:lnSpc>
             </a:pPr>
             <a:r>
-              <a:rPr b="0" lang="pt-BR" sz="4400" spc="-1" strike="noStrike">
+              <a:rPr b="0" lang="pt-BR" sz="3200" spc="-1" strike="noStrike">
                 <a:solidFill>
                   <a:srgbClr val="000000"/>
                 </a:solidFill>
@@ -5284,7 +6572,7 @@
                 <a:latin typeface="Calibri"/>
                 <a:ea typeface="DejaVu Sans"/>
               </a:rPr>
-              <a:t>Lições aprendidas</a:t>
+              <a:t>Burndown da Iteração</a:t>
             </a:r>
             <a:endParaRPr b="0" lang="pt-BR" sz="1800" spc="-1" strike="noStrike">
               <a:solidFill>
@@ -5300,512 +6588,29 @@
           </a:p>
         </p:txBody>
       </p:sp>
-      <p:sp>
-        <p:nvSpPr>
-          <p:cNvPr id="85" name="CustomShape 2"/>
-          <p:cNvSpPr/>
+      <p:pic>
+        <p:nvPicPr>
+          <p:cNvPr id="85" name="" descr=""/>
+          <p:cNvPicPr/>
           <p:nvPr/>
-        </p:nvSpPr>
-        <p:spPr>
-          <a:xfrm>
-            <a:off x="457200" y="1600200"/>
-            <a:ext cx="8542080" cy="4524840"/>
-          </a:xfrm>
-          <a:prstGeom prst="rect">
-            <a:avLst/>
-          </a:prstGeom>
-          <a:noFill/>
+        </p:nvPicPr>
+        <p:blipFill>
+          <a:blip r:embed="rId1"/>
+          <a:stretch/>
+        </p:blipFill>
+        <p:spPr>
+          <a:xfrm>
+            <a:off x="360" y="2088000"/>
+            <a:ext cx="9142560" cy="2220840"/>
+          </a:xfrm>
+          <a:prstGeom prst="rect">
+            <a:avLst/>
+          </a:prstGeom>
           <a:ln>
             <a:noFill/>
           </a:ln>
         </p:spPr>
-        <p:style>
-          <a:lnRef idx="0"/>
-          <a:fillRef idx="0"/>
-          <a:effectRef idx="0"/>
-          <a:fontRef idx="minor"/>
-        </p:style>
-        <p:txBody>
-          <a:bodyPr lIns="90000" rIns="90000" tIns="45000" bIns="45000"/>
-          <a:p>
-            <a:pPr marL="343080" indent="-342000">
-              <a:lnSpc>
-                <a:spcPct val="100000"/>
-              </a:lnSpc>
-              <a:buClr>
-                <a:srgbClr val="000000"/>
-              </a:buClr>
-              <a:buSzPct val="45000"/>
-              <a:buFont typeface="Wingdings" charset="2"/>
-              <a:buChar char=""/>
-            </a:pPr>
-            <a:r>
-              <a:rPr b="0" lang="pt-BR" sz="2000" spc="-1" strike="noStrike">
-                <a:solidFill>
-                  <a:srgbClr val="000000"/>
-                </a:solidFill>
-                <a:uFill>
-                  <a:solidFill>
-                    <a:srgbClr val="ffffff"/>
-                  </a:solidFill>
-                </a:uFill>
-                <a:latin typeface="Calibri"/>
-                <a:ea typeface="DejaVu Sans"/>
-              </a:rPr>
-              <a:t>Comunicação </a:t>
-            </a:r>
-            <a:r>
-              <a:rPr b="1" lang="pt-BR" sz="2000" spc="-1" strike="noStrike">
-                <a:solidFill>
-                  <a:srgbClr val="000000"/>
-                </a:solidFill>
-                <a:uFill>
-                  <a:solidFill>
-                    <a:srgbClr val="ffffff"/>
-                  </a:solidFill>
-                </a:uFill>
-                <a:latin typeface="Calibri"/>
-                <a:ea typeface="DejaVu Sans"/>
-              </a:rPr>
-              <a:t>[RISCO]</a:t>
-            </a:r>
-            <a:r>
-              <a:rPr b="0" lang="pt-BR" sz="2000" spc="-1" strike="noStrike">
-                <a:solidFill>
-                  <a:srgbClr val="000000"/>
-                </a:solidFill>
-                <a:uFill>
-                  <a:solidFill>
-                    <a:srgbClr val="ffffff"/>
-                  </a:solidFill>
-                </a:uFill>
-                <a:latin typeface="Calibri"/>
-                <a:ea typeface="DejaVu Sans"/>
-              </a:rPr>
-              <a:t>, definir reuniões presenciais pelo menos </a:t>
-            </a:r>
-            <a:r>
-              <a:rPr b="1" lang="pt-BR" sz="2000" spc="-1" strike="noStrike">
-                <a:solidFill>
-                  <a:srgbClr val="000000"/>
-                </a:solidFill>
-                <a:uFill>
-                  <a:solidFill>
-                    <a:srgbClr val="ffffff"/>
-                  </a:solidFill>
-                </a:uFill>
-                <a:latin typeface="Calibri"/>
-                <a:ea typeface="DejaVu Sans"/>
-              </a:rPr>
-              <a:t>uma vez por semana</a:t>
-            </a:r>
-            <a:r>
-              <a:rPr b="0" lang="pt-BR" sz="2000" spc="-1" strike="noStrike">
-                <a:solidFill>
-                  <a:srgbClr val="000000"/>
-                </a:solidFill>
-                <a:uFill>
-                  <a:solidFill>
-                    <a:srgbClr val="ffffff"/>
-                  </a:solidFill>
-                </a:uFill>
-                <a:latin typeface="Calibri"/>
-                <a:ea typeface="DejaVu Sans"/>
-              </a:rPr>
-              <a:t>. Além disso, cada membro relatar para o líder o que fez o que vai fazer e problemas enfrentados </a:t>
-            </a:r>
-            <a:r>
-              <a:rPr b="0" lang="pt-BR" sz="1800" spc="-1" strike="noStrike">
-                <a:solidFill>
-                  <a:srgbClr val="000000"/>
-                </a:solidFill>
-                <a:uFill>
-                  <a:solidFill>
-                    <a:srgbClr val="ffffff"/>
-                  </a:solidFill>
-                </a:uFill>
-                <a:latin typeface="Calibri"/>
-                <a:ea typeface="DejaVu Sans"/>
-              </a:rPr>
-              <a:t>(de acordo com o cronogrona).</a:t>
-            </a:r>
-            <a:endParaRPr b="0" lang="pt-BR" sz="2000" spc="-1" strike="noStrike">
-              <a:solidFill>
-                <a:srgbClr val="000000"/>
-              </a:solidFill>
-              <a:uFill>
-                <a:solidFill>
-                  <a:srgbClr val="ffffff"/>
-                </a:solidFill>
-              </a:uFill>
-              <a:latin typeface="Arial"/>
-            </a:endParaRPr>
-          </a:p>
-          <a:p>
-            <a:pPr marL="343080" indent="-342000">
-              <a:lnSpc>
-                <a:spcPct val="100000"/>
-              </a:lnSpc>
-              <a:buClr>
-                <a:srgbClr val="000000"/>
-              </a:buClr>
-              <a:buSzPct val="45000"/>
-              <a:buFont typeface="Wingdings" charset="2"/>
-              <a:buChar char=""/>
-            </a:pPr>
-            <a:r>
-              <a:rPr b="0" lang="pt-BR" sz="2000" spc="-1" strike="noStrike">
-                <a:solidFill>
-                  <a:srgbClr val="000000"/>
-                </a:solidFill>
-                <a:uFill>
-                  <a:solidFill>
-                    <a:srgbClr val="ffffff"/>
-                  </a:solidFill>
-                </a:uFill>
-                <a:latin typeface="Calibri"/>
-                <a:ea typeface="DejaVu Sans"/>
-              </a:rPr>
-              <a:t> </a:t>
-            </a:r>
-            <a:endParaRPr b="0" lang="pt-BR" sz="2000" spc="-1" strike="noStrike">
-              <a:solidFill>
-                <a:srgbClr val="000000"/>
-              </a:solidFill>
-              <a:uFill>
-                <a:solidFill>
-                  <a:srgbClr val="ffffff"/>
-                </a:solidFill>
-              </a:uFill>
-              <a:latin typeface="Arial"/>
-            </a:endParaRPr>
-          </a:p>
-          <a:p>
-            <a:pPr marL="343080" indent="-342000">
-              <a:lnSpc>
-                <a:spcPct val="100000"/>
-              </a:lnSpc>
-              <a:buClr>
-                <a:srgbClr val="000000"/>
-              </a:buClr>
-              <a:buSzPct val="45000"/>
-              <a:buFont typeface="Wingdings" charset="2"/>
-              <a:buChar char=""/>
-            </a:pPr>
-            <a:r>
-              <a:rPr b="0" lang="pt-BR" sz="2000" spc="-1" strike="noStrike">
-                <a:solidFill>
-                  <a:srgbClr val="000000"/>
-                </a:solidFill>
-                <a:uFill>
-                  <a:solidFill>
-                    <a:srgbClr val="ffffff"/>
-                  </a:solidFill>
-                </a:uFill>
-                <a:latin typeface="Calibri"/>
-                <a:ea typeface="DejaVu Sans"/>
-              </a:rPr>
-              <a:t>Definir no </a:t>
-            </a:r>
-            <a:r>
-              <a:rPr b="1" lang="pt-BR" sz="2000" spc="-1" strike="noStrike">
-                <a:solidFill>
-                  <a:srgbClr val="000000"/>
-                </a:solidFill>
-                <a:uFill>
-                  <a:solidFill>
-                    <a:srgbClr val="ffffff"/>
-                  </a:solidFill>
-                </a:uFill>
-                <a:latin typeface="Calibri"/>
-                <a:ea typeface="DejaVu Sans"/>
-              </a:rPr>
-              <a:t>planejamento</a:t>
-            </a:r>
-            <a:r>
-              <a:rPr b="0" lang="pt-BR" sz="2000" spc="-1" strike="noStrike">
-                <a:solidFill>
-                  <a:srgbClr val="000000"/>
-                </a:solidFill>
-                <a:uFill>
-                  <a:solidFill>
-                    <a:srgbClr val="ffffff"/>
-                  </a:solidFill>
-                </a:uFill>
-                <a:latin typeface="Calibri"/>
-                <a:ea typeface="DejaVu Sans"/>
-              </a:rPr>
-              <a:t> o que cada membro da Equipe vai fazer durante a sprint.</a:t>
-            </a:r>
-            <a:endParaRPr b="0" lang="pt-BR" sz="2000" spc="-1" strike="noStrike">
-              <a:solidFill>
-                <a:srgbClr val="000000"/>
-              </a:solidFill>
-              <a:uFill>
-                <a:solidFill>
-                  <a:srgbClr val="ffffff"/>
-                </a:solidFill>
-              </a:uFill>
-              <a:latin typeface="Arial"/>
-            </a:endParaRPr>
-          </a:p>
-          <a:p>
-            <a:pPr marL="343080" indent="-342000">
-              <a:lnSpc>
-                <a:spcPct val="100000"/>
-              </a:lnSpc>
-              <a:buClr>
-                <a:srgbClr val="000000"/>
-              </a:buClr>
-              <a:buSzPct val="45000"/>
-              <a:buFont typeface="Wingdings" charset="2"/>
-              <a:buChar char=""/>
-            </a:pPr>
-            <a:r>
-              <a:rPr b="0" lang="pt-BR" sz="2000" spc="-1" strike="noStrike">
-                <a:solidFill>
-                  <a:srgbClr val="000000"/>
-                </a:solidFill>
-                <a:uFill>
-                  <a:solidFill>
-                    <a:srgbClr val="ffffff"/>
-                  </a:solidFill>
-                </a:uFill>
-                <a:latin typeface="Calibri"/>
-                <a:ea typeface="DejaVu Sans"/>
-              </a:rPr>
-              <a:t> </a:t>
-            </a:r>
-            <a:endParaRPr b="0" lang="pt-BR" sz="2000" spc="-1" strike="noStrike">
-              <a:solidFill>
-                <a:srgbClr val="000000"/>
-              </a:solidFill>
-              <a:uFill>
-                <a:solidFill>
-                  <a:srgbClr val="ffffff"/>
-                </a:solidFill>
-              </a:uFill>
-              <a:latin typeface="Arial"/>
-            </a:endParaRPr>
-          </a:p>
-          <a:p>
-            <a:pPr marL="343080" indent="-342000">
-              <a:lnSpc>
-                <a:spcPct val="100000"/>
-              </a:lnSpc>
-              <a:buClr>
-                <a:srgbClr val="000000"/>
-              </a:buClr>
-              <a:buSzPct val="45000"/>
-              <a:buFont typeface="Wingdings" charset="2"/>
-              <a:buChar char=""/>
-            </a:pPr>
-            <a:r>
-              <a:rPr b="0" lang="pt-BR" sz="2000" spc="-1" strike="noStrike">
-                <a:solidFill>
-                  <a:srgbClr val="000000"/>
-                </a:solidFill>
-                <a:uFill>
-                  <a:solidFill>
-                    <a:srgbClr val="ffffff"/>
-                  </a:solidFill>
-                </a:uFill>
-                <a:latin typeface="Calibri"/>
-                <a:ea typeface="DejaVu Sans"/>
-              </a:rPr>
-              <a:t>Equipe se adaptar ao processo e </a:t>
-            </a:r>
-            <a:r>
-              <a:rPr b="1" lang="pt-BR" sz="2000" spc="-1" strike="noStrike">
-                <a:solidFill>
-                  <a:srgbClr val="000000"/>
-                </a:solidFill>
-                <a:uFill>
-                  <a:solidFill>
-                    <a:srgbClr val="ffffff"/>
-                  </a:solidFill>
-                </a:uFill>
-                <a:latin typeface="Calibri"/>
-                <a:ea typeface="DejaVu Sans"/>
-              </a:rPr>
-              <a:t>cronograma definidos</a:t>
-            </a:r>
-            <a:r>
-              <a:rPr b="0" lang="pt-BR" sz="2000" spc="-1" strike="noStrike">
-                <a:solidFill>
-                  <a:srgbClr val="000000"/>
-                </a:solidFill>
-                <a:uFill>
-                  <a:solidFill>
-                    <a:srgbClr val="ffffff"/>
-                  </a:solidFill>
-                </a:uFill>
-                <a:latin typeface="Calibri"/>
-                <a:ea typeface="DejaVu Sans"/>
-              </a:rPr>
-              <a:t>, </a:t>
-            </a:r>
-            <a:r>
-              <a:rPr b="1" lang="pt-BR" sz="2000" spc="-1" strike="noStrike">
-                <a:solidFill>
-                  <a:srgbClr val="000000"/>
-                </a:solidFill>
-                <a:uFill>
-                  <a:solidFill>
-                    <a:srgbClr val="ffffff"/>
-                  </a:solidFill>
-                </a:uFill>
-                <a:latin typeface="Calibri"/>
-                <a:ea typeface="DejaVu Sans"/>
-              </a:rPr>
-              <a:t>cumprindo com suas obrigações</a:t>
-            </a:r>
-            <a:r>
-              <a:rPr b="0" lang="pt-BR" sz="2000" spc="-1" strike="noStrike">
-                <a:solidFill>
-                  <a:srgbClr val="000000"/>
-                </a:solidFill>
-                <a:uFill>
-                  <a:solidFill>
-                    <a:srgbClr val="ffffff"/>
-                  </a:solidFill>
-                </a:uFill>
-                <a:latin typeface="Calibri"/>
-                <a:ea typeface="DejaVu Sans"/>
-              </a:rPr>
-              <a:t>.</a:t>
-            </a:r>
-            <a:endParaRPr b="0" lang="pt-BR" sz="2000" spc="-1" strike="noStrike">
-              <a:solidFill>
-                <a:srgbClr val="000000"/>
-              </a:solidFill>
-              <a:uFill>
-                <a:solidFill>
-                  <a:srgbClr val="ffffff"/>
-                </a:solidFill>
-              </a:uFill>
-              <a:latin typeface="Arial"/>
-            </a:endParaRPr>
-          </a:p>
-          <a:p>
-            <a:pPr>
-              <a:lnSpc>
-                <a:spcPct val="100000"/>
-              </a:lnSpc>
-            </a:pPr>
-            <a:endParaRPr b="0" lang="pt-BR" sz="2000" spc="-1" strike="noStrike">
-              <a:solidFill>
-                <a:srgbClr val="000000"/>
-              </a:solidFill>
-              <a:uFill>
-                <a:solidFill>
-                  <a:srgbClr val="ffffff"/>
-                </a:solidFill>
-              </a:uFill>
-              <a:latin typeface="Arial"/>
-            </a:endParaRPr>
-          </a:p>
-          <a:p>
-            <a:pPr marL="343080" indent="-342000">
-              <a:lnSpc>
-                <a:spcPct val="100000"/>
-              </a:lnSpc>
-              <a:buClr>
-                <a:srgbClr val="000000"/>
-              </a:buClr>
-              <a:buSzPct val="45000"/>
-              <a:buFont typeface="Wingdings" charset="2"/>
-              <a:buChar char=""/>
-            </a:pPr>
-            <a:r>
-              <a:rPr b="0" lang="pt-BR" sz="2000" spc="-1" strike="noStrike">
-                <a:solidFill>
-                  <a:srgbClr val="000000"/>
-                </a:solidFill>
-                <a:uFill>
-                  <a:solidFill>
-                    <a:srgbClr val="ffffff"/>
-                  </a:solidFill>
-                </a:uFill>
-                <a:latin typeface="Calibri"/>
-                <a:ea typeface="DejaVu Sans"/>
-              </a:rPr>
-              <a:t>Equipe, tanto de forma individual, quanto em conjunto saber </a:t>
-            </a:r>
-            <a:r>
-              <a:rPr b="1" lang="pt-BR" sz="2000" spc="-1" strike="noStrike">
-                <a:solidFill>
-                  <a:srgbClr val="000000"/>
-                </a:solidFill>
-                <a:uFill>
-                  <a:solidFill>
-                    <a:srgbClr val="ffffff"/>
-                  </a:solidFill>
-                </a:uFill>
-                <a:latin typeface="Calibri"/>
-                <a:ea typeface="DejaVu Sans"/>
-              </a:rPr>
-              <a:t>reconhecer problemas</a:t>
-            </a:r>
-            <a:r>
-              <a:rPr b="0" lang="pt-BR" sz="2000" spc="-1" strike="noStrike">
-                <a:solidFill>
-                  <a:srgbClr val="000000"/>
-                </a:solidFill>
-                <a:uFill>
-                  <a:solidFill>
-                    <a:srgbClr val="ffffff"/>
-                  </a:solidFill>
-                </a:uFill>
-                <a:latin typeface="Calibri"/>
-                <a:ea typeface="DejaVu Sans"/>
-              </a:rPr>
-              <a:t> e saber resolver de forma </a:t>
-            </a:r>
-            <a:r>
-              <a:rPr b="1" lang="pt-BR" sz="2000" spc="-1" strike="noStrike">
-                <a:solidFill>
-                  <a:srgbClr val="000000"/>
-                </a:solidFill>
-                <a:uFill>
-                  <a:solidFill>
-                    <a:srgbClr val="ffffff"/>
-                  </a:solidFill>
-                </a:uFill>
-                <a:latin typeface="Calibri"/>
-                <a:ea typeface="DejaVu Sans"/>
-              </a:rPr>
-              <a:t>profissional</a:t>
-            </a:r>
-            <a:r>
-              <a:rPr b="0" lang="pt-BR" sz="2000" spc="-1" strike="noStrike">
-                <a:solidFill>
-                  <a:srgbClr val="000000"/>
-                </a:solidFill>
-                <a:uFill>
-                  <a:solidFill>
-                    <a:srgbClr val="ffffff"/>
-                  </a:solidFill>
-                </a:uFill>
-                <a:latin typeface="Calibri"/>
-                <a:ea typeface="DejaVu Sans"/>
-              </a:rPr>
-              <a:t>.</a:t>
-            </a:r>
-            <a:endParaRPr b="0" lang="pt-BR" sz="2000" spc="-1" strike="noStrike">
-              <a:solidFill>
-                <a:srgbClr val="000000"/>
-              </a:solidFill>
-              <a:uFill>
-                <a:solidFill>
-                  <a:srgbClr val="ffffff"/>
-                </a:solidFill>
-              </a:uFill>
-              <a:latin typeface="Arial"/>
-            </a:endParaRPr>
-          </a:p>
-        </p:txBody>
-      </p:sp>
+      </p:pic>
     </p:spTree>
   </p:cSld>
   <p:timing>
@@ -5815,6 +6620,275 @@
           <p:childTnLst>
             <p:seq>
               <p:cTn id="14" nodeType="mainSeq"/>
+              <p:prevCondLst>
+                <p:cond delay="0" evt="onPrev">
+                  <p:tgtEl>
+                    <p:sldTgt/>
+                  </p:tgtEl>
+                </p:cond>
+              </p:prevCondLst>
+              <p:nextCondLst>
+                <p:cond delay="0" evt="onNext">
+                  <p:tgtEl>
+                    <p:sldTgt/>
+                  </p:tgtEl>
+                </p:cond>
+              </p:nextCondLst>
+            </p:seq>
+          </p:childTnLst>
+        </p:cTn>
+      </p:par>
+    </p:tnLst>
+  </p:timing>
+</p:sld>
+</file>
+
+<file path=ppt/slides/slide8.xml><?xml version="1.0" encoding="utf-8"?>
+<p:sld xmlns:a="http://schemas.openxmlformats.org/drawingml/2006/main" xmlns:p="http://schemas.openxmlformats.org/presentationml/2006/main" xmlns:r="http://schemas.openxmlformats.org/officeDocument/2006/relationships" xmlns:p14="http://schemas.microsoft.com/office/powerpoint/2010/main" xmlns:p15="http://schemas.microsoft.com/office/powerpoint/2012/main" xmlns:mc="http://schemas.openxmlformats.org/markup-compatibility/2006">
+  <p:cSld>
+    <p:spTree>
+      <p:nvGrpSpPr>
+        <p:cNvPr id="1" name=""/>
+        <p:cNvGrpSpPr/>
+        <p:nvPr/>
+      </p:nvGrpSpPr>
+      <p:grpSpPr>
+        <a:xfrm>
+          <a:off x="0" y="0"/>
+          <a:ext cx="0" cy="0"/>
+          <a:chOff x="0" y="0"/>
+          <a:chExt cx="0" cy="0"/>
+        </a:xfrm>
+      </p:grpSpPr>
+      <p:sp>
+        <p:nvSpPr>
+          <p:cNvPr id="86" name="CustomShape 1"/>
+          <p:cNvSpPr/>
+          <p:nvPr/>
+        </p:nvSpPr>
+        <p:spPr>
+          <a:xfrm>
+            <a:off x="457200" y="274680"/>
+            <a:ext cx="8227080" cy="1140480"/>
+          </a:xfrm>
+          <a:prstGeom prst="rect">
+            <a:avLst/>
+          </a:prstGeom>
+          <a:noFill/>
+          <a:ln>
+            <a:noFill/>
+          </a:ln>
+        </p:spPr>
+        <p:style>
+          <a:lnRef idx="0"/>
+          <a:fillRef idx="0"/>
+          <a:effectRef idx="0"/>
+          <a:fontRef idx="minor"/>
+        </p:style>
+        <p:txBody>
+          <a:bodyPr lIns="90000" rIns="90000" tIns="45000" bIns="45000" anchor="ctr"/>
+          <a:p>
+            <a:pPr algn="ctr">
+              <a:lnSpc>
+                <a:spcPct val="100000"/>
+              </a:lnSpc>
+            </a:pPr>
+            <a:r>
+              <a:rPr b="0" lang="pt-BR" sz="3200" spc="-1" strike="noStrike" u="sng">
+                <a:solidFill>
+                  <a:srgbClr val="0000ff"/>
+                </a:solidFill>
+                <a:uFill>
+                  <a:solidFill>
+                    <a:srgbClr val="ffffff"/>
+                  </a:solidFill>
+                </a:uFill>
+                <a:latin typeface="Calibri"/>
+                <a:ea typeface="DejaVu Sans"/>
+                <a:hlinkClick r:id="rId1"/>
+              </a:rPr>
+              <a:t>Issues registradas durante a iteração</a:t>
+            </a:r>
+            <a:endParaRPr b="0" lang="pt-BR" sz="1800" spc="-1" strike="noStrike">
+              <a:solidFill>
+                <a:srgbClr val="000000"/>
+              </a:solidFill>
+              <a:uFill>
+                <a:solidFill>
+                  <a:srgbClr val="ffffff"/>
+                </a:solidFill>
+              </a:uFill>
+              <a:latin typeface="Arial"/>
+            </a:endParaRPr>
+          </a:p>
+        </p:txBody>
+      </p:sp>
+      <p:pic>
+        <p:nvPicPr>
+          <p:cNvPr id="87" name="" descr=""/>
+          <p:cNvPicPr/>
+          <p:nvPr/>
+        </p:nvPicPr>
+        <p:blipFill>
+          <a:blip r:embed="rId2"/>
+          <a:stretch/>
+        </p:blipFill>
+        <p:spPr>
+          <a:xfrm>
+            <a:off x="0" y="1518120"/>
+            <a:ext cx="9142560" cy="4996800"/>
+          </a:xfrm>
+          <a:prstGeom prst="rect">
+            <a:avLst/>
+          </a:prstGeom>
+          <a:ln>
+            <a:noFill/>
+          </a:ln>
+        </p:spPr>
+      </p:pic>
+    </p:spTree>
+  </p:cSld>
+  <p:timing>
+    <p:tnLst>
+      <p:par>
+        <p:cTn id="15" dur="indefinite" restart="never" nodeType="tmRoot">
+          <p:childTnLst>
+            <p:seq>
+              <p:cTn id="16" nodeType="mainSeq"/>
+              <p:prevCondLst>
+                <p:cond delay="0" evt="onPrev">
+                  <p:tgtEl>
+                    <p:sldTgt/>
+                  </p:tgtEl>
+                </p:cond>
+              </p:prevCondLst>
+              <p:nextCondLst>
+                <p:cond delay="0" evt="onNext">
+                  <p:tgtEl>
+                    <p:sldTgt/>
+                  </p:tgtEl>
+                </p:cond>
+              </p:nextCondLst>
+            </p:seq>
+          </p:childTnLst>
+        </p:cTn>
+      </p:par>
+    </p:tnLst>
+  </p:timing>
+</p:sld>
+</file>
+
+<file path=ppt/slides/slide9.xml><?xml version="1.0" encoding="utf-8"?>
+<p:sld xmlns:a="http://schemas.openxmlformats.org/drawingml/2006/main" xmlns:p="http://schemas.openxmlformats.org/presentationml/2006/main" xmlns:r="http://schemas.openxmlformats.org/officeDocument/2006/relationships" xmlns:p14="http://schemas.microsoft.com/office/powerpoint/2010/main" xmlns:p15="http://schemas.microsoft.com/office/powerpoint/2012/main" xmlns:mc="http://schemas.openxmlformats.org/markup-compatibility/2006">
+  <p:cSld>
+    <p:spTree>
+      <p:nvGrpSpPr>
+        <p:cNvPr id="1" name=""/>
+        <p:cNvGrpSpPr/>
+        <p:nvPr/>
+      </p:nvGrpSpPr>
+      <p:grpSpPr>
+        <a:xfrm>
+          <a:off x="0" y="0"/>
+          <a:ext cx="0" cy="0"/>
+          <a:chOff x="0" y="0"/>
+          <a:chExt cx="0" cy="0"/>
+        </a:xfrm>
+      </p:grpSpPr>
+      <p:sp>
+        <p:nvSpPr>
+          <p:cNvPr id="88" name="CustomShape 1"/>
+          <p:cNvSpPr/>
+          <p:nvPr/>
+        </p:nvSpPr>
+        <p:spPr>
+          <a:xfrm>
+            <a:off x="457200" y="274680"/>
+            <a:ext cx="8227080" cy="1140480"/>
+          </a:xfrm>
+          <a:prstGeom prst="rect">
+            <a:avLst/>
+          </a:prstGeom>
+          <a:noFill/>
+          <a:ln>
+            <a:noFill/>
+          </a:ln>
+        </p:spPr>
+        <p:style>
+          <a:lnRef idx="0"/>
+          <a:fillRef idx="0"/>
+          <a:effectRef idx="0"/>
+          <a:fontRef idx="minor"/>
+        </p:style>
+        <p:txBody>
+          <a:bodyPr lIns="90000" rIns="90000" tIns="45000" bIns="45000" anchor="ctr"/>
+          <a:p>
+            <a:pPr algn="ctr">
+              <a:lnSpc>
+                <a:spcPct val="100000"/>
+              </a:lnSpc>
+            </a:pPr>
+            <a:r>
+              <a:rPr b="0" lang="pt-BR" sz="3200" spc="-1" strike="noStrike">
+                <a:solidFill>
+                  <a:srgbClr val="000000"/>
+                </a:solidFill>
+                <a:uFill>
+                  <a:solidFill>
+                    <a:srgbClr val="ffffff"/>
+                  </a:solidFill>
+                </a:uFill>
+                <a:latin typeface="Calibri"/>
+                <a:ea typeface="DejaVu Sans"/>
+              </a:rPr>
+              <a:t>Métricas - Jenkins Tendência de Testes e histôrico de builds </a:t>
+            </a:r>
+            <a:endParaRPr b="0" lang="pt-BR" sz="1800" spc="-1" strike="noStrike">
+              <a:solidFill>
+                <a:srgbClr val="000000"/>
+              </a:solidFill>
+              <a:uFill>
+                <a:solidFill>
+                  <a:srgbClr val="ffffff"/>
+                </a:solidFill>
+              </a:uFill>
+              <a:latin typeface="Arial"/>
+            </a:endParaRPr>
+          </a:p>
+        </p:txBody>
+      </p:sp>
+      <p:pic>
+        <p:nvPicPr>
+          <p:cNvPr id="89" name="" descr=""/>
+          <p:cNvPicPr/>
+          <p:nvPr/>
+        </p:nvPicPr>
+        <p:blipFill>
+          <a:blip r:embed="rId1"/>
+          <a:stretch/>
+        </p:blipFill>
+        <p:spPr>
+          <a:xfrm>
+            <a:off x="360" y="1448280"/>
+            <a:ext cx="9142560" cy="4958640"/>
+          </a:xfrm>
+          <a:prstGeom prst="rect">
+            <a:avLst/>
+          </a:prstGeom>
+          <a:ln>
+            <a:noFill/>
+          </a:ln>
+        </p:spPr>
+      </p:pic>
+    </p:spTree>
+  </p:cSld>
+  <p:timing>
+    <p:tnLst>
+      <p:par>
+        <p:cTn id="17" dur="indefinite" restart="never" nodeType="tmRoot">
+          <p:childTnLst>
+            <p:seq>
+              <p:cTn id="18" nodeType="mainSeq"/>
               <p:prevCondLst>
                 <p:cond delay="0" evt="onPrev">
                   <p:tgtEl>
